--- a/ppt/model.pptx
+++ b/ppt/model.pptx
@@ -6,7 +6,11 @@
   </p:sldMasterIdLst>
   <p:sldIdLst>
     <p:sldId id="256" r:id="rId2"/>
-    <p:sldId id="257" r:id="rId3"/>
+    <p:sldId id="259" r:id="rId3"/>
+    <p:sldId id="261" r:id="rId4"/>
+    <p:sldId id="257" r:id="rId5"/>
+    <p:sldId id="260" r:id="rId6"/>
+    <p:sldId id="258" r:id="rId7"/>
   </p:sldIdLst>
   <p:sldSz cx="12192000" cy="6858000"/>
   <p:notesSz cx="6858000" cy="9144000"/>
@@ -105,6 +109,11 @@
       </a:defRPr>
     </a:lvl9pPr>
   </p:defaultTextStyle>
+  <p:extLst>
+    <p:ext uri="{EFAFB233-063F-42B5-8137-9DF3F51BA10A}">
+      <p15:sldGuideLst xmlns:p15="http://schemas.microsoft.com/office/powerpoint/2012/main"/>
+    </p:ext>
+  </p:extLst>
 </p:presentation>
 </file>
 
@@ -3390,6 +3399,246 @@
 </file>
 
 <file path=ppt/slides/slide2.xml><?xml version="1.0" encoding="utf-8"?>
+<p:sld xmlns:a="http://schemas.openxmlformats.org/drawingml/2006/main" xmlns:r="http://schemas.openxmlformats.org/officeDocument/2006/relationships" xmlns:p="http://schemas.openxmlformats.org/presentationml/2006/main">
+  <p:cSld>
+    <p:spTree>
+      <p:nvGrpSpPr>
+        <p:cNvPr id="1" name=""/>
+        <p:cNvGrpSpPr/>
+        <p:nvPr/>
+      </p:nvGrpSpPr>
+      <p:grpSpPr>
+        <a:xfrm>
+          <a:off x="0" y="0"/>
+          <a:ext cx="0" cy="0"/>
+          <a:chOff x="0" y="0"/>
+          <a:chExt cx="0" cy="0"/>
+        </a:xfrm>
+      </p:grpSpPr>
+      <p:sp>
+        <p:nvSpPr>
+          <p:cNvPr id="2" name="Title 1">
+            <a:extLst>
+              <a:ext uri="{FF2B5EF4-FFF2-40B4-BE49-F238E27FC236}">
+                <a16:creationId xmlns:a16="http://schemas.microsoft.com/office/drawing/2014/main" id="{9BA399EB-DB31-8347-9702-FDC9D01563EC}"/>
+              </a:ext>
+            </a:extLst>
+          </p:cNvPr>
+          <p:cNvSpPr>
+            <a:spLocks noGrp="1"/>
+          </p:cNvSpPr>
+          <p:nvPr>
+            <p:ph type="title"/>
+          </p:nvPr>
+        </p:nvSpPr>
+        <p:spPr/>
+        <p:txBody>
+          <a:bodyPr/>
+          <a:lstStyle/>
+          <a:p>
+            <a:r>
+              <a:rPr lang="en-US" dirty="0"/>
+              <a:t>Objective</a:t>
+            </a:r>
+          </a:p>
+        </p:txBody>
+      </p:sp>
+      <p:sp>
+        <p:nvSpPr>
+          <p:cNvPr id="3" name="Content Placeholder 2">
+            <a:extLst>
+              <a:ext uri="{FF2B5EF4-FFF2-40B4-BE49-F238E27FC236}">
+                <a16:creationId xmlns:a16="http://schemas.microsoft.com/office/drawing/2014/main" id="{4B16A068-E41B-F744-8419-87A392C4CA32}"/>
+              </a:ext>
+            </a:extLst>
+          </p:cNvPr>
+          <p:cNvSpPr>
+            <a:spLocks noGrp="1"/>
+          </p:cNvSpPr>
+          <p:nvPr>
+            <p:ph idx="1"/>
+          </p:nvPr>
+        </p:nvSpPr>
+        <p:spPr/>
+        <p:txBody>
+          <a:bodyPr/>
+          <a:lstStyle/>
+          <a:p>
+            <a:r>
+              <a:rPr lang="ja-JP" altLang="en-US"/>
+              <a:t>学習を行い、識別モデルとして超解像を行う</a:t>
+            </a:r>
+            <a:r>
+              <a:rPr lang="en-US" altLang="ja-JP" dirty="0"/>
+              <a:t>.</a:t>
+            </a:r>
+          </a:p>
+          <a:p>
+            <a:r>
+              <a:rPr lang="ja-JP" altLang="en-US"/>
+              <a:t>ベイズの定理で全パターン調べ尽くしたものと、比較する</a:t>
+            </a:r>
+            <a:r>
+              <a:rPr lang="en-US" altLang="ja-JP" dirty="0"/>
+              <a:t>.</a:t>
+            </a:r>
+          </a:p>
+          <a:p>
+            <a:endParaRPr lang="en-US" dirty="0"/>
+          </a:p>
+        </p:txBody>
+      </p:sp>
+    </p:spTree>
+    <p:extLst>
+      <p:ext uri="{BB962C8B-B14F-4D97-AF65-F5344CB8AC3E}">
+        <p14:creationId xmlns:p14="http://schemas.microsoft.com/office/powerpoint/2010/main" val="443137754"/>
+      </p:ext>
+    </p:extLst>
+  </p:cSld>
+  <p:clrMapOvr>
+    <a:masterClrMapping/>
+  </p:clrMapOvr>
+</p:sld>
+</file>
+
+<file path=ppt/slides/slide3.xml><?xml version="1.0" encoding="utf-8"?>
+<p:sld xmlns:a="http://schemas.openxmlformats.org/drawingml/2006/main" xmlns:r="http://schemas.openxmlformats.org/officeDocument/2006/relationships" xmlns:p="http://schemas.openxmlformats.org/presentationml/2006/main">
+  <p:cSld>
+    <p:spTree>
+      <p:nvGrpSpPr>
+        <p:cNvPr id="1" name=""/>
+        <p:cNvGrpSpPr/>
+        <p:nvPr/>
+      </p:nvGrpSpPr>
+      <p:grpSpPr>
+        <a:xfrm>
+          <a:off x="0" y="0"/>
+          <a:ext cx="0" cy="0"/>
+          <a:chOff x="0" y="0"/>
+          <a:chExt cx="0" cy="0"/>
+        </a:xfrm>
+      </p:grpSpPr>
+      <p:sp>
+        <p:nvSpPr>
+          <p:cNvPr id="2" name="Title 1">
+            <a:extLst>
+              <a:ext uri="{FF2B5EF4-FFF2-40B4-BE49-F238E27FC236}">
+                <a16:creationId xmlns:a16="http://schemas.microsoft.com/office/drawing/2014/main" id="{AD2185E4-CE74-9945-88D8-0FCEF0FEDB51}"/>
+              </a:ext>
+            </a:extLst>
+          </p:cNvPr>
+          <p:cNvSpPr>
+            <a:spLocks noGrp="1"/>
+          </p:cNvSpPr>
+          <p:nvPr>
+            <p:ph type="title"/>
+          </p:nvPr>
+        </p:nvSpPr>
+        <p:spPr/>
+        <p:txBody>
+          <a:bodyPr/>
+          <a:lstStyle/>
+          <a:p>
+            <a:r>
+              <a:rPr lang="ja-JP" altLang="en-US"/>
+              <a:t>実験</a:t>
+            </a:r>
+            <a:r>
+              <a:rPr lang="en-US" altLang="ja-JP" dirty="0"/>
+              <a:t>1</a:t>
+            </a:r>
+            <a:endParaRPr lang="en-US" dirty="0"/>
+          </a:p>
+        </p:txBody>
+      </p:sp>
+      <p:sp>
+        <p:nvSpPr>
+          <p:cNvPr id="3" name="Content Placeholder 2">
+            <a:extLst>
+              <a:ext uri="{FF2B5EF4-FFF2-40B4-BE49-F238E27FC236}">
+                <a16:creationId xmlns:a16="http://schemas.microsoft.com/office/drawing/2014/main" id="{14A65522-CC50-2C4A-9DD9-E32482743826}"/>
+              </a:ext>
+            </a:extLst>
+          </p:cNvPr>
+          <p:cNvSpPr>
+            <a:spLocks noGrp="1"/>
+          </p:cNvSpPr>
+          <p:nvPr>
+            <p:ph idx="1"/>
+          </p:nvPr>
+        </p:nvSpPr>
+        <p:spPr/>
+        <p:txBody>
+          <a:bodyPr/>
+          <a:lstStyle/>
+          <a:p>
+            <a:r>
+              <a:rPr lang="ja-JP" altLang="en-US"/>
+              <a:t>モデル</a:t>
+            </a:r>
+            <a:r>
+              <a:rPr lang="en-US" altLang="ja-JP" dirty="0"/>
+              <a:t>:</a:t>
+            </a:r>
+            <a:r>
+              <a:rPr lang="ja-JP" altLang="en-US"/>
+              <a:t>次のスライド参照</a:t>
+            </a:r>
+            <a:endParaRPr lang="en-US" altLang="ja-JP" dirty="0"/>
+          </a:p>
+          <a:p>
+            <a:r>
+              <a:rPr lang="ja-JP" altLang="en-US"/>
+              <a:t>活性化関数</a:t>
+            </a:r>
+            <a:r>
+              <a:rPr lang="en-US" altLang="ja-JP" dirty="0"/>
+              <a:t>: </a:t>
+            </a:r>
+            <a:r>
+              <a:rPr lang="en-US" altLang="ja-JP" dirty="0" err="1"/>
+              <a:t>ReLU</a:t>
+            </a:r>
+            <a:endParaRPr lang="en-US" altLang="ja-JP" dirty="0"/>
+          </a:p>
+          <a:p>
+            <a:r>
+              <a:rPr lang="ja-JP" altLang="en-US"/>
+              <a:t>勾配降下法</a:t>
+            </a:r>
+            <a:r>
+              <a:rPr lang="en-US" altLang="ja-JP"/>
+              <a:t>:?</a:t>
+            </a:r>
+            <a:endParaRPr lang="en-US" altLang="ja-JP" dirty="0"/>
+          </a:p>
+          <a:p>
+            <a:r>
+              <a:rPr lang="ja-JP" altLang="en-US"/>
+              <a:t>隠れ層の数</a:t>
+            </a:r>
+            <a:r>
+              <a:rPr lang="en-US" altLang="ja-JP" dirty="0"/>
+              <a:t>:1</a:t>
+            </a:r>
+            <a:endParaRPr lang="en-US" dirty="0"/>
+          </a:p>
+        </p:txBody>
+      </p:sp>
+    </p:spTree>
+    <p:extLst>
+      <p:ext uri="{BB962C8B-B14F-4D97-AF65-F5344CB8AC3E}">
+        <p14:creationId xmlns:p14="http://schemas.microsoft.com/office/powerpoint/2010/main" val="3576337083"/>
+      </p:ext>
+    </p:extLst>
+  </p:cSld>
+  <p:clrMapOvr>
+    <a:masterClrMapping/>
+  </p:clrMapOvr>
+</p:sld>
+</file>
+
+<file path=ppt/slides/slide4.xml><?xml version="1.0" encoding="utf-8"?>
 <p:sld xmlns:a="http://schemas.openxmlformats.org/drawingml/2006/main" xmlns:r="http://schemas.openxmlformats.org/officeDocument/2006/relationships" xmlns:p="http://schemas.openxmlformats.org/presentationml/2006/main">
   <p:cSld>
     <p:spTree>
@@ -5492,10 +5741,2729 @@
           </a:fontRef>
         </p:style>
       </p:cxnSp>
+      <p:cxnSp>
+        <p:nvCxnSpPr>
+          <p:cNvPr id="46" name="Straight Arrow Connector 45">
+            <a:extLst>
+              <a:ext uri="{FF2B5EF4-FFF2-40B4-BE49-F238E27FC236}">
+                <a16:creationId xmlns:a16="http://schemas.microsoft.com/office/drawing/2014/main" id="{F445D9A6-B20E-0641-9B28-D39E0E757FF8}"/>
+              </a:ext>
+            </a:extLst>
+          </p:cNvPr>
+          <p:cNvCxnSpPr>
+            <a:cxnSpLocks/>
+            <a:stCxn id="24" idx="4"/>
+            <a:endCxn id="15" idx="0"/>
+          </p:cNvCxnSpPr>
+          <p:nvPr/>
+        </p:nvCxnSpPr>
+        <p:spPr>
+          <a:xfrm flipH="1">
+            <a:off x="2214880" y="3957320"/>
+            <a:ext cx="2423160" cy="1372552"/>
+          </a:xfrm>
+          <a:prstGeom prst="straightConnector1">
+            <a:avLst/>
+          </a:prstGeom>
+          <a:ln w="28575">
+            <a:solidFill>
+              <a:schemeClr val="accent1">
+                <a:lumMod val="75000"/>
+              </a:schemeClr>
+            </a:solidFill>
+            <a:tailEnd type="triangle"/>
+          </a:ln>
+        </p:spPr>
+        <p:style>
+          <a:lnRef idx="1">
+            <a:schemeClr val="accent2"/>
+          </a:lnRef>
+          <a:fillRef idx="0">
+            <a:schemeClr val="accent2"/>
+          </a:fillRef>
+          <a:effectRef idx="0">
+            <a:schemeClr val="accent2"/>
+          </a:effectRef>
+          <a:fontRef idx="minor">
+            <a:schemeClr val="tx1"/>
+          </a:fontRef>
+        </p:style>
+      </p:cxnSp>
+      <p:cxnSp>
+        <p:nvCxnSpPr>
+          <p:cNvPr id="49" name="Straight Arrow Connector 48">
+            <a:extLst>
+              <a:ext uri="{FF2B5EF4-FFF2-40B4-BE49-F238E27FC236}">
+                <a16:creationId xmlns:a16="http://schemas.microsoft.com/office/drawing/2014/main" id="{E8FCD0F1-D317-D64F-98E4-227738608A94}"/>
+              </a:ext>
+            </a:extLst>
+          </p:cNvPr>
+          <p:cNvCxnSpPr>
+            <a:cxnSpLocks/>
+            <a:stCxn id="24" idx="4"/>
+            <a:endCxn id="23" idx="0"/>
+          </p:cNvCxnSpPr>
+          <p:nvPr/>
+        </p:nvCxnSpPr>
+        <p:spPr>
+          <a:xfrm>
+            <a:off x="4638040" y="3957320"/>
+            <a:ext cx="5334000" cy="1372552"/>
+          </a:xfrm>
+          <a:prstGeom prst="straightConnector1">
+            <a:avLst/>
+          </a:prstGeom>
+          <a:ln w="28575">
+            <a:solidFill>
+              <a:schemeClr val="accent1">
+                <a:lumMod val="75000"/>
+              </a:schemeClr>
+            </a:solidFill>
+            <a:tailEnd type="triangle"/>
+          </a:ln>
+        </p:spPr>
+        <p:style>
+          <a:lnRef idx="1">
+            <a:schemeClr val="accent2"/>
+          </a:lnRef>
+          <a:fillRef idx="0">
+            <a:schemeClr val="accent2"/>
+          </a:fillRef>
+          <a:effectRef idx="0">
+            <a:schemeClr val="accent2"/>
+          </a:effectRef>
+          <a:fontRef idx="minor">
+            <a:schemeClr val="tx1"/>
+          </a:fontRef>
+        </p:style>
+      </p:cxnSp>
+      <p:cxnSp>
+        <p:nvCxnSpPr>
+          <p:cNvPr id="53" name="Straight Arrow Connector 52">
+            <a:extLst>
+              <a:ext uri="{FF2B5EF4-FFF2-40B4-BE49-F238E27FC236}">
+                <a16:creationId xmlns:a16="http://schemas.microsoft.com/office/drawing/2014/main" id="{863BC55B-FF0C-4C4B-9426-8FAC287F7AB8}"/>
+              </a:ext>
+            </a:extLst>
+          </p:cNvPr>
+          <p:cNvCxnSpPr>
+            <a:cxnSpLocks/>
+            <a:stCxn id="24" idx="4"/>
+            <a:endCxn id="16" idx="0"/>
+          </p:cNvCxnSpPr>
+          <p:nvPr/>
+        </p:nvCxnSpPr>
+        <p:spPr>
+          <a:xfrm flipH="1">
+            <a:off x="3185160" y="3957320"/>
+            <a:ext cx="1452880" cy="1372552"/>
+          </a:xfrm>
+          <a:prstGeom prst="straightConnector1">
+            <a:avLst/>
+          </a:prstGeom>
+          <a:ln w="28575">
+            <a:solidFill>
+              <a:schemeClr val="accent1">
+                <a:lumMod val="75000"/>
+              </a:schemeClr>
+            </a:solidFill>
+            <a:tailEnd type="triangle"/>
+          </a:ln>
+        </p:spPr>
+        <p:style>
+          <a:lnRef idx="1">
+            <a:schemeClr val="accent2"/>
+          </a:lnRef>
+          <a:fillRef idx="0">
+            <a:schemeClr val="accent2"/>
+          </a:fillRef>
+          <a:effectRef idx="0">
+            <a:schemeClr val="accent2"/>
+          </a:effectRef>
+          <a:fontRef idx="minor">
+            <a:schemeClr val="tx1"/>
+          </a:fontRef>
+        </p:style>
+      </p:cxnSp>
+      <mc:AlternateContent xmlns:mc="http://schemas.openxmlformats.org/markup-compatibility/2006">
+        <mc:Choice xmlns:a14="http://schemas.microsoft.com/office/drawing/2010/main" Requires="a14">
+          <p:sp>
+            <p:nvSpPr>
+              <p:cNvPr id="38" name="TextBox 37">
+                <a:extLst>
+                  <a:ext uri="{FF2B5EF4-FFF2-40B4-BE49-F238E27FC236}">
+                    <a16:creationId xmlns:a16="http://schemas.microsoft.com/office/drawing/2014/main" id="{BDF9EC3F-9899-5840-8D85-BF47684AF9C1}"/>
+                  </a:ext>
+                </a:extLst>
+              </p:cNvPr>
+              <p:cNvSpPr txBox="1"/>
+              <p:nvPr/>
+            </p:nvSpPr>
+            <p:spPr>
+              <a:xfrm>
+                <a:off x="2320506" y="4632385"/>
+                <a:ext cx="916982" cy="369332"/>
+              </a:xfrm>
+              <a:prstGeom prst="rect">
+                <a:avLst/>
+              </a:prstGeom>
+              <a:noFill/>
+            </p:spPr>
+            <p:txBody>
+              <a:bodyPr wrap="none" rtlCol="0">
+                <a:spAutoFit/>
+              </a:bodyPr>
+              <a:lstStyle/>
+              <a:p>
+                <a14:m>
+                  <m:oMathPara xmlns:m="http://schemas.openxmlformats.org/officeDocument/2006/math">
+                    <m:oMathParaPr>
+                      <m:jc m:val="centerGroup"/>
+                    </m:oMathParaPr>
+                    <m:oMath xmlns:m="http://schemas.openxmlformats.org/officeDocument/2006/math">
+                      <m:sSub>
+                        <m:sSubPr>
+                          <m:ctrlPr>
+                            <a:rPr lang="en-US" b="0" i="1" smtClean="0">
+                              <a:latin typeface="Cambria Math" panose="02040503050406030204" pitchFamily="18" charset="0"/>
+                            </a:rPr>
+                          </m:ctrlPr>
+                        </m:sSubPr>
+                        <m:e>
+                          <m:r>
+                            <a:rPr lang="en-US" b="0" i="1" smtClean="0">
+                              <a:latin typeface="Cambria Math" panose="02040503050406030204" pitchFamily="18" charset="0"/>
+                            </a:rPr>
+                            <m:t>𝑤</m:t>
+                          </m:r>
+                        </m:e>
+                        <m:sub>
+                          <m:r>
+                            <a:rPr lang="en-US" b="0" i="1" smtClean="0">
+                              <a:latin typeface="Cambria Math" panose="02040503050406030204" pitchFamily="18" charset="0"/>
+                            </a:rPr>
+                            <m:t>11−11</m:t>
+                          </m:r>
+                        </m:sub>
+                      </m:sSub>
+                    </m:oMath>
+                  </m:oMathPara>
+                </a14:m>
+                <a:endParaRPr lang="en-US" dirty="0"/>
+              </a:p>
+            </p:txBody>
+          </p:sp>
+        </mc:Choice>
+        <mc:Fallback>
+          <p:sp>
+            <p:nvSpPr>
+              <p:cNvPr id="38" name="TextBox 37">
+                <a:extLst>
+                  <a:ext uri="{FF2B5EF4-FFF2-40B4-BE49-F238E27FC236}">
+                    <a16:creationId xmlns:a16="http://schemas.microsoft.com/office/drawing/2014/main" id="{BDF9EC3F-9899-5840-8D85-BF47684AF9C1}"/>
+                  </a:ext>
+                </a:extLst>
+              </p:cNvPr>
+              <p:cNvSpPr txBox="1">
+                <a:spLocks noRot="1" noChangeAspect="1" noMove="1" noResize="1" noEditPoints="1" noAdjustHandles="1" noChangeArrowheads="1" noChangeShapeType="1" noTextEdit="1"/>
+              </p:cNvSpPr>
+              <p:nvPr/>
+            </p:nvSpPr>
+            <p:spPr>
+              <a:xfrm>
+                <a:off x="2320506" y="4632385"/>
+                <a:ext cx="916982" cy="369332"/>
+              </a:xfrm>
+              <a:prstGeom prst="rect">
+                <a:avLst/>
+              </a:prstGeom>
+              <a:blipFill>
+                <a:blip r:embed="rId2"/>
+                <a:stretch>
+                  <a:fillRect/>
+                </a:stretch>
+              </a:blipFill>
+            </p:spPr>
+            <p:txBody>
+              <a:bodyPr/>
+              <a:lstStyle/>
+              <a:p>
+                <a:r>
+                  <a:rPr lang="en-US">
+                    <a:noFill/>
+                  </a:rPr>
+                  <a:t> </a:t>
+                </a:r>
+              </a:p>
+            </p:txBody>
+          </p:sp>
+        </mc:Fallback>
+      </mc:AlternateContent>
+      <p:cxnSp>
+        <p:nvCxnSpPr>
+          <p:cNvPr id="41" name="Straight Connector 40">
+            <a:extLst>
+              <a:ext uri="{FF2B5EF4-FFF2-40B4-BE49-F238E27FC236}">
+                <a16:creationId xmlns:a16="http://schemas.microsoft.com/office/drawing/2014/main" id="{D072B893-6F57-134E-ADCE-9C93ECDAE514}"/>
+              </a:ext>
+            </a:extLst>
+          </p:cNvPr>
+          <p:cNvCxnSpPr>
+            <a:cxnSpLocks/>
+          </p:cNvCxnSpPr>
+          <p:nvPr/>
+        </p:nvCxnSpPr>
+        <p:spPr>
+          <a:xfrm>
+            <a:off x="4046939" y="5001717"/>
+            <a:ext cx="3122762" cy="0"/>
+          </a:xfrm>
+          <a:prstGeom prst="line">
+            <a:avLst/>
+          </a:prstGeom>
+          <a:ln w="28575">
+            <a:prstDash val="lgDash"/>
+          </a:ln>
+        </p:spPr>
+        <p:style>
+          <a:lnRef idx="1">
+            <a:schemeClr val="accent1"/>
+          </a:lnRef>
+          <a:fillRef idx="0">
+            <a:schemeClr val="accent1"/>
+          </a:fillRef>
+          <a:effectRef idx="0">
+            <a:schemeClr val="accent1"/>
+          </a:effectRef>
+          <a:fontRef idx="minor">
+            <a:schemeClr val="tx1"/>
+          </a:fontRef>
+        </p:style>
+      </p:cxnSp>
+      <p:sp>
+        <p:nvSpPr>
+          <p:cNvPr id="47" name="TextBox 46">
+            <a:extLst>
+              <a:ext uri="{FF2B5EF4-FFF2-40B4-BE49-F238E27FC236}">
+                <a16:creationId xmlns:a16="http://schemas.microsoft.com/office/drawing/2014/main" id="{506E20E1-36BC-184C-A6EC-B7FDDA1394AA}"/>
+              </a:ext>
+            </a:extLst>
+          </p:cNvPr>
+          <p:cNvSpPr txBox="1"/>
+          <p:nvPr/>
+        </p:nvSpPr>
+        <p:spPr>
+          <a:xfrm>
+            <a:off x="6737230" y="845392"/>
+            <a:ext cx="3599190" cy="646331"/>
+          </a:xfrm>
+          <a:prstGeom prst="rect">
+            <a:avLst/>
+          </a:prstGeom>
+          <a:solidFill>
+            <a:schemeClr val="bg1"/>
+          </a:solidFill>
+        </p:spPr>
+        <p:txBody>
+          <a:bodyPr wrap="none" rtlCol="0">
+            <a:spAutoFit/>
+          </a:bodyPr>
+          <a:lstStyle/>
+          <a:p>
+            <a:r>
+              <a:rPr lang="en-US" dirty="0"/>
+              <a:t>Assumption of </a:t>
+            </a:r>
+            <a:r>
+              <a:rPr lang="en-US" dirty="0" err="1"/>
+              <a:t>infomatical</a:t>
+            </a:r>
+            <a:r>
+              <a:rPr lang="en-US" dirty="0"/>
+              <a:t> reduction</a:t>
+            </a:r>
+          </a:p>
+          <a:p>
+            <a:r>
+              <a:rPr lang="en-US" dirty="0"/>
+              <a:t>(</a:t>
+            </a:r>
+            <a:r>
+              <a:rPr lang="en-US" b="1" i="1" dirty="0"/>
+              <a:t>not</a:t>
+            </a:r>
+            <a:r>
+              <a:rPr lang="en-US" dirty="0"/>
+              <a:t> required learning)</a:t>
+            </a:r>
+          </a:p>
+        </p:txBody>
+      </p:sp>
+      <p:sp>
+        <p:nvSpPr>
+          <p:cNvPr id="50" name="TextBox 49">
+            <a:extLst>
+              <a:ext uri="{FF2B5EF4-FFF2-40B4-BE49-F238E27FC236}">
+                <a16:creationId xmlns:a16="http://schemas.microsoft.com/office/drawing/2014/main" id="{38FC7A0D-5515-E645-BF68-5734624755C8}"/>
+              </a:ext>
+            </a:extLst>
+          </p:cNvPr>
+          <p:cNvSpPr txBox="1"/>
+          <p:nvPr/>
+        </p:nvSpPr>
+        <p:spPr>
+          <a:xfrm>
+            <a:off x="7275327" y="5892088"/>
+            <a:ext cx="3013710" cy="369332"/>
+          </a:xfrm>
+          <a:prstGeom prst="rect">
+            <a:avLst/>
+          </a:prstGeom>
+          <a:solidFill>
+            <a:schemeClr val="bg1"/>
+          </a:solidFill>
+        </p:spPr>
+        <p:txBody>
+          <a:bodyPr wrap="none" rtlCol="0">
+            <a:spAutoFit/>
+          </a:bodyPr>
+          <a:lstStyle/>
+          <a:p>
+            <a:r>
+              <a:rPr lang="en-US" dirty="0"/>
+              <a:t>Regression (</a:t>
+            </a:r>
+            <a:r>
+              <a:rPr lang="en-US" dirty="0">
+                <a:solidFill>
+                  <a:srgbClr val="FF0000"/>
+                </a:solidFill>
+              </a:rPr>
+              <a:t>required learning</a:t>
+            </a:r>
+            <a:r>
+              <a:rPr lang="en-US" dirty="0"/>
+              <a:t>)</a:t>
+            </a:r>
+          </a:p>
+        </p:txBody>
+      </p:sp>
     </p:spTree>
     <p:extLst>
       <p:ext uri="{BB962C8B-B14F-4D97-AF65-F5344CB8AC3E}">
         <p14:creationId xmlns:p14="http://schemas.microsoft.com/office/powerpoint/2010/main" val="697510792"/>
+      </p:ext>
+    </p:extLst>
+  </p:cSld>
+  <p:clrMapOvr>
+    <a:masterClrMapping/>
+  </p:clrMapOvr>
+</p:sld>
+</file>
+
+<file path=ppt/slides/slide5.xml><?xml version="1.0" encoding="utf-8"?>
+<p:sld xmlns:a="http://schemas.openxmlformats.org/drawingml/2006/main" xmlns:r="http://schemas.openxmlformats.org/officeDocument/2006/relationships" xmlns:p="http://schemas.openxmlformats.org/presentationml/2006/main">
+  <p:cSld>
+    <p:spTree>
+      <p:nvGrpSpPr>
+        <p:cNvPr id="1" name=""/>
+        <p:cNvGrpSpPr/>
+        <p:nvPr/>
+      </p:nvGrpSpPr>
+      <p:grpSpPr>
+        <a:xfrm>
+          <a:off x="0" y="0"/>
+          <a:ext cx="0" cy="0"/>
+          <a:chOff x="0" y="0"/>
+          <a:chExt cx="0" cy="0"/>
+        </a:xfrm>
+      </p:grpSpPr>
+      <p:sp>
+        <p:nvSpPr>
+          <p:cNvPr id="2" name="Title 1">
+            <a:extLst>
+              <a:ext uri="{FF2B5EF4-FFF2-40B4-BE49-F238E27FC236}">
+                <a16:creationId xmlns:a16="http://schemas.microsoft.com/office/drawing/2014/main" id="{95B2F62C-5518-7441-8CCB-E557C1B49CF5}"/>
+              </a:ext>
+            </a:extLst>
+          </p:cNvPr>
+          <p:cNvSpPr>
+            <a:spLocks noGrp="1"/>
+          </p:cNvSpPr>
+          <p:nvPr>
+            <p:ph type="title"/>
+          </p:nvPr>
+        </p:nvSpPr>
+        <p:spPr/>
+        <p:txBody>
+          <a:bodyPr/>
+          <a:lstStyle/>
+          <a:p>
+            <a:r>
+              <a:rPr lang="en-US" dirty="0"/>
+              <a:t>Memo</a:t>
+            </a:r>
+          </a:p>
+        </p:txBody>
+      </p:sp>
+      <p:sp>
+        <p:nvSpPr>
+          <p:cNvPr id="3" name="Content Placeholder 2">
+            <a:extLst>
+              <a:ext uri="{FF2B5EF4-FFF2-40B4-BE49-F238E27FC236}">
+                <a16:creationId xmlns:a16="http://schemas.microsoft.com/office/drawing/2014/main" id="{7DB1B09D-1BB4-3A41-8C0F-F4D7A9902F92}"/>
+              </a:ext>
+            </a:extLst>
+          </p:cNvPr>
+          <p:cNvSpPr>
+            <a:spLocks noGrp="1"/>
+          </p:cNvSpPr>
+          <p:nvPr>
+            <p:ph idx="1"/>
+          </p:nvPr>
+        </p:nvSpPr>
+        <p:spPr/>
+        <p:txBody>
+          <a:bodyPr>
+            <a:normAutofit fontScale="92500" lnSpcReduction="20000"/>
+          </a:bodyPr>
+          <a:lstStyle/>
+          <a:p>
+            <a:r>
+              <a:rPr lang="ja-JP" altLang="en-US"/>
+              <a:t>自由度が足りない気がする</a:t>
+            </a:r>
+            <a:endParaRPr lang="en-US" altLang="ja-JP" dirty="0"/>
+          </a:p>
+          <a:p>
+            <a:pPr lvl="1"/>
+            <a:r>
+              <a:rPr lang="ja-JP" altLang="en-US"/>
+              <a:t>深層化の必要があるかも</a:t>
+            </a:r>
+            <a:r>
+              <a:rPr lang="en-US" altLang="ja-JP" dirty="0"/>
+              <a:t>?</a:t>
+            </a:r>
+          </a:p>
+          <a:p>
+            <a:pPr lvl="1"/>
+            <a:endParaRPr lang="en-US" altLang="ja-JP" dirty="0"/>
+          </a:p>
+          <a:p>
+            <a:r>
+              <a:rPr lang="ja-JP" altLang="en-US"/>
+              <a:t>活性化関数の選択基準</a:t>
+            </a:r>
+            <a:endParaRPr lang="en-US" altLang="ja-JP" dirty="0"/>
+          </a:p>
+          <a:p>
+            <a:pPr lvl="1"/>
+            <a:r>
+              <a:rPr lang="en-US" altLang="ja-JP" dirty="0" err="1"/>
+              <a:t>ReLU</a:t>
+            </a:r>
+            <a:r>
+              <a:rPr lang="en-US" altLang="ja-JP" dirty="0"/>
+              <a:t>, Sigmoid, …</a:t>
+            </a:r>
+          </a:p>
+          <a:p>
+            <a:pPr lvl="1"/>
+            <a:endParaRPr lang="en-US" altLang="ja-JP" dirty="0"/>
+          </a:p>
+          <a:p>
+            <a:r>
+              <a:rPr lang="ja-JP" altLang="en-US"/>
+              <a:t>勾配降下法の選択基準</a:t>
+            </a:r>
+            <a:endParaRPr lang="en-US" altLang="ja-JP" dirty="0"/>
+          </a:p>
+          <a:p>
+            <a:pPr lvl="1"/>
+            <a:r>
+              <a:rPr lang="en-US" altLang="ja-JP" dirty="0"/>
+              <a:t>Momentum, Adam, KL-Divergence</a:t>
+            </a:r>
+          </a:p>
+          <a:p>
+            <a:pPr marL="457200" lvl="1" indent="0">
+              <a:buNone/>
+            </a:pPr>
+            <a:endParaRPr lang="en-US" altLang="ja-JP" dirty="0"/>
+          </a:p>
+          <a:p>
+            <a:r>
+              <a:rPr lang="ja-JP" altLang="en-US"/>
+              <a:t>入力画像による依存性</a:t>
+            </a:r>
+            <a:endParaRPr lang="en-US" altLang="ja-JP" dirty="0"/>
+          </a:p>
+          <a:p>
+            <a:pPr lvl="1"/>
+            <a:r>
+              <a:rPr lang="en-US" altLang="ja-JP" dirty="0"/>
+              <a:t>2</a:t>
+            </a:r>
+            <a:r>
+              <a:rPr lang="ja-JP" altLang="en-US"/>
+              <a:t>値画像以外においては</a:t>
+            </a:r>
+            <a:r>
+              <a:rPr lang="en-US" altLang="ja-JP" dirty="0"/>
+              <a:t>?</a:t>
+            </a:r>
+          </a:p>
+          <a:p>
+            <a:pPr lvl="1"/>
+            <a:r>
+              <a:rPr lang="ja-JP" altLang="en-US"/>
+              <a:t>画素数が変わったときは</a:t>
+            </a:r>
+            <a:r>
+              <a:rPr lang="en-US" altLang="ja-JP" dirty="0"/>
+              <a:t>?</a:t>
+            </a:r>
+          </a:p>
+          <a:p>
+            <a:pPr lvl="1"/>
+            <a:r>
+              <a:rPr lang="ja-JP" altLang="en-US"/>
+              <a:t>縦横比が変わったときは</a:t>
+            </a:r>
+            <a:r>
+              <a:rPr lang="en-US" altLang="ja-JP" dirty="0"/>
+              <a:t>?</a:t>
+            </a:r>
+          </a:p>
+          <a:p>
+            <a:pPr marL="457200" lvl="1" indent="0">
+              <a:buNone/>
+            </a:pPr>
+            <a:endParaRPr lang="en-US" altLang="ja-JP" dirty="0"/>
+          </a:p>
+        </p:txBody>
+      </p:sp>
+    </p:spTree>
+    <p:extLst>
+      <p:ext uri="{BB962C8B-B14F-4D97-AF65-F5344CB8AC3E}">
+        <p14:creationId xmlns:p14="http://schemas.microsoft.com/office/powerpoint/2010/main" val="708538418"/>
+      </p:ext>
+    </p:extLst>
+  </p:cSld>
+  <p:clrMapOvr>
+    <a:masterClrMapping/>
+  </p:clrMapOvr>
+</p:sld>
+</file>
+
+<file path=ppt/slides/slide6.xml><?xml version="1.0" encoding="utf-8"?>
+<p:sld xmlns:a="http://schemas.openxmlformats.org/drawingml/2006/main" xmlns:r="http://schemas.openxmlformats.org/officeDocument/2006/relationships" xmlns:p="http://schemas.openxmlformats.org/presentationml/2006/main">
+  <p:cSld>
+    <p:spTree>
+      <p:nvGrpSpPr>
+        <p:cNvPr id="1" name=""/>
+        <p:cNvGrpSpPr/>
+        <p:nvPr/>
+      </p:nvGrpSpPr>
+      <p:grpSpPr>
+        <a:xfrm>
+          <a:off x="0" y="0"/>
+          <a:ext cx="0" cy="0"/>
+          <a:chOff x="0" y="0"/>
+          <a:chExt cx="0" cy="0"/>
+        </a:xfrm>
+      </p:grpSpPr>
+      <p:sp>
+        <p:nvSpPr>
+          <p:cNvPr id="2" name="Title 1">
+            <a:extLst>
+              <a:ext uri="{FF2B5EF4-FFF2-40B4-BE49-F238E27FC236}">
+                <a16:creationId xmlns:a16="http://schemas.microsoft.com/office/drawing/2014/main" id="{BED1060A-8A2A-724D-AD8A-CA8F8D3FD27A}"/>
+              </a:ext>
+            </a:extLst>
+          </p:cNvPr>
+          <p:cNvSpPr>
+            <a:spLocks noGrp="1"/>
+          </p:cNvSpPr>
+          <p:nvPr>
+            <p:ph type="title"/>
+          </p:nvPr>
+        </p:nvSpPr>
+        <p:spPr/>
+        <p:txBody>
+          <a:bodyPr/>
+          <a:lstStyle/>
+          <a:p>
+            <a:r>
+              <a:rPr lang="en-US" dirty="0"/>
+              <a:t>Graphical Model</a:t>
+            </a:r>
+          </a:p>
+        </p:txBody>
+      </p:sp>
+      <p:grpSp>
+        <p:nvGrpSpPr>
+          <p:cNvPr id="13" name="Group 12">
+            <a:extLst>
+              <a:ext uri="{FF2B5EF4-FFF2-40B4-BE49-F238E27FC236}">
+                <a16:creationId xmlns:a16="http://schemas.microsoft.com/office/drawing/2014/main" id="{FD10D41C-1700-524C-921C-0B14DBC39EB5}"/>
+              </a:ext>
+            </a:extLst>
+          </p:cNvPr>
+          <p:cNvGrpSpPr/>
+          <p:nvPr/>
+        </p:nvGrpSpPr>
+        <p:grpSpPr>
+          <a:xfrm>
+            <a:off x="1953260" y="1528128"/>
+            <a:ext cx="8285480" cy="528320"/>
+            <a:chOff x="1737360" y="1568768"/>
+            <a:chExt cx="8285480" cy="528320"/>
+          </a:xfrm>
+        </p:grpSpPr>
+        <p:sp>
+          <p:nvSpPr>
+            <p:cNvPr id="4" name="Oval 3">
+              <a:extLst>
+                <a:ext uri="{FF2B5EF4-FFF2-40B4-BE49-F238E27FC236}">
+                  <a16:creationId xmlns:a16="http://schemas.microsoft.com/office/drawing/2014/main" id="{E94389C4-28BC-A744-B0FF-2A4C517E428F}"/>
+                </a:ext>
+              </a:extLst>
+            </p:cNvPr>
+            <p:cNvSpPr/>
+            <p:nvPr/>
+          </p:nvSpPr>
+          <p:spPr>
+            <a:xfrm>
+              <a:off x="1737360" y="1568768"/>
+              <a:ext cx="528320" cy="528320"/>
+            </a:xfrm>
+            <a:prstGeom prst="ellipse">
+              <a:avLst/>
+            </a:prstGeom>
+            <a:ln>
+              <a:solidFill>
+                <a:schemeClr val="tx1"/>
+              </a:solidFill>
+            </a:ln>
+          </p:spPr>
+          <p:style>
+            <a:lnRef idx="2">
+              <a:schemeClr val="accent3">
+                <a:shade val="50000"/>
+              </a:schemeClr>
+            </a:lnRef>
+            <a:fillRef idx="1">
+              <a:schemeClr val="accent3"/>
+            </a:fillRef>
+            <a:effectRef idx="0">
+              <a:schemeClr val="accent3"/>
+            </a:effectRef>
+            <a:fontRef idx="minor">
+              <a:schemeClr val="lt1"/>
+            </a:fontRef>
+          </p:style>
+          <p:txBody>
+            <a:bodyPr rtlCol="0" anchor="ctr"/>
+            <a:lstStyle/>
+            <a:p>
+              <a:pPr algn="ctr"/>
+              <a:r>
+                <a:rPr lang="en-US" sz="1400" dirty="0"/>
+                <a:t>11</a:t>
+              </a:r>
+              <a:endParaRPr lang="en-US" sz="2800" dirty="0"/>
+            </a:p>
+          </p:txBody>
+        </p:sp>
+        <p:sp>
+          <p:nvSpPr>
+            <p:cNvPr id="5" name="Oval 4">
+              <a:extLst>
+                <a:ext uri="{FF2B5EF4-FFF2-40B4-BE49-F238E27FC236}">
+                  <a16:creationId xmlns:a16="http://schemas.microsoft.com/office/drawing/2014/main" id="{7ACCBBD9-31D5-834F-B711-F8BD5CCF686A}"/>
+                </a:ext>
+              </a:extLst>
+            </p:cNvPr>
+            <p:cNvSpPr/>
+            <p:nvPr/>
+          </p:nvSpPr>
+          <p:spPr>
+            <a:xfrm>
+              <a:off x="2707640" y="1568768"/>
+              <a:ext cx="528320" cy="528320"/>
+            </a:xfrm>
+            <a:prstGeom prst="ellipse">
+              <a:avLst/>
+            </a:prstGeom>
+            <a:ln>
+              <a:solidFill>
+                <a:schemeClr val="tx1"/>
+              </a:solidFill>
+            </a:ln>
+          </p:spPr>
+          <p:style>
+            <a:lnRef idx="2">
+              <a:schemeClr val="accent3">
+                <a:shade val="50000"/>
+              </a:schemeClr>
+            </a:lnRef>
+            <a:fillRef idx="1">
+              <a:schemeClr val="accent3"/>
+            </a:fillRef>
+            <a:effectRef idx="0">
+              <a:schemeClr val="accent3"/>
+            </a:effectRef>
+            <a:fontRef idx="minor">
+              <a:schemeClr val="lt1"/>
+            </a:fontRef>
+          </p:style>
+          <p:txBody>
+            <a:bodyPr rtlCol="0" anchor="ctr"/>
+            <a:lstStyle/>
+            <a:p>
+              <a:pPr algn="ctr"/>
+              <a:r>
+                <a:rPr lang="en-US" sz="1400" dirty="0"/>
+                <a:t>12</a:t>
+              </a:r>
+            </a:p>
+          </p:txBody>
+        </p:sp>
+        <p:sp>
+          <p:nvSpPr>
+            <p:cNvPr id="6" name="Oval 5">
+              <a:extLst>
+                <a:ext uri="{FF2B5EF4-FFF2-40B4-BE49-F238E27FC236}">
+                  <a16:creationId xmlns:a16="http://schemas.microsoft.com/office/drawing/2014/main" id="{22B67ACC-7A3E-944B-91ED-6247C63CD430}"/>
+                </a:ext>
+              </a:extLst>
+            </p:cNvPr>
+            <p:cNvSpPr/>
+            <p:nvPr/>
+          </p:nvSpPr>
+          <p:spPr>
+            <a:xfrm>
+              <a:off x="3677920" y="1568768"/>
+              <a:ext cx="528320" cy="528320"/>
+            </a:xfrm>
+            <a:prstGeom prst="ellipse">
+              <a:avLst/>
+            </a:prstGeom>
+            <a:ln>
+              <a:solidFill>
+                <a:schemeClr val="tx1"/>
+              </a:solidFill>
+            </a:ln>
+          </p:spPr>
+          <p:style>
+            <a:lnRef idx="2">
+              <a:schemeClr val="accent3">
+                <a:shade val="50000"/>
+              </a:schemeClr>
+            </a:lnRef>
+            <a:fillRef idx="1">
+              <a:schemeClr val="accent3"/>
+            </a:fillRef>
+            <a:effectRef idx="0">
+              <a:schemeClr val="accent3"/>
+            </a:effectRef>
+            <a:fontRef idx="minor">
+              <a:schemeClr val="lt1"/>
+            </a:fontRef>
+          </p:style>
+          <p:txBody>
+            <a:bodyPr rtlCol="0" anchor="ctr"/>
+            <a:lstStyle/>
+            <a:p>
+              <a:pPr algn="ctr"/>
+              <a:r>
+                <a:rPr lang="en-US" dirty="0"/>
+                <a:t>13</a:t>
+              </a:r>
+            </a:p>
+          </p:txBody>
+        </p:sp>
+        <p:sp>
+          <p:nvSpPr>
+            <p:cNvPr id="7" name="Oval 6">
+              <a:extLst>
+                <a:ext uri="{FF2B5EF4-FFF2-40B4-BE49-F238E27FC236}">
+                  <a16:creationId xmlns:a16="http://schemas.microsoft.com/office/drawing/2014/main" id="{49735325-E40B-D947-A575-71028264BD2D}"/>
+                </a:ext>
+              </a:extLst>
+            </p:cNvPr>
+            <p:cNvSpPr/>
+            <p:nvPr/>
+          </p:nvSpPr>
+          <p:spPr>
+            <a:xfrm>
+              <a:off x="4643120" y="1568768"/>
+              <a:ext cx="528320" cy="528320"/>
+            </a:xfrm>
+            <a:prstGeom prst="ellipse">
+              <a:avLst/>
+            </a:prstGeom>
+            <a:ln>
+              <a:solidFill>
+                <a:schemeClr val="tx1"/>
+              </a:solidFill>
+            </a:ln>
+          </p:spPr>
+          <p:style>
+            <a:lnRef idx="2">
+              <a:schemeClr val="accent3">
+                <a:shade val="50000"/>
+              </a:schemeClr>
+            </a:lnRef>
+            <a:fillRef idx="1">
+              <a:schemeClr val="accent3"/>
+            </a:fillRef>
+            <a:effectRef idx="0">
+              <a:schemeClr val="accent3"/>
+            </a:effectRef>
+            <a:fontRef idx="minor">
+              <a:schemeClr val="lt1"/>
+            </a:fontRef>
+          </p:style>
+          <p:txBody>
+            <a:bodyPr rtlCol="0" anchor="ctr"/>
+            <a:lstStyle/>
+            <a:p>
+              <a:pPr algn="ctr"/>
+              <a:r>
+                <a:rPr lang="en-US" dirty="0"/>
+                <a:t>21</a:t>
+              </a:r>
+            </a:p>
+          </p:txBody>
+        </p:sp>
+        <p:sp>
+          <p:nvSpPr>
+            <p:cNvPr id="8" name="Oval 7">
+              <a:extLst>
+                <a:ext uri="{FF2B5EF4-FFF2-40B4-BE49-F238E27FC236}">
+                  <a16:creationId xmlns:a16="http://schemas.microsoft.com/office/drawing/2014/main" id="{DB349209-D7FB-A44D-82CD-8343497A4F0A}"/>
+                </a:ext>
+              </a:extLst>
+            </p:cNvPr>
+            <p:cNvSpPr/>
+            <p:nvPr/>
+          </p:nvSpPr>
+          <p:spPr>
+            <a:xfrm>
+              <a:off x="5613400" y="1568768"/>
+              <a:ext cx="528320" cy="528320"/>
+            </a:xfrm>
+            <a:prstGeom prst="ellipse">
+              <a:avLst/>
+            </a:prstGeom>
+            <a:ln>
+              <a:solidFill>
+                <a:schemeClr val="tx1"/>
+              </a:solidFill>
+            </a:ln>
+          </p:spPr>
+          <p:style>
+            <a:lnRef idx="2">
+              <a:schemeClr val="accent3">
+                <a:shade val="50000"/>
+              </a:schemeClr>
+            </a:lnRef>
+            <a:fillRef idx="1">
+              <a:schemeClr val="accent3"/>
+            </a:fillRef>
+            <a:effectRef idx="0">
+              <a:schemeClr val="accent3"/>
+            </a:effectRef>
+            <a:fontRef idx="minor">
+              <a:schemeClr val="lt1"/>
+            </a:fontRef>
+          </p:style>
+          <p:txBody>
+            <a:bodyPr rtlCol="0" anchor="ctr"/>
+            <a:lstStyle/>
+            <a:p>
+              <a:pPr algn="ctr"/>
+              <a:r>
+                <a:rPr lang="en-US" dirty="0"/>
+                <a:t>22</a:t>
+              </a:r>
+            </a:p>
+          </p:txBody>
+        </p:sp>
+        <p:sp>
+          <p:nvSpPr>
+            <p:cNvPr id="9" name="Oval 8">
+              <a:extLst>
+                <a:ext uri="{FF2B5EF4-FFF2-40B4-BE49-F238E27FC236}">
+                  <a16:creationId xmlns:a16="http://schemas.microsoft.com/office/drawing/2014/main" id="{6F2BABF8-3DD5-FD4A-8C95-502FC7599ED1}"/>
+                </a:ext>
+              </a:extLst>
+            </p:cNvPr>
+            <p:cNvSpPr/>
+            <p:nvPr/>
+          </p:nvSpPr>
+          <p:spPr>
+            <a:xfrm>
+              <a:off x="6583680" y="1568768"/>
+              <a:ext cx="528320" cy="528320"/>
+            </a:xfrm>
+            <a:prstGeom prst="ellipse">
+              <a:avLst/>
+            </a:prstGeom>
+            <a:ln>
+              <a:solidFill>
+                <a:schemeClr val="tx1"/>
+              </a:solidFill>
+            </a:ln>
+          </p:spPr>
+          <p:style>
+            <a:lnRef idx="2">
+              <a:schemeClr val="accent3">
+                <a:shade val="50000"/>
+              </a:schemeClr>
+            </a:lnRef>
+            <a:fillRef idx="1">
+              <a:schemeClr val="accent3"/>
+            </a:fillRef>
+            <a:effectRef idx="0">
+              <a:schemeClr val="accent3"/>
+            </a:effectRef>
+            <a:fontRef idx="minor">
+              <a:schemeClr val="lt1"/>
+            </a:fontRef>
+          </p:style>
+          <p:txBody>
+            <a:bodyPr rtlCol="0" anchor="ctr"/>
+            <a:lstStyle/>
+            <a:p>
+              <a:pPr algn="ctr"/>
+              <a:r>
+                <a:rPr lang="en-US" dirty="0"/>
+                <a:t>23</a:t>
+              </a:r>
+            </a:p>
+          </p:txBody>
+        </p:sp>
+        <p:sp>
+          <p:nvSpPr>
+            <p:cNvPr id="10" name="Oval 9">
+              <a:extLst>
+                <a:ext uri="{FF2B5EF4-FFF2-40B4-BE49-F238E27FC236}">
+                  <a16:creationId xmlns:a16="http://schemas.microsoft.com/office/drawing/2014/main" id="{F3B65C66-C2A8-EE4B-A23C-F5596EE3F674}"/>
+                </a:ext>
+              </a:extLst>
+            </p:cNvPr>
+            <p:cNvSpPr/>
+            <p:nvPr/>
+          </p:nvSpPr>
+          <p:spPr>
+            <a:xfrm>
+              <a:off x="7553960" y="1568768"/>
+              <a:ext cx="528320" cy="528320"/>
+            </a:xfrm>
+            <a:prstGeom prst="ellipse">
+              <a:avLst/>
+            </a:prstGeom>
+            <a:ln>
+              <a:solidFill>
+                <a:schemeClr val="tx1"/>
+              </a:solidFill>
+            </a:ln>
+          </p:spPr>
+          <p:style>
+            <a:lnRef idx="2">
+              <a:schemeClr val="accent3">
+                <a:shade val="50000"/>
+              </a:schemeClr>
+            </a:lnRef>
+            <a:fillRef idx="1">
+              <a:schemeClr val="accent3"/>
+            </a:fillRef>
+            <a:effectRef idx="0">
+              <a:schemeClr val="accent3"/>
+            </a:effectRef>
+            <a:fontRef idx="minor">
+              <a:schemeClr val="lt1"/>
+            </a:fontRef>
+          </p:style>
+          <p:txBody>
+            <a:bodyPr rtlCol="0" anchor="ctr"/>
+            <a:lstStyle/>
+            <a:p>
+              <a:pPr algn="ctr"/>
+              <a:r>
+                <a:rPr lang="en-US" dirty="0"/>
+                <a:t>31</a:t>
+              </a:r>
+            </a:p>
+          </p:txBody>
+        </p:sp>
+        <p:sp>
+          <p:nvSpPr>
+            <p:cNvPr id="11" name="Oval 10">
+              <a:extLst>
+                <a:ext uri="{FF2B5EF4-FFF2-40B4-BE49-F238E27FC236}">
+                  <a16:creationId xmlns:a16="http://schemas.microsoft.com/office/drawing/2014/main" id="{0782AD49-4919-134F-8B8E-4657A78DB7B6}"/>
+                </a:ext>
+              </a:extLst>
+            </p:cNvPr>
+            <p:cNvSpPr/>
+            <p:nvPr/>
+          </p:nvSpPr>
+          <p:spPr>
+            <a:xfrm>
+              <a:off x="8524240" y="1568768"/>
+              <a:ext cx="528320" cy="528320"/>
+            </a:xfrm>
+            <a:prstGeom prst="ellipse">
+              <a:avLst/>
+            </a:prstGeom>
+            <a:ln>
+              <a:solidFill>
+                <a:schemeClr val="tx1"/>
+              </a:solidFill>
+            </a:ln>
+          </p:spPr>
+          <p:style>
+            <a:lnRef idx="2">
+              <a:schemeClr val="accent3">
+                <a:shade val="50000"/>
+              </a:schemeClr>
+            </a:lnRef>
+            <a:fillRef idx="1">
+              <a:schemeClr val="accent3"/>
+            </a:fillRef>
+            <a:effectRef idx="0">
+              <a:schemeClr val="accent3"/>
+            </a:effectRef>
+            <a:fontRef idx="minor">
+              <a:schemeClr val="lt1"/>
+            </a:fontRef>
+          </p:style>
+          <p:txBody>
+            <a:bodyPr rtlCol="0" anchor="ctr"/>
+            <a:lstStyle/>
+            <a:p>
+              <a:pPr algn="ctr"/>
+              <a:r>
+                <a:rPr lang="en-US" dirty="0"/>
+                <a:t>32</a:t>
+              </a:r>
+            </a:p>
+          </p:txBody>
+        </p:sp>
+        <p:sp>
+          <p:nvSpPr>
+            <p:cNvPr id="12" name="Oval 11">
+              <a:extLst>
+                <a:ext uri="{FF2B5EF4-FFF2-40B4-BE49-F238E27FC236}">
+                  <a16:creationId xmlns:a16="http://schemas.microsoft.com/office/drawing/2014/main" id="{905452ED-CBE2-624D-A438-F0AAF7953F89}"/>
+                </a:ext>
+              </a:extLst>
+            </p:cNvPr>
+            <p:cNvSpPr/>
+            <p:nvPr/>
+          </p:nvSpPr>
+          <p:spPr>
+            <a:xfrm>
+              <a:off x="9494520" y="1568768"/>
+              <a:ext cx="528320" cy="528320"/>
+            </a:xfrm>
+            <a:prstGeom prst="ellipse">
+              <a:avLst/>
+            </a:prstGeom>
+            <a:ln>
+              <a:solidFill>
+                <a:schemeClr val="tx1"/>
+              </a:solidFill>
+            </a:ln>
+          </p:spPr>
+          <p:style>
+            <a:lnRef idx="2">
+              <a:schemeClr val="accent3">
+                <a:shade val="50000"/>
+              </a:schemeClr>
+            </a:lnRef>
+            <a:fillRef idx="1">
+              <a:schemeClr val="accent3"/>
+            </a:fillRef>
+            <a:effectRef idx="0">
+              <a:schemeClr val="accent3"/>
+            </a:effectRef>
+            <a:fontRef idx="minor">
+              <a:schemeClr val="lt1"/>
+            </a:fontRef>
+          </p:style>
+          <p:txBody>
+            <a:bodyPr rtlCol="0" anchor="ctr"/>
+            <a:lstStyle/>
+            <a:p>
+              <a:pPr algn="ctr"/>
+              <a:r>
+                <a:rPr lang="en-US" dirty="0"/>
+                <a:t>33</a:t>
+              </a:r>
+            </a:p>
+          </p:txBody>
+        </p:sp>
+      </p:grpSp>
+      <p:grpSp>
+        <p:nvGrpSpPr>
+          <p:cNvPr id="14" name="Group 13">
+            <a:extLst>
+              <a:ext uri="{FF2B5EF4-FFF2-40B4-BE49-F238E27FC236}">
+                <a16:creationId xmlns:a16="http://schemas.microsoft.com/office/drawing/2014/main" id="{A92CF080-F314-B647-A45F-623BC8F7151F}"/>
+              </a:ext>
+            </a:extLst>
+          </p:cNvPr>
+          <p:cNvGrpSpPr/>
+          <p:nvPr/>
+        </p:nvGrpSpPr>
+        <p:grpSpPr>
+          <a:xfrm>
+            <a:off x="1950720" y="5329872"/>
+            <a:ext cx="8285480" cy="528320"/>
+            <a:chOff x="1737360" y="1568768"/>
+            <a:chExt cx="8285480" cy="528320"/>
+          </a:xfrm>
+        </p:grpSpPr>
+        <p:sp>
+          <p:nvSpPr>
+            <p:cNvPr id="15" name="Oval 14">
+              <a:extLst>
+                <a:ext uri="{FF2B5EF4-FFF2-40B4-BE49-F238E27FC236}">
+                  <a16:creationId xmlns:a16="http://schemas.microsoft.com/office/drawing/2014/main" id="{3B0CDF93-BD36-2844-A650-30D9BC98EC58}"/>
+                </a:ext>
+              </a:extLst>
+            </p:cNvPr>
+            <p:cNvSpPr/>
+            <p:nvPr/>
+          </p:nvSpPr>
+          <p:spPr>
+            <a:xfrm>
+              <a:off x="1737360" y="1568768"/>
+              <a:ext cx="528320" cy="528320"/>
+            </a:xfrm>
+            <a:prstGeom prst="ellipse">
+              <a:avLst/>
+            </a:prstGeom>
+            <a:ln/>
+          </p:spPr>
+          <p:style>
+            <a:lnRef idx="2">
+              <a:schemeClr val="accent1">
+                <a:shade val="50000"/>
+              </a:schemeClr>
+            </a:lnRef>
+            <a:fillRef idx="1">
+              <a:schemeClr val="accent1"/>
+            </a:fillRef>
+            <a:effectRef idx="0">
+              <a:schemeClr val="accent1"/>
+            </a:effectRef>
+            <a:fontRef idx="minor">
+              <a:schemeClr val="lt1"/>
+            </a:fontRef>
+          </p:style>
+          <p:txBody>
+            <a:bodyPr rtlCol="0" anchor="ctr"/>
+            <a:lstStyle/>
+            <a:p>
+              <a:pPr algn="ctr"/>
+              <a:r>
+                <a:rPr lang="en-US" dirty="0"/>
+                <a:t>11</a:t>
+              </a:r>
+            </a:p>
+          </p:txBody>
+        </p:sp>
+        <p:sp>
+          <p:nvSpPr>
+            <p:cNvPr id="16" name="Oval 15">
+              <a:extLst>
+                <a:ext uri="{FF2B5EF4-FFF2-40B4-BE49-F238E27FC236}">
+                  <a16:creationId xmlns:a16="http://schemas.microsoft.com/office/drawing/2014/main" id="{FF723FF1-941E-4B4A-AFF3-C86380117AF7}"/>
+                </a:ext>
+              </a:extLst>
+            </p:cNvPr>
+            <p:cNvSpPr/>
+            <p:nvPr/>
+          </p:nvSpPr>
+          <p:spPr>
+            <a:xfrm>
+              <a:off x="2707640" y="1568768"/>
+              <a:ext cx="528320" cy="528320"/>
+            </a:xfrm>
+            <a:prstGeom prst="ellipse">
+              <a:avLst/>
+            </a:prstGeom>
+            <a:ln/>
+          </p:spPr>
+          <p:style>
+            <a:lnRef idx="2">
+              <a:schemeClr val="accent1">
+                <a:shade val="50000"/>
+              </a:schemeClr>
+            </a:lnRef>
+            <a:fillRef idx="1">
+              <a:schemeClr val="accent1"/>
+            </a:fillRef>
+            <a:effectRef idx="0">
+              <a:schemeClr val="accent1"/>
+            </a:effectRef>
+            <a:fontRef idx="minor">
+              <a:schemeClr val="lt1"/>
+            </a:fontRef>
+          </p:style>
+          <p:txBody>
+            <a:bodyPr rtlCol="0" anchor="ctr"/>
+            <a:lstStyle/>
+            <a:p>
+              <a:pPr algn="ctr"/>
+              <a:r>
+                <a:rPr lang="en-US" dirty="0"/>
+                <a:t>12</a:t>
+              </a:r>
+            </a:p>
+          </p:txBody>
+        </p:sp>
+        <p:sp>
+          <p:nvSpPr>
+            <p:cNvPr id="17" name="Oval 16">
+              <a:extLst>
+                <a:ext uri="{FF2B5EF4-FFF2-40B4-BE49-F238E27FC236}">
+                  <a16:creationId xmlns:a16="http://schemas.microsoft.com/office/drawing/2014/main" id="{112FB249-7B5B-8148-A3A2-B665C39B7AD9}"/>
+                </a:ext>
+              </a:extLst>
+            </p:cNvPr>
+            <p:cNvSpPr/>
+            <p:nvPr/>
+          </p:nvSpPr>
+          <p:spPr>
+            <a:xfrm>
+              <a:off x="3677920" y="1568768"/>
+              <a:ext cx="528320" cy="528320"/>
+            </a:xfrm>
+            <a:prstGeom prst="ellipse">
+              <a:avLst/>
+            </a:prstGeom>
+            <a:ln/>
+          </p:spPr>
+          <p:style>
+            <a:lnRef idx="2">
+              <a:schemeClr val="accent1">
+                <a:shade val="50000"/>
+              </a:schemeClr>
+            </a:lnRef>
+            <a:fillRef idx="1">
+              <a:schemeClr val="accent1"/>
+            </a:fillRef>
+            <a:effectRef idx="0">
+              <a:schemeClr val="accent1"/>
+            </a:effectRef>
+            <a:fontRef idx="minor">
+              <a:schemeClr val="lt1"/>
+            </a:fontRef>
+          </p:style>
+          <p:txBody>
+            <a:bodyPr rtlCol="0" anchor="ctr"/>
+            <a:lstStyle/>
+            <a:p>
+              <a:pPr algn="ctr"/>
+              <a:r>
+                <a:rPr lang="en-US" dirty="0"/>
+                <a:t>13</a:t>
+              </a:r>
+            </a:p>
+          </p:txBody>
+        </p:sp>
+        <p:sp>
+          <p:nvSpPr>
+            <p:cNvPr id="18" name="Oval 17">
+              <a:extLst>
+                <a:ext uri="{FF2B5EF4-FFF2-40B4-BE49-F238E27FC236}">
+                  <a16:creationId xmlns:a16="http://schemas.microsoft.com/office/drawing/2014/main" id="{CC2F629F-CED7-D54C-8D79-922E8CF0C24B}"/>
+                </a:ext>
+              </a:extLst>
+            </p:cNvPr>
+            <p:cNvSpPr/>
+            <p:nvPr/>
+          </p:nvSpPr>
+          <p:spPr>
+            <a:xfrm>
+              <a:off x="4643120" y="1568768"/>
+              <a:ext cx="528320" cy="528320"/>
+            </a:xfrm>
+            <a:prstGeom prst="ellipse">
+              <a:avLst/>
+            </a:prstGeom>
+            <a:ln/>
+          </p:spPr>
+          <p:style>
+            <a:lnRef idx="2">
+              <a:schemeClr val="accent1">
+                <a:shade val="50000"/>
+              </a:schemeClr>
+            </a:lnRef>
+            <a:fillRef idx="1">
+              <a:schemeClr val="accent1"/>
+            </a:fillRef>
+            <a:effectRef idx="0">
+              <a:schemeClr val="accent1"/>
+            </a:effectRef>
+            <a:fontRef idx="minor">
+              <a:schemeClr val="lt1"/>
+            </a:fontRef>
+          </p:style>
+          <p:txBody>
+            <a:bodyPr rtlCol="0" anchor="ctr"/>
+            <a:lstStyle/>
+            <a:p>
+              <a:pPr algn="ctr"/>
+              <a:r>
+                <a:rPr lang="en-US" dirty="0"/>
+                <a:t>21</a:t>
+              </a:r>
+            </a:p>
+          </p:txBody>
+        </p:sp>
+        <p:sp>
+          <p:nvSpPr>
+            <p:cNvPr id="19" name="Oval 18">
+              <a:extLst>
+                <a:ext uri="{FF2B5EF4-FFF2-40B4-BE49-F238E27FC236}">
+                  <a16:creationId xmlns:a16="http://schemas.microsoft.com/office/drawing/2014/main" id="{309DA86E-F15E-CE46-9570-AEC7F3C262D9}"/>
+                </a:ext>
+              </a:extLst>
+            </p:cNvPr>
+            <p:cNvSpPr/>
+            <p:nvPr/>
+          </p:nvSpPr>
+          <p:spPr>
+            <a:xfrm>
+              <a:off x="5613400" y="1568768"/>
+              <a:ext cx="528320" cy="528320"/>
+            </a:xfrm>
+            <a:prstGeom prst="ellipse">
+              <a:avLst/>
+            </a:prstGeom>
+            <a:ln/>
+          </p:spPr>
+          <p:style>
+            <a:lnRef idx="2">
+              <a:schemeClr val="accent1">
+                <a:shade val="50000"/>
+              </a:schemeClr>
+            </a:lnRef>
+            <a:fillRef idx="1">
+              <a:schemeClr val="accent1"/>
+            </a:fillRef>
+            <a:effectRef idx="0">
+              <a:schemeClr val="accent1"/>
+            </a:effectRef>
+            <a:fontRef idx="minor">
+              <a:schemeClr val="lt1"/>
+            </a:fontRef>
+          </p:style>
+          <p:txBody>
+            <a:bodyPr rtlCol="0" anchor="ctr"/>
+            <a:lstStyle/>
+            <a:p>
+              <a:pPr algn="ctr"/>
+              <a:r>
+                <a:rPr lang="en-US" dirty="0"/>
+                <a:t>22</a:t>
+              </a:r>
+            </a:p>
+          </p:txBody>
+        </p:sp>
+        <p:sp>
+          <p:nvSpPr>
+            <p:cNvPr id="20" name="Oval 19">
+              <a:extLst>
+                <a:ext uri="{FF2B5EF4-FFF2-40B4-BE49-F238E27FC236}">
+                  <a16:creationId xmlns:a16="http://schemas.microsoft.com/office/drawing/2014/main" id="{691DC262-FA63-6340-AE7D-DCC7147334B3}"/>
+                </a:ext>
+              </a:extLst>
+            </p:cNvPr>
+            <p:cNvSpPr/>
+            <p:nvPr/>
+          </p:nvSpPr>
+          <p:spPr>
+            <a:xfrm>
+              <a:off x="6583680" y="1568768"/>
+              <a:ext cx="528320" cy="528320"/>
+            </a:xfrm>
+            <a:prstGeom prst="ellipse">
+              <a:avLst/>
+            </a:prstGeom>
+            <a:ln/>
+          </p:spPr>
+          <p:style>
+            <a:lnRef idx="2">
+              <a:schemeClr val="accent1">
+                <a:shade val="50000"/>
+              </a:schemeClr>
+            </a:lnRef>
+            <a:fillRef idx="1">
+              <a:schemeClr val="accent1"/>
+            </a:fillRef>
+            <a:effectRef idx="0">
+              <a:schemeClr val="accent1"/>
+            </a:effectRef>
+            <a:fontRef idx="minor">
+              <a:schemeClr val="lt1"/>
+            </a:fontRef>
+          </p:style>
+          <p:txBody>
+            <a:bodyPr rtlCol="0" anchor="ctr"/>
+            <a:lstStyle/>
+            <a:p>
+              <a:pPr algn="ctr"/>
+              <a:r>
+                <a:rPr lang="en-US" dirty="0"/>
+                <a:t>23</a:t>
+              </a:r>
+            </a:p>
+          </p:txBody>
+        </p:sp>
+        <p:sp>
+          <p:nvSpPr>
+            <p:cNvPr id="21" name="Oval 20">
+              <a:extLst>
+                <a:ext uri="{FF2B5EF4-FFF2-40B4-BE49-F238E27FC236}">
+                  <a16:creationId xmlns:a16="http://schemas.microsoft.com/office/drawing/2014/main" id="{3D5A58FD-3A50-C247-916D-B7277467543A}"/>
+                </a:ext>
+              </a:extLst>
+            </p:cNvPr>
+            <p:cNvSpPr/>
+            <p:nvPr/>
+          </p:nvSpPr>
+          <p:spPr>
+            <a:xfrm>
+              <a:off x="7553960" y="1568768"/>
+              <a:ext cx="528320" cy="528320"/>
+            </a:xfrm>
+            <a:prstGeom prst="ellipse">
+              <a:avLst/>
+            </a:prstGeom>
+            <a:ln/>
+          </p:spPr>
+          <p:style>
+            <a:lnRef idx="2">
+              <a:schemeClr val="accent1">
+                <a:shade val="50000"/>
+              </a:schemeClr>
+            </a:lnRef>
+            <a:fillRef idx="1">
+              <a:schemeClr val="accent1"/>
+            </a:fillRef>
+            <a:effectRef idx="0">
+              <a:schemeClr val="accent1"/>
+            </a:effectRef>
+            <a:fontRef idx="minor">
+              <a:schemeClr val="lt1"/>
+            </a:fontRef>
+          </p:style>
+          <p:txBody>
+            <a:bodyPr rtlCol="0" anchor="ctr"/>
+            <a:lstStyle/>
+            <a:p>
+              <a:pPr algn="ctr"/>
+              <a:r>
+                <a:rPr lang="en-US" dirty="0"/>
+                <a:t>31</a:t>
+              </a:r>
+            </a:p>
+          </p:txBody>
+        </p:sp>
+        <p:sp>
+          <p:nvSpPr>
+            <p:cNvPr id="22" name="Oval 21">
+              <a:extLst>
+                <a:ext uri="{FF2B5EF4-FFF2-40B4-BE49-F238E27FC236}">
+                  <a16:creationId xmlns:a16="http://schemas.microsoft.com/office/drawing/2014/main" id="{F3144DEF-59ED-7B44-9700-DB9165E416AE}"/>
+                </a:ext>
+              </a:extLst>
+            </p:cNvPr>
+            <p:cNvSpPr/>
+            <p:nvPr/>
+          </p:nvSpPr>
+          <p:spPr>
+            <a:xfrm>
+              <a:off x="8524240" y="1568768"/>
+              <a:ext cx="528320" cy="528320"/>
+            </a:xfrm>
+            <a:prstGeom prst="ellipse">
+              <a:avLst/>
+            </a:prstGeom>
+            <a:ln/>
+          </p:spPr>
+          <p:style>
+            <a:lnRef idx="2">
+              <a:schemeClr val="accent1">
+                <a:shade val="50000"/>
+              </a:schemeClr>
+            </a:lnRef>
+            <a:fillRef idx="1">
+              <a:schemeClr val="accent1"/>
+            </a:fillRef>
+            <a:effectRef idx="0">
+              <a:schemeClr val="accent1"/>
+            </a:effectRef>
+            <a:fontRef idx="minor">
+              <a:schemeClr val="lt1"/>
+            </a:fontRef>
+          </p:style>
+          <p:txBody>
+            <a:bodyPr rtlCol="0" anchor="ctr"/>
+            <a:lstStyle/>
+            <a:p>
+              <a:pPr algn="ctr"/>
+              <a:r>
+                <a:rPr lang="en-US" dirty="0"/>
+                <a:t>32</a:t>
+              </a:r>
+            </a:p>
+          </p:txBody>
+        </p:sp>
+        <p:sp>
+          <p:nvSpPr>
+            <p:cNvPr id="23" name="Oval 22">
+              <a:extLst>
+                <a:ext uri="{FF2B5EF4-FFF2-40B4-BE49-F238E27FC236}">
+                  <a16:creationId xmlns:a16="http://schemas.microsoft.com/office/drawing/2014/main" id="{F6711D6A-920D-AD42-9BC6-B4C333D11D09}"/>
+                </a:ext>
+              </a:extLst>
+            </p:cNvPr>
+            <p:cNvSpPr/>
+            <p:nvPr/>
+          </p:nvSpPr>
+          <p:spPr>
+            <a:xfrm>
+              <a:off x="9494520" y="1568768"/>
+              <a:ext cx="528320" cy="528320"/>
+            </a:xfrm>
+            <a:prstGeom prst="ellipse">
+              <a:avLst/>
+            </a:prstGeom>
+            <a:ln/>
+          </p:spPr>
+          <p:style>
+            <a:lnRef idx="2">
+              <a:schemeClr val="accent1">
+                <a:shade val="50000"/>
+              </a:schemeClr>
+            </a:lnRef>
+            <a:fillRef idx="1">
+              <a:schemeClr val="accent1"/>
+            </a:fillRef>
+            <a:effectRef idx="0">
+              <a:schemeClr val="accent1"/>
+            </a:effectRef>
+            <a:fontRef idx="minor">
+              <a:schemeClr val="lt1"/>
+            </a:fontRef>
+          </p:style>
+          <p:txBody>
+            <a:bodyPr rtlCol="0" anchor="ctr"/>
+            <a:lstStyle/>
+            <a:p>
+              <a:pPr algn="ctr"/>
+              <a:r>
+                <a:rPr lang="en-US" dirty="0"/>
+                <a:t>33</a:t>
+              </a:r>
+            </a:p>
+          </p:txBody>
+        </p:sp>
+      </p:grpSp>
+      <p:grpSp>
+        <p:nvGrpSpPr>
+          <p:cNvPr id="28" name="Group 27">
+            <a:extLst>
+              <a:ext uri="{FF2B5EF4-FFF2-40B4-BE49-F238E27FC236}">
+                <a16:creationId xmlns:a16="http://schemas.microsoft.com/office/drawing/2014/main" id="{AF0ABCC0-8FEC-9148-8FFD-3AAF87B88AA1}"/>
+              </a:ext>
+            </a:extLst>
+          </p:cNvPr>
+          <p:cNvGrpSpPr/>
+          <p:nvPr/>
+        </p:nvGrpSpPr>
+        <p:grpSpPr>
+          <a:xfrm>
+            <a:off x="4373880" y="3429000"/>
+            <a:ext cx="3434080" cy="528320"/>
+            <a:chOff x="4333240" y="3063240"/>
+            <a:chExt cx="3434080" cy="528320"/>
+          </a:xfrm>
+        </p:grpSpPr>
+        <p:sp>
+          <p:nvSpPr>
+            <p:cNvPr id="24" name="Oval 23">
+              <a:extLst>
+                <a:ext uri="{FF2B5EF4-FFF2-40B4-BE49-F238E27FC236}">
+                  <a16:creationId xmlns:a16="http://schemas.microsoft.com/office/drawing/2014/main" id="{A10561B5-E941-DD40-9868-B26FDF617716}"/>
+                </a:ext>
+              </a:extLst>
+            </p:cNvPr>
+            <p:cNvSpPr/>
+            <p:nvPr/>
+          </p:nvSpPr>
+          <p:spPr>
+            <a:xfrm>
+              <a:off x="4333240" y="3063240"/>
+              <a:ext cx="528320" cy="528320"/>
+            </a:xfrm>
+            <a:prstGeom prst="ellipse">
+              <a:avLst/>
+            </a:prstGeom>
+            <a:ln/>
+          </p:spPr>
+          <p:style>
+            <a:lnRef idx="2">
+              <a:schemeClr val="accent2">
+                <a:shade val="50000"/>
+              </a:schemeClr>
+            </a:lnRef>
+            <a:fillRef idx="1">
+              <a:schemeClr val="accent2"/>
+            </a:fillRef>
+            <a:effectRef idx="0">
+              <a:schemeClr val="accent2"/>
+            </a:effectRef>
+            <a:fontRef idx="minor">
+              <a:schemeClr val="lt1"/>
+            </a:fontRef>
+          </p:style>
+          <p:txBody>
+            <a:bodyPr rtlCol="0" anchor="ctr"/>
+            <a:lstStyle/>
+            <a:p>
+              <a:pPr algn="ctr"/>
+              <a:r>
+                <a:rPr lang="en-US" dirty="0"/>
+                <a:t>11</a:t>
+              </a:r>
+            </a:p>
+          </p:txBody>
+        </p:sp>
+        <p:sp>
+          <p:nvSpPr>
+            <p:cNvPr id="25" name="Oval 24">
+              <a:extLst>
+                <a:ext uri="{FF2B5EF4-FFF2-40B4-BE49-F238E27FC236}">
+                  <a16:creationId xmlns:a16="http://schemas.microsoft.com/office/drawing/2014/main" id="{2D0911E9-379D-724B-8D8A-CDA334129401}"/>
+                </a:ext>
+              </a:extLst>
+            </p:cNvPr>
+            <p:cNvSpPr/>
+            <p:nvPr/>
+          </p:nvSpPr>
+          <p:spPr>
+            <a:xfrm>
+              <a:off x="5303520" y="3063240"/>
+              <a:ext cx="528320" cy="528320"/>
+            </a:xfrm>
+            <a:prstGeom prst="ellipse">
+              <a:avLst/>
+            </a:prstGeom>
+            <a:ln/>
+          </p:spPr>
+          <p:style>
+            <a:lnRef idx="2">
+              <a:schemeClr val="accent2">
+                <a:shade val="50000"/>
+              </a:schemeClr>
+            </a:lnRef>
+            <a:fillRef idx="1">
+              <a:schemeClr val="accent2"/>
+            </a:fillRef>
+            <a:effectRef idx="0">
+              <a:schemeClr val="accent2"/>
+            </a:effectRef>
+            <a:fontRef idx="minor">
+              <a:schemeClr val="lt1"/>
+            </a:fontRef>
+          </p:style>
+          <p:txBody>
+            <a:bodyPr rtlCol="0" anchor="ctr"/>
+            <a:lstStyle/>
+            <a:p>
+              <a:pPr algn="ctr"/>
+              <a:r>
+                <a:rPr lang="en-US" dirty="0"/>
+                <a:t>12</a:t>
+              </a:r>
+            </a:p>
+          </p:txBody>
+        </p:sp>
+        <p:sp>
+          <p:nvSpPr>
+            <p:cNvPr id="26" name="Oval 25">
+              <a:extLst>
+                <a:ext uri="{FF2B5EF4-FFF2-40B4-BE49-F238E27FC236}">
+                  <a16:creationId xmlns:a16="http://schemas.microsoft.com/office/drawing/2014/main" id="{A1487150-B66C-4545-B924-8A1E6E308ABF}"/>
+                </a:ext>
+              </a:extLst>
+            </p:cNvPr>
+            <p:cNvSpPr/>
+            <p:nvPr/>
+          </p:nvSpPr>
+          <p:spPr>
+            <a:xfrm>
+              <a:off x="6273800" y="3063240"/>
+              <a:ext cx="528320" cy="528320"/>
+            </a:xfrm>
+            <a:prstGeom prst="ellipse">
+              <a:avLst/>
+            </a:prstGeom>
+            <a:ln/>
+          </p:spPr>
+          <p:style>
+            <a:lnRef idx="2">
+              <a:schemeClr val="accent2">
+                <a:shade val="50000"/>
+              </a:schemeClr>
+            </a:lnRef>
+            <a:fillRef idx="1">
+              <a:schemeClr val="accent2"/>
+            </a:fillRef>
+            <a:effectRef idx="0">
+              <a:schemeClr val="accent2"/>
+            </a:effectRef>
+            <a:fontRef idx="minor">
+              <a:schemeClr val="lt1"/>
+            </a:fontRef>
+          </p:style>
+          <p:txBody>
+            <a:bodyPr rtlCol="0" anchor="ctr"/>
+            <a:lstStyle/>
+            <a:p>
+              <a:pPr algn="ctr"/>
+              <a:r>
+                <a:rPr lang="en-US" dirty="0"/>
+                <a:t>21</a:t>
+              </a:r>
+            </a:p>
+          </p:txBody>
+        </p:sp>
+        <p:sp>
+          <p:nvSpPr>
+            <p:cNvPr id="27" name="Oval 26">
+              <a:extLst>
+                <a:ext uri="{FF2B5EF4-FFF2-40B4-BE49-F238E27FC236}">
+                  <a16:creationId xmlns:a16="http://schemas.microsoft.com/office/drawing/2014/main" id="{41F8A9B7-419F-DD45-B85C-A3E362DEEEDA}"/>
+                </a:ext>
+              </a:extLst>
+            </p:cNvPr>
+            <p:cNvSpPr/>
+            <p:nvPr/>
+          </p:nvSpPr>
+          <p:spPr>
+            <a:xfrm>
+              <a:off x="7239000" y="3063240"/>
+              <a:ext cx="528320" cy="528320"/>
+            </a:xfrm>
+            <a:prstGeom prst="ellipse">
+              <a:avLst/>
+            </a:prstGeom>
+            <a:ln/>
+          </p:spPr>
+          <p:style>
+            <a:lnRef idx="2">
+              <a:schemeClr val="accent2">
+                <a:shade val="50000"/>
+              </a:schemeClr>
+            </a:lnRef>
+            <a:fillRef idx="1">
+              <a:schemeClr val="accent2"/>
+            </a:fillRef>
+            <a:effectRef idx="0">
+              <a:schemeClr val="accent2"/>
+            </a:effectRef>
+            <a:fontRef idx="minor">
+              <a:schemeClr val="lt1"/>
+            </a:fontRef>
+          </p:style>
+          <p:txBody>
+            <a:bodyPr rtlCol="0" anchor="ctr"/>
+            <a:lstStyle/>
+            <a:p>
+              <a:pPr algn="ctr"/>
+              <a:r>
+                <a:rPr lang="en-US" dirty="0"/>
+                <a:t>22</a:t>
+              </a:r>
+            </a:p>
+          </p:txBody>
+        </p:sp>
+      </p:grpSp>
+      <p:sp>
+        <p:nvSpPr>
+          <p:cNvPr id="29" name="Rounded Rectangle 28">
+            <a:extLst>
+              <a:ext uri="{FF2B5EF4-FFF2-40B4-BE49-F238E27FC236}">
+                <a16:creationId xmlns:a16="http://schemas.microsoft.com/office/drawing/2014/main" id="{74B00A83-31A5-B140-8F99-6706250574EA}"/>
+              </a:ext>
+            </a:extLst>
+          </p:cNvPr>
+          <p:cNvSpPr/>
+          <p:nvPr/>
+        </p:nvSpPr>
+        <p:spPr>
+          <a:xfrm>
+            <a:off x="1230920" y="1361440"/>
+            <a:ext cx="9720000" cy="2880000"/>
+          </a:xfrm>
+          <a:prstGeom prst="roundRect">
+            <a:avLst/>
+          </a:prstGeom>
+          <a:noFill/>
+          <a:ln w="28575">
+            <a:solidFill>
+              <a:srgbClr val="FFC000"/>
+            </a:solidFill>
+            <a:prstDash val="lgDash"/>
+          </a:ln>
+        </p:spPr>
+        <p:style>
+          <a:lnRef idx="2">
+            <a:schemeClr val="accent1">
+              <a:shade val="50000"/>
+            </a:schemeClr>
+          </a:lnRef>
+          <a:fillRef idx="1">
+            <a:schemeClr val="accent1"/>
+          </a:fillRef>
+          <a:effectRef idx="0">
+            <a:schemeClr val="accent1"/>
+          </a:effectRef>
+          <a:fontRef idx="minor">
+            <a:schemeClr val="lt1"/>
+          </a:fontRef>
+        </p:style>
+        <p:txBody>
+          <a:bodyPr rtlCol="0" anchor="ctr"/>
+          <a:lstStyle/>
+          <a:p>
+            <a:pPr algn="ctr"/>
+            <a:endParaRPr lang="en-US"/>
+          </a:p>
+        </p:txBody>
+      </p:sp>
+      <p:sp>
+        <p:nvSpPr>
+          <p:cNvPr id="30" name="Rounded Rectangle 29">
+            <a:extLst>
+              <a:ext uri="{FF2B5EF4-FFF2-40B4-BE49-F238E27FC236}">
+                <a16:creationId xmlns:a16="http://schemas.microsoft.com/office/drawing/2014/main" id="{08034C57-E528-9E45-B58A-0ED4F413C00E}"/>
+              </a:ext>
+            </a:extLst>
+          </p:cNvPr>
+          <p:cNvSpPr/>
+          <p:nvPr/>
+        </p:nvSpPr>
+        <p:spPr>
+          <a:xfrm>
+            <a:off x="1230920" y="3119120"/>
+            <a:ext cx="9720000" cy="2880000"/>
+          </a:xfrm>
+          <a:prstGeom prst="roundRect">
+            <a:avLst/>
+          </a:prstGeom>
+          <a:noFill/>
+          <a:ln w="28575">
+            <a:solidFill>
+              <a:srgbClr val="0070C0"/>
+            </a:solidFill>
+            <a:prstDash val="lgDash"/>
+          </a:ln>
+        </p:spPr>
+        <p:style>
+          <a:lnRef idx="2">
+            <a:schemeClr val="accent1">
+              <a:shade val="50000"/>
+            </a:schemeClr>
+          </a:lnRef>
+          <a:fillRef idx="1">
+            <a:schemeClr val="accent1"/>
+          </a:fillRef>
+          <a:effectRef idx="0">
+            <a:schemeClr val="accent1"/>
+          </a:effectRef>
+          <a:fontRef idx="minor">
+            <a:schemeClr val="lt1"/>
+          </a:fontRef>
+        </p:style>
+        <p:txBody>
+          <a:bodyPr rtlCol="0" anchor="ctr"/>
+          <a:lstStyle/>
+          <a:p>
+            <a:pPr algn="ctr"/>
+            <a:endParaRPr lang="en-US"/>
+          </a:p>
+        </p:txBody>
+      </p:sp>
+      <p:cxnSp>
+        <p:nvCxnSpPr>
+          <p:cNvPr id="32" name="Straight Arrow Connector 31">
+            <a:extLst>
+              <a:ext uri="{FF2B5EF4-FFF2-40B4-BE49-F238E27FC236}">
+                <a16:creationId xmlns:a16="http://schemas.microsoft.com/office/drawing/2014/main" id="{B3E7323B-A4FE-4F42-A29A-89775F6BBB4F}"/>
+              </a:ext>
+            </a:extLst>
+          </p:cNvPr>
+          <p:cNvCxnSpPr>
+            <a:cxnSpLocks/>
+            <a:stCxn id="4" idx="5"/>
+            <a:endCxn id="24" idx="1"/>
+          </p:cNvCxnSpPr>
+          <p:nvPr/>
+        </p:nvCxnSpPr>
+        <p:spPr>
+          <a:xfrm>
+            <a:off x="2404209" y="1979077"/>
+            <a:ext cx="2047042" cy="1527294"/>
+          </a:xfrm>
+          <a:prstGeom prst="straightConnector1">
+            <a:avLst/>
+          </a:prstGeom>
+          <a:ln w="28575">
+            <a:tailEnd type="triangle"/>
+          </a:ln>
+        </p:spPr>
+        <p:style>
+          <a:lnRef idx="1">
+            <a:schemeClr val="accent2"/>
+          </a:lnRef>
+          <a:fillRef idx="0">
+            <a:schemeClr val="accent2"/>
+          </a:fillRef>
+          <a:effectRef idx="0">
+            <a:schemeClr val="accent2"/>
+          </a:effectRef>
+          <a:fontRef idx="minor">
+            <a:schemeClr val="tx1"/>
+          </a:fontRef>
+        </p:style>
+      </p:cxnSp>
+      <p:cxnSp>
+        <p:nvCxnSpPr>
+          <p:cNvPr id="36" name="Straight Arrow Connector 35">
+            <a:extLst>
+              <a:ext uri="{FF2B5EF4-FFF2-40B4-BE49-F238E27FC236}">
+                <a16:creationId xmlns:a16="http://schemas.microsoft.com/office/drawing/2014/main" id="{45B3BCCB-BD9C-B64C-8A1B-EFE7A65256CC}"/>
+              </a:ext>
+            </a:extLst>
+          </p:cNvPr>
+          <p:cNvCxnSpPr>
+            <a:cxnSpLocks/>
+            <a:stCxn id="5" idx="5"/>
+            <a:endCxn id="25" idx="1"/>
+          </p:cNvCxnSpPr>
+          <p:nvPr/>
+        </p:nvCxnSpPr>
+        <p:spPr>
+          <a:xfrm>
+            <a:off x="3374489" y="1979077"/>
+            <a:ext cx="2047042" cy="1527294"/>
+          </a:xfrm>
+          <a:prstGeom prst="straightConnector1">
+            <a:avLst/>
+          </a:prstGeom>
+          <a:ln w="28575">
+            <a:tailEnd type="triangle"/>
+          </a:ln>
+        </p:spPr>
+        <p:style>
+          <a:lnRef idx="1">
+            <a:schemeClr val="accent2"/>
+          </a:lnRef>
+          <a:fillRef idx="0">
+            <a:schemeClr val="accent2"/>
+          </a:fillRef>
+          <a:effectRef idx="0">
+            <a:schemeClr val="accent2"/>
+          </a:effectRef>
+          <a:fontRef idx="minor">
+            <a:schemeClr val="tx1"/>
+          </a:fontRef>
+        </p:style>
+      </p:cxnSp>
+      <p:cxnSp>
+        <p:nvCxnSpPr>
+          <p:cNvPr id="39" name="Straight Arrow Connector 38">
+            <a:extLst>
+              <a:ext uri="{FF2B5EF4-FFF2-40B4-BE49-F238E27FC236}">
+                <a16:creationId xmlns:a16="http://schemas.microsoft.com/office/drawing/2014/main" id="{EAABADC4-7EBE-4448-9F6F-58027600BD6C}"/>
+              </a:ext>
+            </a:extLst>
+          </p:cNvPr>
+          <p:cNvCxnSpPr>
+            <a:cxnSpLocks/>
+            <a:stCxn id="7" idx="5"/>
+            <a:endCxn id="26" idx="1"/>
+          </p:cNvCxnSpPr>
+          <p:nvPr/>
+        </p:nvCxnSpPr>
+        <p:spPr>
+          <a:xfrm>
+            <a:off x="5309969" y="1979077"/>
+            <a:ext cx="1081842" cy="1527294"/>
+          </a:xfrm>
+          <a:prstGeom prst="straightConnector1">
+            <a:avLst/>
+          </a:prstGeom>
+          <a:ln w="28575">
+            <a:tailEnd type="triangle"/>
+          </a:ln>
+        </p:spPr>
+        <p:style>
+          <a:lnRef idx="1">
+            <a:schemeClr val="accent2"/>
+          </a:lnRef>
+          <a:fillRef idx="0">
+            <a:schemeClr val="accent2"/>
+          </a:fillRef>
+          <a:effectRef idx="0">
+            <a:schemeClr val="accent2"/>
+          </a:effectRef>
+          <a:fontRef idx="minor">
+            <a:schemeClr val="tx1"/>
+          </a:fontRef>
+        </p:style>
+      </p:cxnSp>
+      <p:cxnSp>
+        <p:nvCxnSpPr>
+          <p:cNvPr id="42" name="Straight Arrow Connector 41">
+            <a:extLst>
+              <a:ext uri="{FF2B5EF4-FFF2-40B4-BE49-F238E27FC236}">
+                <a16:creationId xmlns:a16="http://schemas.microsoft.com/office/drawing/2014/main" id="{CC6F4366-A581-C34E-BA1F-21DC007FAFA6}"/>
+              </a:ext>
+            </a:extLst>
+          </p:cNvPr>
+          <p:cNvCxnSpPr>
+            <a:cxnSpLocks/>
+            <a:stCxn id="8" idx="5"/>
+            <a:endCxn id="27" idx="1"/>
+          </p:cNvCxnSpPr>
+          <p:nvPr/>
+        </p:nvCxnSpPr>
+        <p:spPr>
+          <a:xfrm>
+            <a:off x="6280249" y="1979077"/>
+            <a:ext cx="1076762" cy="1527294"/>
+          </a:xfrm>
+          <a:prstGeom prst="straightConnector1">
+            <a:avLst/>
+          </a:prstGeom>
+          <a:ln w="28575">
+            <a:tailEnd type="triangle"/>
+          </a:ln>
+        </p:spPr>
+        <p:style>
+          <a:lnRef idx="1">
+            <a:schemeClr val="accent2"/>
+          </a:lnRef>
+          <a:fillRef idx="0">
+            <a:schemeClr val="accent2"/>
+          </a:fillRef>
+          <a:effectRef idx="0">
+            <a:schemeClr val="accent2"/>
+          </a:effectRef>
+          <a:fontRef idx="minor">
+            <a:schemeClr val="tx1"/>
+          </a:fontRef>
+        </p:style>
+      </p:cxnSp>
+      <p:cxnSp>
+        <p:nvCxnSpPr>
+          <p:cNvPr id="45" name="Straight Arrow Connector 44">
+            <a:extLst>
+              <a:ext uri="{FF2B5EF4-FFF2-40B4-BE49-F238E27FC236}">
+                <a16:creationId xmlns:a16="http://schemas.microsoft.com/office/drawing/2014/main" id="{91747642-E002-FB40-960F-9C3EE4814BC4}"/>
+              </a:ext>
+            </a:extLst>
+          </p:cNvPr>
+          <p:cNvCxnSpPr>
+            <a:cxnSpLocks/>
+            <a:stCxn id="5" idx="5"/>
+            <a:endCxn id="24" idx="1"/>
+          </p:cNvCxnSpPr>
+          <p:nvPr/>
+        </p:nvCxnSpPr>
+        <p:spPr>
+          <a:xfrm>
+            <a:off x="3374489" y="1979077"/>
+            <a:ext cx="1076762" cy="1527294"/>
+          </a:xfrm>
+          <a:prstGeom prst="straightConnector1">
+            <a:avLst/>
+          </a:prstGeom>
+          <a:ln w="28575">
+            <a:solidFill>
+              <a:schemeClr val="accent2">
+                <a:lumMod val="60000"/>
+                <a:lumOff val="40000"/>
+              </a:schemeClr>
+            </a:solidFill>
+            <a:tailEnd type="triangle"/>
+          </a:ln>
+        </p:spPr>
+        <p:style>
+          <a:lnRef idx="1">
+            <a:schemeClr val="accent2"/>
+          </a:lnRef>
+          <a:fillRef idx="0">
+            <a:schemeClr val="accent2"/>
+          </a:fillRef>
+          <a:effectRef idx="0">
+            <a:schemeClr val="accent2"/>
+          </a:effectRef>
+          <a:fontRef idx="minor">
+            <a:schemeClr val="tx1"/>
+          </a:fontRef>
+        </p:style>
+      </p:cxnSp>
+      <p:cxnSp>
+        <p:nvCxnSpPr>
+          <p:cNvPr id="48" name="Straight Arrow Connector 47">
+            <a:extLst>
+              <a:ext uri="{FF2B5EF4-FFF2-40B4-BE49-F238E27FC236}">
+                <a16:creationId xmlns:a16="http://schemas.microsoft.com/office/drawing/2014/main" id="{B6C6794D-C725-9043-9E0D-1DADE4D8FD9F}"/>
+              </a:ext>
+            </a:extLst>
+          </p:cNvPr>
+          <p:cNvCxnSpPr>
+            <a:cxnSpLocks/>
+            <a:stCxn id="6" idx="5"/>
+            <a:endCxn id="25" idx="1"/>
+          </p:cNvCxnSpPr>
+          <p:nvPr/>
+        </p:nvCxnSpPr>
+        <p:spPr>
+          <a:xfrm>
+            <a:off x="4344769" y="1979077"/>
+            <a:ext cx="1076762" cy="1527294"/>
+          </a:xfrm>
+          <a:prstGeom prst="straightConnector1">
+            <a:avLst/>
+          </a:prstGeom>
+          <a:ln w="28575">
+            <a:solidFill>
+              <a:schemeClr val="accent2">
+                <a:lumMod val="60000"/>
+                <a:lumOff val="40000"/>
+              </a:schemeClr>
+            </a:solidFill>
+            <a:tailEnd type="triangle"/>
+          </a:ln>
+        </p:spPr>
+        <p:style>
+          <a:lnRef idx="1">
+            <a:schemeClr val="accent2"/>
+          </a:lnRef>
+          <a:fillRef idx="0">
+            <a:schemeClr val="accent2"/>
+          </a:fillRef>
+          <a:effectRef idx="0">
+            <a:schemeClr val="accent2"/>
+          </a:effectRef>
+          <a:fontRef idx="minor">
+            <a:schemeClr val="tx1"/>
+          </a:fontRef>
+        </p:style>
+      </p:cxnSp>
+      <p:cxnSp>
+        <p:nvCxnSpPr>
+          <p:cNvPr id="51" name="Straight Arrow Connector 50">
+            <a:extLst>
+              <a:ext uri="{FF2B5EF4-FFF2-40B4-BE49-F238E27FC236}">
+                <a16:creationId xmlns:a16="http://schemas.microsoft.com/office/drawing/2014/main" id="{88E17CF9-299D-7340-921D-0142891270AE}"/>
+              </a:ext>
+            </a:extLst>
+          </p:cNvPr>
+          <p:cNvCxnSpPr>
+            <a:cxnSpLocks/>
+            <a:stCxn id="9" idx="4"/>
+            <a:endCxn id="27" idx="0"/>
+          </p:cNvCxnSpPr>
+          <p:nvPr/>
+        </p:nvCxnSpPr>
+        <p:spPr>
+          <a:xfrm>
+            <a:off x="7063740" y="2056448"/>
+            <a:ext cx="480060" cy="1372552"/>
+          </a:xfrm>
+          <a:prstGeom prst="straightConnector1">
+            <a:avLst/>
+          </a:prstGeom>
+          <a:ln w="28575">
+            <a:solidFill>
+              <a:schemeClr val="accent2">
+                <a:lumMod val="60000"/>
+                <a:lumOff val="40000"/>
+              </a:schemeClr>
+            </a:solidFill>
+            <a:tailEnd type="triangle"/>
+          </a:ln>
+        </p:spPr>
+        <p:style>
+          <a:lnRef idx="1">
+            <a:schemeClr val="accent2"/>
+          </a:lnRef>
+          <a:fillRef idx="0">
+            <a:schemeClr val="accent2"/>
+          </a:fillRef>
+          <a:effectRef idx="0">
+            <a:schemeClr val="accent2"/>
+          </a:effectRef>
+          <a:fontRef idx="minor">
+            <a:schemeClr val="tx1"/>
+          </a:fontRef>
+        </p:style>
+      </p:cxnSp>
+      <p:cxnSp>
+        <p:nvCxnSpPr>
+          <p:cNvPr id="52" name="Straight Arrow Connector 51">
+            <a:extLst>
+              <a:ext uri="{FF2B5EF4-FFF2-40B4-BE49-F238E27FC236}">
+                <a16:creationId xmlns:a16="http://schemas.microsoft.com/office/drawing/2014/main" id="{0A6DE6BF-D230-514C-8883-86FAF6CA6C45}"/>
+              </a:ext>
+            </a:extLst>
+          </p:cNvPr>
+          <p:cNvCxnSpPr>
+            <a:cxnSpLocks/>
+            <a:stCxn id="8" idx="4"/>
+            <a:endCxn id="26" idx="0"/>
+          </p:cNvCxnSpPr>
+          <p:nvPr/>
+        </p:nvCxnSpPr>
+        <p:spPr>
+          <a:xfrm>
+            <a:off x="6093460" y="2056448"/>
+            <a:ext cx="485140" cy="1372552"/>
+          </a:xfrm>
+          <a:prstGeom prst="straightConnector1">
+            <a:avLst/>
+          </a:prstGeom>
+          <a:ln w="28575">
+            <a:solidFill>
+              <a:schemeClr val="accent2">
+                <a:lumMod val="60000"/>
+                <a:lumOff val="40000"/>
+              </a:schemeClr>
+            </a:solidFill>
+            <a:tailEnd type="triangle"/>
+          </a:ln>
+        </p:spPr>
+        <p:style>
+          <a:lnRef idx="1">
+            <a:schemeClr val="accent2"/>
+          </a:lnRef>
+          <a:fillRef idx="0">
+            <a:schemeClr val="accent2"/>
+          </a:fillRef>
+          <a:effectRef idx="0">
+            <a:schemeClr val="accent2"/>
+          </a:effectRef>
+          <a:fontRef idx="minor">
+            <a:schemeClr val="tx1"/>
+          </a:fontRef>
+        </p:style>
+      </p:cxnSp>
+      <p:cxnSp>
+        <p:nvCxnSpPr>
+          <p:cNvPr id="58" name="Straight Arrow Connector 57">
+            <a:extLst>
+              <a:ext uri="{FF2B5EF4-FFF2-40B4-BE49-F238E27FC236}">
+                <a16:creationId xmlns:a16="http://schemas.microsoft.com/office/drawing/2014/main" id="{304FC094-D972-7F42-AB5D-3C26FDB2F53C}"/>
+              </a:ext>
+            </a:extLst>
+          </p:cNvPr>
+          <p:cNvCxnSpPr>
+            <a:cxnSpLocks/>
+            <a:stCxn id="7" idx="4"/>
+            <a:endCxn id="24" idx="7"/>
+          </p:cNvCxnSpPr>
+          <p:nvPr/>
+        </p:nvCxnSpPr>
+        <p:spPr>
+          <a:xfrm flipH="1">
+            <a:off x="4824829" y="2056448"/>
+            <a:ext cx="298351" cy="1449923"/>
+          </a:xfrm>
+          <a:prstGeom prst="straightConnector1">
+            <a:avLst/>
+          </a:prstGeom>
+          <a:ln w="28575">
+            <a:solidFill>
+              <a:schemeClr val="accent2">
+                <a:lumMod val="75000"/>
+              </a:schemeClr>
+            </a:solidFill>
+            <a:tailEnd type="triangle"/>
+          </a:ln>
+        </p:spPr>
+        <p:style>
+          <a:lnRef idx="1">
+            <a:schemeClr val="accent2"/>
+          </a:lnRef>
+          <a:fillRef idx="0">
+            <a:schemeClr val="accent2"/>
+          </a:fillRef>
+          <a:effectRef idx="0">
+            <a:schemeClr val="accent2"/>
+          </a:effectRef>
+          <a:fontRef idx="minor">
+            <a:schemeClr val="tx1"/>
+          </a:fontRef>
+        </p:style>
+      </p:cxnSp>
+      <p:cxnSp>
+        <p:nvCxnSpPr>
+          <p:cNvPr id="63" name="Straight Arrow Connector 62">
+            <a:extLst>
+              <a:ext uri="{FF2B5EF4-FFF2-40B4-BE49-F238E27FC236}">
+                <a16:creationId xmlns:a16="http://schemas.microsoft.com/office/drawing/2014/main" id="{F5F867C9-A791-D74B-A74B-0F4E3910F67C}"/>
+              </a:ext>
+            </a:extLst>
+          </p:cNvPr>
+          <p:cNvCxnSpPr>
+            <a:cxnSpLocks/>
+            <a:stCxn id="8" idx="4"/>
+            <a:endCxn id="25" idx="0"/>
+          </p:cNvCxnSpPr>
+          <p:nvPr/>
+        </p:nvCxnSpPr>
+        <p:spPr>
+          <a:xfrm flipH="1">
+            <a:off x="5608320" y="2056448"/>
+            <a:ext cx="485140" cy="1372552"/>
+          </a:xfrm>
+          <a:prstGeom prst="straightConnector1">
+            <a:avLst/>
+          </a:prstGeom>
+          <a:ln w="28575">
+            <a:solidFill>
+              <a:schemeClr val="accent2">
+                <a:lumMod val="75000"/>
+              </a:schemeClr>
+            </a:solidFill>
+            <a:tailEnd type="triangle"/>
+          </a:ln>
+        </p:spPr>
+        <p:style>
+          <a:lnRef idx="1">
+            <a:schemeClr val="accent2"/>
+          </a:lnRef>
+          <a:fillRef idx="0">
+            <a:schemeClr val="accent2"/>
+          </a:fillRef>
+          <a:effectRef idx="0">
+            <a:schemeClr val="accent2"/>
+          </a:effectRef>
+          <a:fontRef idx="minor">
+            <a:schemeClr val="tx1"/>
+          </a:fontRef>
+        </p:style>
+      </p:cxnSp>
+      <p:cxnSp>
+        <p:nvCxnSpPr>
+          <p:cNvPr id="66" name="Straight Arrow Connector 65">
+            <a:extLst>
+              <a:ext uri="{FF2B5EF4-FFF2-40B4-BE49-F238E27FC236}">
+                <a16:creationId xmlns:a16="http://schemas.microsoft.com/office/drawing/2014/main" id="{320E3E1E-01B8-1843-A5AF-4B7D51B6AD4D}"/>
+              </a:ext>
+            </a:extLst>
+          </p:cNvPr>
+          <p:cNvCxnSpPr>
+            <a:cxnSpLocks/>
+            <a:stCxn id="10" idx="3"/>
+            <a:endCxn id="26" idx="7"/>
+          </p:cNvCxnSpPr>
+          <p:nvPr/>
+        </p:nvCxnSpPr>
+        <p:spPr>
+          <a:xfrm flipH="1">
+            <a:off x="6765389" y="1979077"/>
+            <a:ext cx="1081842" cy="1527294"/>
+          </a:xfrm>
+          <a:prstGeom prst="straightConnector1">
+            <a:avLst/>
+          </a:prstGeom>
+          <a:ln w="28575">
+            <a:solidFill>
+              <a:schemeClr val="accent2">
+                <a:lumMod val="75000"/>
+              </a:schemeClr>
+            </a:solidFill>
+            <a:tailEnd type="triangle"/>
+          </a:ln>
+        </p:spPr>
+        <p:style>
+          <a:lnRef idx="1">
+            <a:schemeClr val="accent2"/>
+          </a:lnRef>
+          <a:fillRef idx="0">
+            <a:schemeClr val="accent2"/>
+          </a:fillRef>
+          <a:effectRef idx="0">
+            <a:schemeClr val="accent2"/>
+          </a:effectRef>
+          <a:fontRef idx="minor">
+            <a:schemeClr val="tx1"/>
+          </a:fontRef>
+        </p:style>
+      </p:cxnSp>
+      <p:cxnSp>
+        <p:nvCxnSpPr>
+          <p:cNvPr id="69" name="Straight Arrow Connector 68">
+            <a:extLst>
+              <a:ext uri="{FF2B5EF4-FFF2-40B4-BE49-F238E27FC236}">
+                <a16:creationId xmlns:a16="http://schemas.microsoft.com/office/drawing/2014/main" id="{56BE4D41-16ED-3E46-B19C-2AD425E7E118}"/>
+              </a:ext>
+            </a:extLst>
+          </p:cNvPr>
+          <p:cNvCxnSpPr>
+            <a:cxnSpLocks/>
+            <a:stCxn id="11" idx="3"/>
+            <a:endCxn id="27" idx="7"/>
+          </p:cNvCxnSpPr>
+          <p:nvPr/>
+        </p:nvCxnSpPr>
+        <p:spPr>
+          <a:xfrm flipH="1">
+            <a:off x="7730589" y="1979077"/>
+            <a:ext cx="1086922" cy="1527294"/>
+          </a:xfrm>
+          <a:prstGeom prst="straightConnector1">
+            <a:avLst/>
+          </a:prstGeom>
+          <a:ln w="28575">
+            <a:solidFill>
+              <a:schemeClr val="accent2">
+                <a:lumMod val="75000"/>
+              </a:schemeClr>
+            </a:solidFill>
+            <a:tailEnd type="triangle"/>
+          </a:ln>
+        </p:spPr>
+        <p:style>
+          <a:lnRef idx="1">
+            <a:schemeClr val="accent2"/>
+          </a:lnRef>
+          <a:fillRef idx="0">
+            <a:schemeClr val="accent2"/>
+          </a:fillRef>
+          <a:effectRef idx="0">
+            <a:schemeClr val="accent2"/>
+          </a:effectRef>
+          <a:fontRef idx="minor">
+            <a:schemeClr val="tx1"/>
+          </a:fontRef>
+        </p:style>
+      </p:cxnSp>
+      <p:cxnSp>
+        <p:nvCxnSpPr>
+          <p:cNvPr id="73" name="Straight Arrow Connector 72">
+            <a:extLst>
+              <a:ext uri="{FF2B5EF4-FFF2-40B4-BE49-F238E27FC236}">
+                <a16:creationId xmlns:a16="http://schemas.microsoft.com/office/drawing/2014/main" id="{2FA06B5B-C51C-D343-BB42-7B75EC2CB234}"/>
+              </a:ext>
+            </a:extLst>
+          </p:cNvPr>
+          <p:cNvCxnSpPr>
+            <a:cxnSpLocks/>
+            <a:stCxn id="12" idx="3"/>
+            <a:endCxn id="27" idx="7"/>
+          </p:cNvCxnSpPr>
+          <p:nvPr/>
+        </p:nvCxnSpPr>
+        <p:spPr>
+          <a:xfrm flipH="1">
+            <a:off x="7730589" y="1979077"/>
+            <a:ext cx="2057202" cy="1527294"/>
+          </a:xfrm>
+          <a:prstGeom prst="straightConnector1">
+            <a:avLst/>
+          </a:prstGeom>
+          <a:ln w="28575">
+            <a:solidFill>
+              <a:schemeClr val="accent2">
+                <a:lumMod val="50000"/>
+              </a:schemeClr>
+            </a:solidFill>
+            <a:tailEnd type="triangle"/>
+          </a:ln>
+        </p:spPr>
+        <p:style>
+          <a:lnRef idx="1">
+            <a:schemeClr val="accent2"/>
+          </a:lnRef>
+          <a:fillRef idx="0">
+            <a:schemeClr val="accent2"/>
+          </a:fillRef>
+          <a:effectRef idx="0">
+            <a:schemeClr val="accent2"/>
+          </a:effectRef>
+          <a:fontRef idx="minor">
+            <a:schemeClr val="tx1"/>
+          </a:fontRef>
+        </p:style>
+      </p:cxnSp>
+      <p:cxnSp>
+        <p:nvCxnSpPr>
+          <p:cNvPr id="76" name="Straight Arrow Connector 75">
+            <a:extLst>
+              <a:ext uri="{FF2B5EF4-FFF2-40B4-BE49-F238E27FC236}">
+                <a16:creationId xmlns:a16="http://schemas.microsoft.com/office/drawing/2014/main" id="{9D011894-6D94-514B-B3B9-8BC69BCBE43F}"/>
+              </a:ext>
+            </a:extLst>
+          </p:cNvPr>
+          <p:cNvCxnSpPr>
+            <a:cxnSpLocks/>
+            <a:stCxn id="11" idx="3"/>
+            <a:endCxn id="26" idx="7"/>
+          </p:cNvCxnSpPr>
+          <p:nvPr/>
+        </p:nvCxnSpPr>
+        <p:spPr>
+          <a:xfrm flipH="1">
+            <a:off x="6765389" y="1979077"/>
+            <a:ext cx="2052122" cy="1527294"/>
+          </a:xfrm>
+          <a:prstGeom prst="straightConnector1">
+            <a:avLst/>
+          </a:prstGeom>
+          <a:ln w="28575">
+            <a:solidFill>
+              <a:schemeClr val="accent2">
+                <a:lumMod val="50000"/>
+              </a:schemeClr>
+            </a:solidFill>
+            <a:tailEnd type="triangle"/>
+          </a:ln>
+        </p:spPr>
+        <p:style>
+          <a:lnRef idx="1">
+            <a:schemeClr val="accent2"/>
+          </a:lnRef>
+          <a:fillRef idx="0">
+            <a:schemeClr val="accent2"/>
+          </a:fillRef>
+          <a:effectRef idx="0">
+            <a:schemeClr val="accent2"/>
+          </a:effectRef>
+          <a:fontRef idx="minor">
+            <a:schemeClr val="tx1"/>
+          </a:fontRef>
+        </p:style>
+      </p:cxnSp>
+      <p:cxnSp>
+        <p:nvCxnSpPr>
+          <p:cNvPr id="79" name="Straight Arrow Connector 78">
+            <a:extLst>
+              <a:ext uri="{FF2B5EF4-FFF2-40B4-BE49-F238E27FC236}">
+                <a16:creationId xmlns:a16="http://schemas.microsoft.com/office/drawing/2014/main" id="{213CCA3D-2F68-FE48-88EF-F25BB05D3E4A}"/>
+              </a:ext>
+            </a:extLst>
+          </p:cNvPr>
+          <p:cNvCxnSpPr>
+            <a:cxnSpLocks/>
+            <a:stCxn id="9" idx="4"/>
+            <a:endCxn id="25" idx="7"/>
+          </p:cNvCxnSpPr>
+          <p:nvPr/>
+        </p:nvCxnSpPr>
+        <p:spPr>
+          <a:xfrm flipH="1">
+            <a:off x="5795109" y="2056448"/>
+            <a:ext cx="1268631" cy="1449923"/>
+          </a:xfrm>
+          <a:prstGeom prst="straightConnector1">
+            <a:avLst/>
+          </a:prstGeom>
+          <a:ln w="28575">
+            <a:solidFill>
+              <a:schemeClr val="accent2">
+                <a:lumMod val="50000"/>
+              </a:schemeClr>
+            </a:solidFill>
+            <a:tailEnd type="triangle"/>
+          </a:ln>
+        </p:spPr>
+        <p:style>
+          <a:lnRef idx="1">
+            <a:schemeClr val="accent2"/>
+          </a:lnRef>
+          <a:fillRef idx="0">
+            <a:schemeClr val="accent2"/>
+          </a:fillRef>
+          <a:effectRef idx="0">
+            <a:schemeClr val="accent2"/>
+          </a:effectRef>
+          <a:fontRef idx="minor">
+            <a:schemeClr val="tx1"/>
+          </a:fontRef>
+        </p:style>
+      </p:cxnSp>
+      <p:cxnSp>
+        <p:nvCxnSpPr>
+          <p:cNvPr id="82" name="Straight Arrow Connector 81">
+            <a:extLst>
+              <a:ext uri="{FF2B5EF4-FFF2-40B4-BE49-F238E27FC236}">
+                <a16:creationId xmlns:a16="http://schemas.microsoft.com/office/drawing/2014/main" id="{94E8426B-F773-1241-AED8-767879C33706}"/>
+              </a:ext>
+            </a:extLst>
+          </p:cNvPr>
+          <p:cNvCxnSpPr>
+            <a:cxnSpLocks/>
+            <a:stCxn id="8" idx="3"/>
+            <a:endCxn id="24" idx="7"/>
+          </p:cNvCxnSpPr>
+          <p:nvPr/>
+        </p:nvCxnSpPr>
+        <p:spPr>
+          <a:xfrm flipH="1">
+            <a:off x="4824829" y="1979077"/>
+            <a:ext cx="1081842" cy="1527294"/>
+          </a:xfrm>
+          <a:prstGeom prst="straightConnector1">
+            <a:avLst/>
+          </a:prstGeom>
+          <a:ln w="28575">
+            <a:solidFill>
+              <a:schemeClr val="accent2">
+                <a:lumMod val="50000"/>
+              </a:schemeClr>
+            </a:solidFill>
+            <a:tailEnd type="triangle"/>
+          </a:ln>
+        </p:spPr>
+        <p:style>
+          <a:lnRef idx="1">
+            <a:schemeClr val="accent2"/>
+          </a:lnRef>
+          <a:fillRef idx="0">
+            <a:schemeClr val="accent2"/>
+          </a:fillRef>
+          <a:effectRef idx="0">
+            <a:schemeClr val="accent2"/>
+          </a:effectRef>
+          <a:fontRef idx="minor">
+            <a:schemeClr val="tx1"/>
+          </a:fontRef>
+        </p:style>
+      </p:cxnSp>
+    </p:spTree>
+    <p:extLst>
+      <p:ext uri="{BB962C8B-B14F-4D97-AF65-F5344CB8AC3E}">
+        <p14:creationId xmlns:p14="http://schemas.microsoft.com/office/powerpoint/2010/main" val="2173768788"/>
       </p:ext>
     </p:extLst>
   </p:cSld>

--- a/ppt/model.pptx
+++ b/ppt/model.pptx
@@ -9,8 +9,9 @@
     <p:sldId id="259" r:id="rId3"/>
     <p:sldId id="261" r:id="rId4"/>
     <p:sldId id="257" r:id="rId5"/>
-    <p:sldId id="260" r:id="rId6"/>
-    <p:sldId id="258" r:id="rId7"/>
+    <p:sldId id="262" r:id="rId6"/>
+    <p:sldId id="260" r:id="rId7"/>
+    <p:sldId id="258" r:id="rId8"/>
   </p:sldIdLst>
   <p:sldSz cx="12192000" cy="6858000"/>
   <p:notesSz cx="6858000" cy="9144000"/>
@@ -3607,10 +3608,9 @@
               <a:t>勾配降下法</a:t>
             </a:r>
             <a:r>
-              <a:rPr lang="en-US" altLang="ja-JP"/>
+              <a:rPr lang="en-US" altLang="ja-JP" dirty="0"/>
               <a:t>:?</a:t>
             </a:r>
-            <a:endParaRPr lang="en-US" altLang="ja-JP" dirty="0"/>
           </a:p>
           <a:p>
             <a:r>
@@ -6183,6 +6183,90 @@
           <p:cNvPr id="2" name="Title 1">
             <a:extLst>
               <a:ext uri="{FF2B5EF4-FFF2-40B4-BE49-F238E27FC236}">
+                <a16:creationId xmlns:a16="http://schemas.microsoft.com/office/drawing/2014/main" id="{50A71210-DA22-0547-9092-01C17A6B216A}"/>
+              </a:ext>
+            </a:extLst>
+          </p:cNvPr>
+          <p:cNvSpPr>
+            <a:spLocks noGrp="1"/>
+          </p:cNvSpPr>
+          <p:nvPr>
+            <p:ph type="title"/>
+          </p:nvPr>
+        </p:nvSpPr>
+        <p:spPr/>
+        <p:txBody>
+          <a:bodyPr/>
+          <a:lstStyle/>
+          <a:p>
+            <a:r>
+              <a:rPr lang="ja-JP" altLang="en-US"/>
+              <a:t>実装方法</a:t>
+            </a:r>
+            <a:endParaRPr lang="en-US" dirty="0"/>
+          </a:p>
+        </p:txBody>
+      </p:sp>
+      <p:sp>
+        <p:nvSpPr>
+          <p:cNvPr id="3" name="Content Placeholder 2">
+            <a:extLst>
+              <a:ext uri="{FF2B5EF4-FFF2-40B4-BE49-F238E27FC236}">
+                <a16:creationId xmlns:a16="http://schemas.microsoft.com/office/drawing/2014/main" id="{35845A09-BB4E-8D4A-A6D1-5FD9FFEC921D}"/>
+              </a:ext>
+            </a:extLst>
+          </p:cNvPr>
+          <p:cNvSpPr>
+            <a:spLocks noGrp="1"/>
+          </p:cNvSpPr>
+          <p:nvPr>
+            <p:ph idx="1"/>
+          </p:nvPr>
+        </p:nvSpPr>
+        <p:spPr/>
+        <p:txBody>
+          <a:bodyPr/>
+          <a:lstStyle/>
+          <a:p>
+            <a:endParaRPr lang="en-US" dirty="0"/>
+          </a:p>
+        </p:txBody>
+      </p:sp>
+    </p:spTree>
+    <p:extLst>
+      <p:ext uri="{BB962C8B-B14F-4D97-AF65-F5344CB8AC3E}">
+        <p14:creationId xmlns:p14="http://schemas.microsoft.com/office/powerpoint/2010/main" val="4017804946"/>
+      </p:ext>
+    </p:extLst>
+  </p:cSld>
+  <p:clrMapOvr>
+    <a:masterClrMapping/>
+  </p:clrMapOvr>
+</p:sld>
+</file>
+
+<file path=ppt/slides/slide6.xml><?xml version="1.0" encoding="utf-8"?>
+<p:sld xmlns:a="http://schemas.openxmlformats.org/drawingml/2006/main" xmlns:r="http://schemas.openxmlformats.org/officeDocument/2006/relationships" xmlns:p="http://schemas.openxmlformats.org/presentationml/2006/main">
+  <p:cSld>
+    <p:spTree>
+      <p:nvGrpSpPr>
+        <p:cNvPr id="1" name=""/>
+        <p:cNvGrpSpPr/>
+        <p:nvPr/>
+      </p:nvGrpSpPr>
+      <p:grpSpPr>
+        <a:xfrm>
+          <a:off x="0" y="0"/>
+          <a:ext cx="0" cy="0"/>
+          <a:chOff x="0" y="0"/>
+          <a:chExt cx="0" cy="0"/>
+        </a:xfrm>
+      </p:grpSpPr>
+      <p:sp>
+        <p:nvSpPr>
+          <p:cNvPr id="2" name="Title 1">
+            <a:extLst>
+              <a:ext uri="{FF2B5EF4-FFF2-40B4-BE49-F238E27FC236}">
                 <a16:creationId xmlns:a16="http://schemas.microsoft.com/office/drawing/2014/main" id="{95B2F62C-5518-7441-8CCB-E557C1B49CF5}"/>
               </a:ext>
             </a:extLst>
@@ -6357,7 +6441,7 @@
 </p:sld>
 </file>
 
-<file path=ppt/slides/slide6.xml><?xml version="1.0" encoding="utf-8"?>
+<file path=ppt/slides/slide7.xml><?xml version="1.0" encoding="utf-8"?>
 <p:sld xmlns:a="http://schemas.openxmlformats.org/drawingml/2006/main" xmlns:r="http://schemas.openxmlformats.org/officeDocument/2006/relationships" xmlns:p="http://schemas.openxmlformats.org/presentationml/2006/main">
   <p:cSld>
     <p:spTree>

--- a/ppt/model.pptx
+++ b/ppt/model.pptx
@@ -12,6 +12,7 @@
     <p:sldId id="262" r:id="rId6"/>
     <p:sldId id="260" r:id="rId7"/>
     <p:sldId id="258" r:id="rId8"/>
+    <p:sldId id="263" r:id="rId9"/>
   </p:sldIdLst>
   <p:sldSz cx="12192000" cy="6858000"/>
   <p:notesSz cx="6858000" cy="9144000"/>
@@ -265,7 +266,7 @@
           <a:p>
             <a:fld id="{B693C3EB-EA82-9E49-8596-037EAF50450A}" type="datetimeFigureOut">
               <a:rPr lang="en-US" smtClean="0"/>
-              <a:t>12/17/18</a:t>
+              <a:t>2/11/19</a:t>
             </a:fld>
             <a:endParaRPr lang="en-US"/>
           </a:p>
@@ -463,7 +464,7 @@
           <a:p>
             <a:fld id="{B693C3EB-EA82-9E49-8596-037EAF50450A}" type="datetimeFigureOut">
               <a:rPr lang="en-US" smtClean="0"/>
-              <a:t>12/17/18</a:t>
+              <a:t>2/11/19</a:t>
             </a:fld>
             <a:endParaRPr lang="en-US"/>
           </a:p>
@@ -671,7 +672,7 @@
           <a:p>
             <a:fld id="{B693C3EB-EA82-9E49-8596-037EAF50450A}" type="datetimeFigureOut">
               <a:rPr lang="en-US" smtClean="0"/>
-              <a:t>12/17/18</a:t>
+              <a:t>2/11/19</a:t>
             </a:fld>
             <a:endParaRPr lang="en-US"/>
           </a:p>
@@ -869,7 +870,7 @@
           <a:p>
             <a:fld id="{B693C3EB-EA82-9E49-8596-037EAF50450A}" type="datetimeFigureOut">
               <a:rPr lang="en-US" smtClean="0"/>
-              <a:t>12/17/18</a:t>
+              <a:t>2/11/19</a:t>
             </a:fld>
             <a:endParaRPr lang="en-US"/>
           </a:p>
@@ -1144,7 +1145,7 @@
           <a:p>
             <a:fld id="{B693C3EB-EA82-9E49-8596-037EAF50450A}" type="datetimeFigureOut">
               <a:rPr lang="en-US" smtClean="0"/>
-              <a:t>12/17/18</a:t>
+              <a:t>2/11/19</a:t>
             </a:fld>
             <a:endParaRPr lang="en-US"/>
           </a:p>
@@ -1409,7 +1410,7 @@
           <a:p>
             <a:fld id="{B693C3EB-EA82-9E49-8596-037EAF50450A}" type="datetimeFigureOut">
               <a:rPr lang="en-US" smtClean="0"/>
-              <a:t>12/17/18</a:t>
+              <a:t>2/11/19</a:t>
             </a:fld>
             <a:endParaRPr lang="en-US"/>
           </a:p>
@@ -1821,7 +1822,7 @@
           <a:p>
             <a:fld id="{B693C3EB-EA82-9E49-8596-037EAF50450A}" type="datetimeFigureOut">
               <a:rPr lang="en-US" smtClean="0"/>
-              <a:t>12/17/18</a:t>
+              <a:t>2/11/19</a:t>
             </a:fld>
             <a:endParaRPr lang="en-US"/>
           </a:p>
@@ -1962,7 +1963,7 @@
           <a:p>
             <a:fld id="{B693C3EB-EA82-9E49-8596-037EAF50450A}" type="datetimeFigureOut">
               <a:rPr lang="en-US" smtClean="0"/>
-              <a:t>12/17/18</a:t>
+              <a:t>2/11/19</a:t>
             </a:fld>
             <a:endParaRPr lang="en-US"/>
           </a:p>
@@ -2075,7 +2076,7 @@
           <a:p>
             <a:fld id="{B693C3EB-EA82-9E49-8596-037EAF50450A}" type="datetimeFigureOut">
               <a:rPr lang="en-US" smtClean="0"/>
-              <a:t>12/17/18</a:t>
+              <a:t>2/11/19</a:t>
             </a:fld>
             <a:endParaRPr lang="en-US"/>
           </a:p>
@@ -2386,7 +2387,7 @@
           <a:p>
             <a:fld id="{B693C3EB-EA82-9E49-8596-037EAF50450A}" type="datetimeFigureOut">
               <a:rPr lang="en-US" smtClean="0"/>
-              <a:t>12/17/18</a:t>
+              <a:t>2/11/19</a:t>
             </a:fld>
             <a:endParaRPr lang="en-US"/>
           </a:p>
@@ -2674,7 +2675,7 @@
           <a:p>
             <a:fld id="{B693C3EB-EA82-9E49-8596-037EAF50450A}" type="datetimeFigureOut">
               <a:rPr lang="en-US" smtClean="0"/>
-              <a:t>12/17/18</a:t>
+              <a:t>2/11/19</a:t>
             </a:fld>
             <a:endParaRPr lang="en-US"/>
           </a:p>
@@ -2915,7 +2916,7 @@
           <a:p>
             <a:fld id="{B693C3EB-EA82-9E49-8596-037EAF50450A}" type="datetimeFigureOut">
               <a:rPr lang="en-US" smtClean="0"/>
-              <a:t>12/17/18</a:t>
+              <a:t>2/11/19</a:t>
             </a:fld>
             <a:endParaRPr lang="en-US"/>
           </a:p>
@@ -5885,8 +5886,8 @@
           </a:fontRef>
         </p:style>
       </p:cxnSp>
-      <mc:AlternateContent xmlns:mc="http://schemas.openxmlformats.org/markup-compatibility/2006">
-        <mc:Choice xmlns:a14="http://schemas.microsoft.com/office/drawing/2010/main" Requires="a14">
+      <mc:AlternateContent xmlns:mc="http://schemas.openxmlformats.org/markup-compatibility/2006" xmlns:a14="http://schemas.microsoft.com/office/drawing/2010/main">
+        <mc:Choice Requires="a14">
           <p:sp>
             <p:nvSpPr>
               <p:cNvPr id="38" name="TextBox 37">
@@ -5915,6 +5916,7 @@
               </a:bodyPr>
               <a:lstStyle/>
               <a:p>
+                <a:pPr/>
                 <a14:m>
                   <m:oMathPara xmlns:m="http://schemas.openxmlformats.org/officeDocument/2006/math">
                     <m:oMathParaPr>
@@ -5954,7 +5956,7 @@
             </p:txBody>
           </p:sp>
         </mc:Choice>
-        <mc:Fallback>
+        <mc:Fallback xmlns="">
           <p:sp>
             <p:nvSpPr>
               <p:cNvPr id="38" name="TextBox 37">
@@ -8557,6 +8559,3498 @@
 </p:sld>
 </file>
 
+<file path=ppt/slides/slide8.xml><?xml version="1.0" encoding="utf-8"?>
+<p:sld xmlns:a="http://schemas.openxmlformats.org/drawingml/2006/main" xmlns:r="http://schemas.openxmlformats.org/officeDocument/2006/relationships" xmlns:p="http://schemas.openxmlformats.org/presentationml/2006/main">
+  <p:cSld>
+    <p:spTree>
+      <p:nvGrpSpPr>
+        <p:cNvPr id="1" name=""/>
+        <p:cNvGrpSpPr/>
+        <p:nvPr/>
+      </p:nvGrpSpPr>
+      <p:grpSpPr>
+        <a:xfrm>
+          <a:off x="0" y="0"/>
+          <a:ext cx="0" cy="0"/>
+          <a:chOff x="0" y="0"/>
+          <a:chExt cx="0" cy="0"/>
+        </a:xfrm>
+      </p:grpSpPr>
+      <p:grpSp>
+        <p:nvGrpSpPr>
+          <p:cNvPr id="15" name="Group 14">
+            <a:extLst>
+              <a:ext uri="{FF2B5EF4-FFF2-40B4-BE49-F238E27FC236}">
+                <a16:creationId xmlns:a16="http://schemas.microsoft.com/office/drawing/2014/main" id="{E5E317C6-0FB1-6148-A98E-A53EB72BAB3E}"/>
+              </a:ext>
+            </a:extLst>
+          </p:cNvPr>
+          <p:cNvGrpSpPr/>
+          <p:nvPr/>
+        </p:nvGrpSpPr>
+        <p:grpSpPr>
+          <a:xfrm>
+            <a:off x="733146" y="1269000"/>
+            <a:ext cx="4320000" cy="4320000"/>
+            <a:chOff x="0" y="13637"/>
+            <a:chExt cx="4320000" cy="4320000"/>
+          </a:xfrm>
+          <a:solidFill>
+            <a:schemeClr val="bg1"/>
+          </a:solidFill>
+        </p:grpSpPr>
+        <p:sp>
+          <p:nvSpPr>
+            <p:cNvPr id="2" name="Rectangle 1">
+              <a:extLst>
+                <a:ext uri="{FF2B5EF4-FFF2-40B4-BE49-F238E27FC236}">
+                  <a16:creationId xmlns:a16="http://schemas.microsoft.com/office/drawing/2014/main" id="{9FD55300-D76A-8C47-8805-49131460BA00}"/>
+                </a:ext>
+              </a:extLst>
+            </p:cNvPr>
+            <p:cNvSpPr>
+              <a:spLocks noChangeAspect="1"/>
+            </p:cNvSpPr>
+            <p:nvPr/>
+          </p:nvSpPr>
+          <p:spPr>
+            <a:xfrm>
+              <a:off x="0" y="13637"/>
+              <a:ext cx="4320000" cy="4320000"/>
+            </a:xfrm>
+            <a:prstGeom prst="rect">
+              <a:avLst/>
+            </a:prstGeom>
+            <a:grpFill/>
+            <a:ln w="38100">
+              <a:solidFill>
+                <a:schemeClr val="tx1"/>
+              </a:solidFill>
+            </a:ln>
+          </p:spPr>
+          <p:style>
+            <a:lnRef idx="2">
+              <a:schemeClr val="accent1">
+                <a:shade val="50000"/>
+              </a:schemeClr>
+            </a:lnRef>
+            <a:fillRef idx="1">
+              <a:schemeClr val="accent1"/>
+            </a:fillRef>
+            <a:effectRef idx="0">
+              <a:schemeClr val="accent1"/>
+            </a:effectRef>
+            <a:fontRef idx="minor">
+              <a:schemeClr val="lt1"/>
+            </a:fontRef>
+          </p:style>
+          <p:txBody>
+            <a:bodyPr rtlCol="0" anchor="ctr"/>
+            <a:lstStyle/>
+            <a:p>
+              <a:pPr algn="ctr"/>
+              <a:endParaRPr lang="en-US" dirty="0"/>
+            </a:p>
+          </p:txBody>
+        </p:sp>
+        <p:grpSp>
+          <p:nvGrpSpPr>
+            <p:cNvPr id="10" name="Group 9">
+              <a:extLst>
+                <a:ext uri="{FF2B5EF4-FFF2-40B4-BE49-F238E27FC236}">
+                  <a16:creationId xmlns:a16="http://schemas.microsoft.com/office/drawing/2014/main" id="{F913813F-5396-E049-A855-3A4FEFE2268D}"/>
+                </a:ext>
+              </a:extLst>
+            </p:cNvPr>
+            <p:cNvGrpSpPr/>
+            <p:nvPr/>
+          </p:nvGrpSpPr>
+          <p:grpSpPr>
+            <a:xfrm>
+              <a:off x="0" y="1080000"/>
+              <a:ext cx="4320000" cy="2160000"/>
+              <a:chOff x="0" y="1080000"/>
+              <a:chExt cx="4320000" cy="2160000"/>
+            </a:xfrm>
+            <a:grpFill/>
+          </p:grpSpPr>
+          <p:cxnSp>
+            <p:nvCxnSpPr>
+              <p:cNvPr id="7" name="Straight Connector 6">
+                <a:extLst>
+                  <a:ext uri="{FF2B5EF4-FFF2-40B4-BE49-F238E27FC236}">
+                    <a16:creationId xmlns:a16="http://schemas.microsoft.com/office/drawing/2014/main" id="{39DAC9FD-185A-FE46-B95F-0E753CCE7FAA}"/>
+                  </a:ext>
+                </a:extLst>
+              </p:cNvPr>
+              <p:cNvCxnSpPr/>
+              <p:nvPr/>
+            </p:nvCxnSpPr>
+            <p:spPr>
+              <a:xfrm>
+                <a:off x="0" y="1080000"/>
+                <a:ext cx="4320000" cy="0"/>
+              </a:xfrm>
+              <a:prstGeom prst="line">
+                <a:avLst/>
+              </a:prstGeom>
+              <a:grpFill/>
+              <a:ln w="38100"/>
+            </p:spPr>
+            <p:style>
+              <a:lnRef idx="1">
+                <a:schemeClr val="dk1"/>
+              </a:lnRef>
+              <a:fillRef idx="0">
+                <a:schemeClr val="dk1"/>
+              </a:fillRef>
+              <a:effectRef idx="0">
+                <a:schemeClr val="dk1"/>
+              </a:effectRef>
+              <a:fontRef idx="minor">
+                <a:schemeClr val="tx1"/>
+              </a:fontRef>
+            </p:style>
+          </p:cxnSp>
+          <p:cxnSp>
+            <p:nvCxnSpPr>
+              <p:cNvPr id="8" name="Straight Connector 7">
+                <a:extLst>
+                  <a:ext uri="{FF2B5EF4-FFF2-40B4-BE49-F238E27FC236}">
+                    <a16:creationId xmlns:a16="http://schemas.microsoft.com/office/drawing/2014/main" id="{E18BCB4D-2B0B-4F4B-91B9-79E81BE012AD}"/>
+                  </a:ext>
+                </a:extLst>
+              </p:cNvPr>
+              <p:cNvCxnSpPr/>
+              <p:nvPr/>
+            </p:nvCxnSpPr>
+            <p:spPr>
+              <a:xfrm>
+                <a:off x="0" y="2160000"/>
+                <a:ext cx="4320000" cy="0"/>
+              </a:xfrm>
+              <a:prstGeom prst="line">
+                <a:avLst/>
+              </a:prstGeom>
+              <a:grpFill/>
+              <a:ln w="38100"/>
+            </p:spPr>
+            <p:style>
+              <a:lnRef idx="1">
+                <a:schemeClr val="dk1"/>
+              </a:lnRef>
+              <a:fillRef idx="0">
+                <a:schemeClr val="dk1"/>
+              </a:fillRef>
+              <a:effectRef idx="0">
+                <a:schemeClr val="dk1"/>
+              </a:effectRef>
+              <a:fontRef idx="minor">
+                <a:schemeClr val="tx1"/>
+              </a:fontRef>
+            </p:style>
+          </p:cxnSp>
+          <p:cxnSp>
+            <p:nvCxnSpPr>
+              <p:cNvPr id="9" name="Straight Connector 8">
+                <a:extLst>
+                  <a:ext uri="{FF2B5EF4-FFF2-40B4-BE49-F238E27FC236}">
+                    <a16:creationId xmlns:a16="http://schemas.microsoft.com/office/drawing/2014/main" id="{D93AED01-DB38-EF40-B7F0-C0FD776D3312}"/>
+                  </a:ext>
+                </a:extLst>
+              </p:cNvPr>
+              <p:cNvCxnSpPr/>
+              <p:nvPr/>
+            </p:nvCxnSpPr>
+            <p:spPr>
+              <a:xfrm>
+                <a:off x="0" y="3240000"/>
+                <a:ext cx="4320000" cy="0"/>
+              </a:xfrm>
+              <a:prstGeom prst="line">
+                <a:avLst/>
+              </a:prstGeom>
+              <a:grpFill/>
+              <a:ln w="38100"/>
+            </p:spPr>
+            <p:style>
+              <a:lnRef idx="1">
+                <a:schemeClr val="dk1"/>
+              </a:lnRef>
+              <a:fillRef idx="0">
+                <a:schemeClr val="dk1"/>
+              </a:fillRef>
+              <a:effectRef idx="0">
+                <a:schemeClr val="dk1"/>
+              </a:effectRef>
+              <a:fontRef idx="minor">
+                <a:schemeClr val="tx1"/>
+              </a:fontRef>
+            </p:style>
+          </p:cxnSp>
+        </p:grpSp>
+        <p:grpSp>
+          <p:nvGrpSpPr>
+            <p:cNvPr id="11" name="Group 10">
+              <a:extLst>
+                <a:ext uri="{FF2B5EF4-FFF2-40B4-BE49-F238E27FC236}">
+                  <a16:creationId xmlns:a16="http://schemas.microsoft.com/office/drawing/2014/main" id="{22A2CE58-99B3-924E-9A43-172B0755D41B}"/>
+                </a:ext>
+              </a:extLst>
+            </p:cNvPr>
+            <p:cNvGrpSpPr/>
+            <p:nvPr/>
+          </p:nvGrpSpPr>
+          <p:grpSpPr>
+            <a:xfrm rot="16200000">
+              <a:off x="-80936" y="1093637"/>
+              <a:ext cx="4320000" cy="2160000"/>
+              <a:chOff x="0" y="1080000"/>
+              <a:chExt cx="4320000" cy="2160000"/>
+            </a:xfrm>
+            <a:grpFill/>
+          </p:grpSpPr>
+          <p:cxnSp>
+            <p:nvCxnSpPr>
+              <p:cNvPr id="12" name="Straight Connector 11">
+                <a:extLst>
+                  <a:ext uri="{FF2B5EF4-FFF2-40B4-BE49-F238E27FC236}">
+                    <a16:creationId xmlns:a16="http://schemas.microsoft.com/office/drawing/2014/main" id="{C5FCE702-7642-C44B-80E8-4E6E8646E217}"/>
+                  </a:ext>
+                </a:extLst>
+              </p:cNvPr>
+              <p:cNvCxnSpPr/>
+              <p:nvPr/>
+            </p:nvCxnSpPr>
+            <p:spPr>
+              <a:xfrm>
+                <a:off x="0" y="1080000"/>
+                <a:ext cx="4320000" cy="0"/>
+              </a:xfrm>
+              <a:prstGeom prst="line">
+                <a:avLst/>
+              </a:prstGeom>
+              <a:grpFill/>
+              <a:ln w="38100"/>
+            </p:spPr>
+            <p:style>
+              <a:lnRef idx="1">
+                <a:schemeClr val="dk1"/>
+              </a:lnRef>
+              <a:fillRef idx="0">
+                <a:schemeClr val="dk1"/>
+              </a:fillRef>
+              <a:effectRef idx="0">
+                <a:schemeClr val="dk1"/>
+              </a:effectRef>
+              <a:fontRef idx="minor">
+                <a:schemeClr val="tx1"/>
+              </a:fontRef>
+            </p:style>
+          </p:cxnSp>
+          <p:cxnSp>
+            <p:nvCxnSpPr>
+              <p:cNvPr id="13" name="Straight Connector 12">
+                <a:extLst>
+                  <a:ext uri="{FF2B5EF4-FFF2-40B4-BE49-F238E27FC236}">
+                    <a16:creationId xmlns:a16="http://schemas.microsoft.com/office/drawing/2014/main" id="{7AE1CD00-CD5D-FD4D-A78C-54329A7BA50D}"/>
+                  </a:ext>
+                </a:extLst>
+              </p:cNvPr>
+              <p:cNvCxnSpPr/>
+              <p:nvPr/>
+            </p:nvCxnSpPr>
+            <p:spPr>
+              <a:xfrm>
+                <a:off x="0" y="2160000"/>
+                <a:ext cx="4320000" cy="0"/>
+              </a:xfrm>
+              <a:prstGeom prst="line">
+                <a:avLst/>
+              </a:prstGeom>
+              <a:grpFill/>
+              <a:ln w="38100"/>
+            </p:spPr>
+            <p:style>
+              <a:lnRef idx="1">
+                <a:schemeClr val="dk1"/>
+              </a:lnRef>
+              <a:fillRef idx="0">
+                <a:schemeClr val="dk1"/>
+              </a:fillRef>
+              <a:effectRef idx="0">
+                <a:schemeClr val="dk1"/>
+              </a:effectRef>
+              <a:fontRef idx="minor">
+                <a:schemeClr val="tx1"/>
+              </a:fontRef>
+            </p:style>
+          </p:cxnSp>
+          <p:cxnSp>
+            <p:nvCxnSpPr>
+              <p:cNvPr id="14" name="Straight Connector 13">
+                <a:extLst>
+                  <a:ext uri="{FF2B5EF4-FFF2-40B4-BE49-F238E27FC236}">
+                    <a16:creationId xmlns:a16="http://schemas.microsoft.com/office/drawing/2014/main" id="{1C7D574E-1BF2-9740-9312-677273432E88}"/>
+                  </a:ext>
+                </a:extLst>
+              </p:cNvPr>
+              <p:cNvCxnSpPr/>
+              <p:nvPr/>
+            </p:nvCxnSpPr>
+            <p:spPr>
+              <a:xfrm>
+                <a:off x="0" y="3240000"/>
+                <a:ext cx="4320000" cy="0"/>
+              </a:xfrm>
+              <a:prstGeom prst="line">
+                <a:avLst/>
+              </a:prstGeom>
+              <a:grpFill/>
+              <a:ln w="38100"/>
+            </p:spPr>
+            <p:style>
+              <a:lnRef idx="1">
+                <a:schemeClr val="dk1"/>
+              </a:lnRef>
+              <a:fillRef idx="0">
+                <a:schemeClr val="dk1"/>
+              </a:fillRef>
+              <a:effectRef idx="0">
+                <a:schemeClr val="dk1"/>
+              </a:effectRef>
+              <a:fontRef idx="minor">
+                <a:schemeClr val="tx1"/>
+              </a:fontRef>
+            </p:style>
+          </p:cxnSp>
+        </p:grpSp>
+      </p:grpSp>
+      <p:grpSp>
+        <p:nvGrpSpPr>
+          <p:cNvPr id="20" name="Group 19">
+            <a:extLst>
+              <a:ext uri="{FF2B5EF4-FFF2-40B4-BE49-F238E27FC236}">
+                <a16:creationId xmlns:a16="http://schemas.microsoft.com/office/drawing/2014/main" id="{07C2CF55-9400-8445-8684-576990A68BF2}"/>
+              </a:ext>
+            </a:extLst>
+          </p:cNvPr>
+          <p:cNvGrpSpPr/>
+          <p:nvPr/>
+        </p:nvGrpSpPr>
+        <p:grpSpPr>
+          <a:xfrm>
+            <a:off x="7138855" y="1269000"/>
+            <a:ext cx="4320000" cy="4320000"/>
+            <a:chOff x="0" y="0"/>
+            <a:chExt cx="4320000" cy="4320000"/>
+          </a:xfrm>
+          <a:solidFill>
+            <a:schemeClr val="bg1"/>
+          </a:solidFill>
+        </p:grpSpPr>
+        <p:sp>
+          <p:nvSpPr>
+            <p:cNvPr id="5" name="Rectangle 4">
+              <a:extLst>
+                <a:ext uri="{FF2B5EF4-FFF2-40B4-BE49-F238E27FC236}">
+                  <a16:creationId xmlns:a16="http://schemas.microsoft.com/office/drawing/2014/main" id="{3899F0B2-C778-8B43-B2E3-021CF4EC33A5}"/>
+                </a:ext>
+              </a:extLst>
+            </p:cNvPr>
+            <p:cNvSpPr>
+              <a:spLocks noChangeAspect="1"/>
+            </p:cNvSpPr>
+            <p:nvPr/>
+          </p:nvSpPr>
+          <p:spPr>
+            <a:xfrm>
+              <a:off x="0" y="0"/>
+              <a:ext cx="4320000" cy="4320000"/>
+            </a:xfrm>
+            <a:prstGeom prst="rect">
+              <a:avLst/>
+            </a:prstGeom>
+            <a:grpFill/>
+            <a:ln w="38100">
+              <a:solidFill>
+                <a:schemeClr val="tx1"/>
+              </a:solidFill>
+            </a:ln>
+          </p:spPr>
+          <p:style>
+            <a:lnRef idx="2">
+              <a:schemeClr val="accent1">
+                <a:shade val="50000"/>
+              </a:schemeClr>
+            </a:lnRef>
+            <a:fillRef idx="1">
+              <a:schemeClr val="accent1"/>
+            </a:fillRef>
+            <a:effectRef idx="0">
+              <a:schemeClr val="accent1"/>
+            </a:effectRef>
+            <a:fontRef idx="minor">
+              <a:schemeClr val="lt1"/>
+            </a:fontRef>
+          </p:style>
+          <p:txBody>
+            <a:bodyPr rtlCol="0" anchor="ctr"/>
+            <a:lstStyle/>
+            <a:p>
+              <a:pPr algn="ctr"/>
+              <a:endParaRPr lang="en-US"/>
+            </a:p>
+          </p:txBody>
+        </p:sp>
+        <p:cxnSp>
+          <p:nvCxnSpPr>
+            <p:cNvPr id="6" name="Straight Connector 5">
+              <a:extLst>
+                <a:ext uri="{FF2B5EF4-FFF2-40B4-BE49-F238E27FC236}">
+                  <a16:creationId xmlns:a16="http://schemas.microsoft.com/office/drawing/2014/main" id="{E4CFAFE3-9596-8843-8938-0137943B6EC9}"/>
+                </a:ext>
+              </a:extLst>
+            </p:cNvPr>
+            <p:cNvCxnSpPr/>
+            <p:nvPr/>
+          </p:nvCxnSpPr>
+          <p:spPr>
+            <a:xfrm>
+              <a:off x="0" y="1440000"/>
+              <a:ext cx="4320000" cy="0"/>
+            </a:xfrm>
+            <a:prstGeom prst="line">
+              <a:avLst/>
+            </a:prstGeom>
+            <a:grpFill/>
+            <a:ln w="38100"/>
+          </p:spPr>
+          <p:style>
+            <a:lnRef idx="1">
+              <a:schemeClr val="dk1"/>
+            </a:lnRef>
+            <a:fillRef idx="0">
+              <a:schemeClr val="dk1"/>
+            </a:fillRef>
+            <a:effectRef idx="0">
+              <a:schemeClr val="dk1"/>
+            </a:effectRef>
+            <a:fontRef idx="minor">
+              <a:schemeClr val="tx1"/>
+            </a:fontRef>
+          </p:style>
+        </p:cxnSp>
+        <p:cxnSp>
+          <p:nvCxnSpPr>
+            <p:cNvPr id="16" name="Straight Connector 15">
+              <a:extLst>
+                <a:ext uri="{FF2B5EF4-FFF2-40B4-BE49-F238E27FC236}">
+                  <a16:creationId xmlns:a16="http://schemas.microsoft.com/office/drawing/2014/main" id="{F753046B-5777-6443-A487-4ACE64A5BD0D}"/>
+                </a:ext>
+              </a:extLst>
+            </p:cNvPr>
+            <p:cNvCxnSpPr/>
+            <p:nvPr/>
+          </p:nvCxnSpPr>
+          <p:spPr>
+            <a:xfrm>
+              <a:off x="0" y="2880000"/>
+              <a:ext cx="4320000" cy="0"/>
+            </a:xfrm>
+            <a:prstGeom prst="line">
+              <a:avLst/>
+            </a:prstGeom>
+            <a:grpFill/>
+            <a:ln w="38100"/>
+          </p:spPr>
+          <p:style>
+            <a:lnRef idx="1">
+              <a:schemeClr val="dk1"/>
+            </a:lnRef>
+            <a:fillRef idx="0">
+              <a:schemeClr val="dk1"/>
+            </a:fillRef>
+            <a:effectRef idx="0">
+              <a:schemeClr val="dk1"/>
+            </a:effectRef>
+            <a:fontRef idx="minor">
+              <a:schemeClr val="tx1"/>
+            </a:fontRef>
+          </p:style>
+        </p:cxnSp>
+        <p:grpSp>
+          <p:nvGrpSpPr>
+            <p:cNvPr id="19" name="Group 18">
+              <a:extLst>
+                <a:ext uri="{FF2B5EF4-FFF2-40B4-BE49-F238E27FC236}">
+                  <a16:creationId xmlns:a16="http://schemas.microsoft.com/office/drawing/2014/main" id="{C9840ADB-BAD0-A344-880F-32BF52724680}"/>
+                </a:ext>
+              </a:extLst>
+            </p:cNvPr>
+            <p:cNvGrpSpPr/>
+            <p:nvPr/>
+          </p:nvGrpSpPr>
+          <p:grpSpPr>
+            <a:xfrm rot="5400000">
+              <a:off x="0" y="1440000"/>
+              <a:ext cx="4320000" cy="1440000"/>
+              <a:chOff x="152400" y="1592400"/>
+              <a:chExt cx="4320000" cy="1440000"/>
+            </a:xfrm>
+            <a:grpFill/>
+          </p:grpSpPr>
+          <p:cxnSp>
+            <p:nvCxnSpPr>
+              <p:cNvPr id="17" name="Straight Connector 16">
+                <a:extLst>
+                  <a:ext uri="{FF2B5EF4-FFF2-40B4-BE49-F238E27FC236}">
+                    <a16:creationId xmlns:a16="http://schemas.microsoft.com/office/drawing/2014/main" id="{82B71FDC-44C1-4940-A9F9-AA8ECB49C5F4}"/>
+                  </a:ext>
+                </a:extLst>
+              </p:cNvPr>
+              <p:cNvCxnSpPr/>
+              <p:nvPr/>
+            </p:nvCxnSpPr>
+            <p:spPr>
+              <a:xfrm>
+                <a:off x="152400" y="1592400"/>
+                <a:ext cx="4320000" cy="0"/>
+              </a:xfrm>
+              <a:prstGeom prst="line">
+                <a:avLst/>
+              </a:prstGeom>
+              <a:grpFill/>
+              <a:ln w="38100"/>
+            </p:spPr>
+            <p:style>
+              <a:lnRef idx="1">
+                <a:schemeClr val="dk1"/>
+              </a:lnRef>
+              <a:fillRef idx="0">
+                <a:schemeClr val="dk1"/>
+              </a:fillRef>
+              <a:effectRef idx="0">
+                <a:schemeClr val="dk1"/>
+              </a:effectRef>
+              <a:fontRef idx="minor">
+                <a:schemeClr val="tx1"/>
+              </a:fontRef>
+            </p:style>
+          </p:cxnSp>
+          <p:cxnSp>
+            <p:nvCxnSpPr>
+              <p:cNvPr id="18" name="Straight Connector 17">
+                <a:extLst>
+                  <a:ext uri="{FF2B5EF4-FFF2-40B4-BE49-F238E27FC236}">
+                    <a16:creationId xmlns:a16="http://schemas.microsoft.com/office/drawing/2014/main" id="{B317F8DC-1CEF-4346-ADE5-E65325F2EE89}"/>
+                  </a:ext>
+                </a:extLst>
+              </p:cNvPr>
+              <p:cNvCxnSpPr/>
+              <p:nvPr/>
+            </p:nvCxnSpPr>
+            <p:spPr>
+              <a:xfrm>
+                <a:off x="152400" y="3032400"/>
+                <a:ext cx="4320000" cy="0"/>
+              </a:xfrm>
+              <a:prstGeom prst="line">
+                <a:avLst/>
+              </a:prstGeom>
+              <a:grpFill/>
+              <a:ln w="38100"/>
+            </p:spPr>
+            <p:style>
+              <a:lnRef idx="1">
+                <a:schemeClr val="dk1"/>
+              </a:lnRef>
+              <a:fillRef idx="0">
+                <a:schemeClr val="dk1"/>
+              </a:fillRef>
+              <a:effectRef idx="0">
+                <a:schemeClr val="dk1"/>
+              </a:effectRef>
+              <a:fontRef idx="minor">
+                <a:schemeClr val="tx1"/>
+              </a:fontRef>
+            </p:style>
+          </p:cxnSp>
+        </p:grpSp>
+      </p:grpSp>
+      <mc:AlternateContent xmlns:mc="http://schemas.openxmlformats.org/markup-compatibility/2006">
+        <mc:Choice xmlns:a14="http://schemas.microsoft.com/office/drawing/2010/main" Requires="a14">
+          <p:sp>
+            <p:nvSpPr>
+              <p:cNvPr id="21" name="TextBox 20">
+                <a:extLst>
+                  <a:ext uri="{FF2B5EF4-FFF2-40B4-BE49-F238E27FC236}">
+                    <a16:creationId xmlns:a16="http://schemas.microsoft.com/office/drawing/2014/main" id="{A288574A-496D-9B43-947A-4C875068A5D5}"/>
+                  </a:ext>
+                </a:extLst>
+              </p:cNvPr>
+              <p:cNvSpPr txBox="1"/>
+              <p:nvPr/>
+            </p:nvSpPr>
+            <p:spPr>
+              <a:xfrm>
+                <a:off x="769762" y="1479016"/>
+                <a:ext cx="925831" cy="646331"/>
+              </a:xfrm>
+              <a:prstGeom prst="rect">
+                <a:avLst/>
+              </a:prstGeom>
+              <a:noFill/>
+            </p:spPr>
+            <p:txBody>
+              <a:bodyPr wrap="none" rtlCol="0">
+                <a:spAutoFit/>
+              </a:bodyPr>
+              <a:lstStyle/>
+              <a:p>
+                <a14:m>
+                  <m:oMathPara xmlns:m="http://schemas.openxmlformats.org/officeDocument/2006/math">
+                    <m:oMathParaPr>
+                      <m:jc m:val="centerGroup"/>
+                    </m:oMathParaPr>
+                    <m:oMath xmlns:m="http://schemas.openxmlformats.org/officeDocument/2006/math">
+                      <m:sSub>
+                        <m:sSubPr>
+                          <m:ctrlPr>
+                            <a:rPr lang="en-US" sz="3600" b="0" i="1" smtClean="0">
+                              <a:latin typeface="Cambria Math" panose="02040503050406030204" pitchFamily="18" charset="0"/>
+                            </a:rPr>
+                          </m:ctrlPr>
+                        </m:sSubPr>
+                        <m:e>
+                          <m:r>
+                            <a:rPr lang="en-US" sz="3600" b="0" i="1" smtClean="0">
+                              <a:latin typeface="Cambria Math" panose="02040503050406030204" pitchFamily="18" charset="0"/>
+                            </a:rPr>
+                            <m:t>𝑃</m:t>
+                          </m:r>
+                        </m:e>
+                        <m:sub>
+                          <m:r>
+                            <a:rPr lang="en-US" sz="3600" b="0" i="1" smtClean="0">
+                              <a:latin typeface="Cambria Math" panose="02040503050406030204" pitchFamily="18" charset="0"/>
+                            </a:rPr>
+                            <m:t>11</m:t>
+                          </m:r>
+                        </m:sub>
+                      </m:sSub>
+                    </m:oMath>
+                  </m:oMathPara>
+                </a14:m>
+                <a:endParaRPr lang="en-US" sz="3600" dirty="0"/>
+              </a:p>
+            </p:txBody>
+          </p:sp>
+        </mc:Choice>
+        <mc:Fallback>
+          <p:sp>
+            <p:nvSpPr>
+              <p:cNvPr id="21" name="TextBox 20">
+                <a:extLst>
+                  <a:ext uri="{FF2B5EF4-FFF2-40B4-BE49-F238E27FC236}">
+                    <a16:creationId xmlns:a16="http://schemas.microsoft.com/office/drawing/2014/main" id="{A288574A-496D-9B43-947A-4C875068A5D5}"/>
+                  </a:ext>
+                </a:extLst>
+              </p:cNvPr>
+              <p:cNvSpPr txBox="1">
+                <a:spLocks noRot="1" noChangeAspect="1" noMove="1" noResize="1" noEditPoints="1" noAdjustHandles="1" noChangeArrowheads="1" noChangeShapeType="1" noTextEdit="1"/>
+              </p:cNvSpPr>
+              <p:nvPr/>
+            </p:nvSpPr>
+            <p:spPr>
+              <a:xfrm>
+                <a:off x="769762" y="1479016"/>
+                <a:ext cx="925831" cy="646331"/>
+              </a:xfrm>
+              <a:prstGeom prst="rect">
+                <a:avLst/>
+              </a:prstGeom>
+              <a:blipFill>
+                <a:blip r:embed="rId2"/>
+                <a:stretch>
+                  <a:fillRect b="-3846"/>
+                </a:stretch>
+              </a:blipFill>
+            </p:spPr>
+            <p:txBody>
+              <a:bodyPr/>
+              <a:lstStyle/>
+              <a:p>
+                <a:r>
+                  <a:rPr lang="en-US">
+                    <a:noFill/>
+                  </a:rPr>
+                  <a:t> </a:t>
+                </a:r>
+              </a:p>
+            </p:txBody>
+          </p:sp>
+        </mc:Fallback>
+      </mc:AlternateContent>
+      <mc:AlternateContent xmlns:mc="http://schemas.openxmlformats.org/markup-compatibility/2006">
+        <mc:Choice xmlns:a14="http://schemas.microsoft.com/office/drawing/2010/main" Requires="a14">
+          <p:sp>
+            <p:nvSpPr>
+              <p:cNvPr id="22" name="TextBox 21">
+                <a:extLst>
+                  <a:ext uri="{FF2B5EF4-FFF2-40B4-BE49-F238E27FC236}">
+                    <a16:creationId xmlns:a16="http://schemas.microsoft.com/office/drawing/2014/main" id="{DA8AE413-1CC3-3144-8589-F7037DE67B41}"/>
+                  </a:ext>
+                </a:extLst>
+              </p:cNvPr>
+              <p:cNvSpPr txBox="1"/>
+              <p:nvPr/>
+            </p:nvSpPr>
+            <p:spPr>
+              <a:xfrm>
+                <a:off x="1783464" y="1479015"/>
+                <a:ext cx="925831" cy="646331"/>
+              </a:xfrm>
+              <a:prstGeom prst="rect">
+                <a:avLst/>
+              </a:prstGeom>
+              <a:noFill/>
+            </p:spPr>
+            <p:txBody>
+              <a:bodyPr wrap="none" rtlCol="0">
+                <a:spAutoFit/>
+              </a:bodyPr>
+              <a:lstStyle/>
+              <a:p>
+                <a14:m>
+                  <m:oMathPara xmlns:m="http://schemas.openxmlformats.org/officeDocument/2006/math">
+                    <m:oMathParaPr>
+                      <m:jc m:val="centerGroup"/>
+                    </m:oMathParaPr>
+                    <m:oMath xmlns:m="http://schemas.openxmlformats.org/officeDocument/2006/math">
+                      <m:sSub>
+                        <m:sSubPr>
+                          <m:ctrlPr>
+                            <a:rPr lang="en-US" sz="3600" b="0" i="1" smtClean="0">
+                              <a:latin typeface="Cambria Math" panose="02040503050406030204" pitchFamily="18" charset="0"/>
+                            </a:rPr>
+                          </m:ctrlPr>
+                        </m:sSubPr>
+                        <m:e>
+                          <m:r>
+                            <a:rPr lang="en-US" sz="3600" b="0" i="1" smtClean="0">
+                              <a:latin typeface="Cambria Math" panose="02040503050406030204" pitchFamily="18" charset="0"/>
+                            </a:rPr>
+                            <m:t>𝑃</m:t>
+                          </m:r>
+                        </m:e>
+                        <m:sub>
+                          <m:r>
+                            <a:rPr lang="en-US" sz="3600" b="0" i="1" smtClean="0">
+                              <a:latin typeface="Cambria Math" panose="02040503050406030204" pitchFamily="18" charset="0"/>
+                            </a:rPr>
+                            <m:t>12</m:t>
+                          </m:r>
+                        </m:sub>
+                      </m:sSub>
+                    </m:oMath>
+                  </m:oMathPara>
+                </a14:m>
+                <a:endParaRPr lang="en-US" sz="3600" dirty="0"/>
+              </a:p>
+            </p:txBody>
+          </p:sp>
+        </mc:Choice>
+        <mc:Fallback>
+          <p:sp>
+            <p:nvSpPr>
+              <p:cNvPr id="22" name="TextBox 21">
+                <a:extLst>
+                  <a:ext uri="{FF2B5EF4-FFF2-40B4-BE49-F238E27FC236}">
+                    <a16:creationId xmlns:a16="http://schemas.microsoft.com/office/drawing/2014/main" id="{DA8AE413-1CC3-3144-8589-F7037DE67B41}"/>
+                  </a:ext>
+                </a:extLst>
+              </p:cNvPr>
+              <p:cNvSpPr txBox="1">
+                <a:spLocks noRot="1" noChangeAspect="1" noMove="1" noResize="1" noEditPoints="1" noAdjustHandles="1" noChangeArrowheads="1" noChangeShapeType="1" noTextEdit="1"/>
+              </p:cNvSpPr>
+              <p:nvPr/>
+            </p:nvSpPr>
+            <p:spPr>
+              <a:xfrm>
+                <a:off x="1783464" y="1479015"/>
+                <a:ext cx="925831" cy="646331"/>
+              </a:xfrm>
+              <a:prstGeom prst="rect">
+                <a:avLst/>
+              </a:prstGeom>
+              <a:blipFill>
+                <a:blip r:embed="rId3"/>
+                <a:stretch>
+                  <a:fillRect b="-3846"/>
+                </a:stretch>
+              </a:blipFill>
+            </p:spPr>
+            <p:txBody>
+              <a:bodyPr/>
+              <a:lstStyle/>
+              <a:p>
+                <a:r>
+                  <a:rPr lang="en-US">
+                    <a:noFill/>
+                  </a:rPr>
+                  <a:t> </a:t>
+                </a:r>
+              </a:p>
+            </p:txBody>
+          </p:sp>
+        </mc:Fallback>
+      </mc:AlternateContent>
+      <mc:AlternateContent xmlns:mc="http://schemas.openxmlformats.org/markup-compatibility/2006">
+        <mc:Choice xmlns:a14="http://schemas.microsoft.com/office/drawing/2010/main" Requires="a14">
+          <p:sp>
+            <p:nvSpPr>
+              <p:cNvPr id="23" name="TextBox 22">
+                <a:extLst>
+                  <a:ext uri="{FF2B5EF4-FFF2-40B4-BE49-F238E27FC236}">
+                    <a16:creationId xmlns:a16="http://schemas.microsoft.com/office/drawing/2014/main" id="{DF1D0FD0-183F-6545-ABB4-489FA4CD593C}"/>
+                  </a:ext>
+                </a:extLst>
+              </p:cNvPr>
+              <p:cNvSpPr txBox="1"/>
+              <p:nvPr/>
+            </p:nvSpPr>
+            <p:spPr>
+              <a:xfrm>
+                <a:off x="2880407" y="1479015"/>
+                <a:ext cx="925831" cy="646331"/>
+              </a:xfrm>
+              <a:prstGeom prst="rect">
+                <a:avLst/>
+              </a:prstGeom>
+              <a:noFill/>
+            </p:spPr>
+            <p:txBody>
+              <a:bodyPr wrap="none" rtlCol="0">
+                <a:spAutoFit/>
+              </a:bodyPr>
+              <a:lstStyle/>
+              <a:p>
+                <a14:m>
+                  <m:oMathPara xmlns:m="http://schemas.openxmlformats.org/officeDocument/2006/math">
+                    <m:oMathParaPr>
+                      <m:jc m:val="centerGroup"/>
+                    </m:oMathParaPr>
+                    <m:oMath xmlns:m="http://schemas.openxmlformats.org/officeDocument/2006/math">
+                      <m:sSub>
+                        <m:sSubPr>
+                          <m:ctrlPr>
+                            <a:rPr lang="en-US" sz="3600" b="0" i="1" smtClean="0">
+                              <a:latin typeface="Cambria Math" panose="02040503050406030204" pitchFamily="18" charset="0"/>
+                            </a:rPr>
+                          </m:ctrlPr>
+                        </m:sSubPr>
+                        <m:e>
+                          <m:r>
+                            <a:rPr lang="en-US" sz="3600" b="0" i="1" smtClean="0">
+                              <a:latin typeface="Cambria Math" panose="02040503050406030204" pitchFamily="18" charset="0"/>
+                            </a:rPr>
+                            <m:t>𝑃</m:t>
+                          </m:r>
+                        </m:e>
+                        <m:sub>
+                          <m:r>
+                            <a:rPr lang="en-US" sz="3600" b="0" i="1" smtClean="0">
+                              <a:latin typeface="Cambria Math" panose="02040503050406030204" pitchFamily="18" charset="0"/>
+                            </a:rPr>
+                            <m:t>13</m:t>
+                          </m:r>
+                        </m:sub>
+                      </m:sSub>
+                    </m:oMath>
+                  </m:oMathPara>
+                </a14:m>
+                <a:endParaRPr lang="en-US" sz="3600" dirty="0"/>
+              </a:p>
+            </p:txBody>
+          </p:sp>
+        </mc:Choice>
+        <mc:Fallback>
+          <p:sp>
+            <p:nvSpPr>
+              <p:cNvPr id="23" name="TextBox 22">
+                <a:extLst>
+                  <a:ext uri="{FF2B5EF4-FFF2-40B4-BE49-F238E27FC236}">
+                    <a16:creationId xmlns:a16="http://schemas.microsoft.com/office/drawing/2014/main" id="{DF1D0FD0-183F-6545-ABB4-489FA4CD593C}"/>
+                  </a:ext>
+                </a:extLst>
+              </p:cNvPr>
+              <p:cNvSpPr txBox="1">
+                <a:spLocks noRot="1" noChangeAspect="1" noMove="1" noResize="1" noEditPoints="1" noAdjustHandles="1" noChangeArrowheads="1" noChangeShapeType="1" noTextEdit="1"/>
+              </p:cNvSpPr>
+              <p:nvPr/>
+            </p:nvSpPr>
+            <p:spPr>
+              <a:xfrm>
+                <a:off x="2880407" y="1479015"/>
+                <a:ext cx="925831" cy="646331"/>
+              </a:xfrm>
+              <a:prstGeom prst="rect">
+                <a:avLst/>
+              </a:prstGeom>
+              <a:blipFill>
+                <a:blip r:embed="rId4"/>
+                <a:stretch>
+                  <a:fillRect b="-3846"/>
+                </a:stretch>
+              </a:blipFill>
+            </p:spPr>
+            <p:txBody>
+              <a:bodyPr/>
+              <a:lstStyle/>
+              <a:p>
+                <a:r>
+                  <a:rPr lang="en-US">
+                    <a:noFill/>
+                  </a:rPr>
+                  <a:t> </a:t>
+                </a:r>
+              </a:p>
+            </p:txBody>
+          </p:sp>
+        </mc:Fallback>
+      </mc:AlternateContent>
+      <mc:AlternateContent xmlns:mc="http://schemas.openxmlformats.org/markup-compatibility/2006">
+        <mc:Choice xmlns:a14="http://schemas.microsoft.com/office/drawing/2010/main" Requires="a14">
+          <p:sp>
+            <p:nvSpPr>
+              <p:cNvPr id="24" name="TextBox 23">
+                <a:extLst>
+                  <a:ext uri="{FF2B5EF4-FFF2-40B4-BE49-F238E27FC236}">
+                    <a16:creationId xmlns:a16="http://schemas.microsoft.com/office/drawing/2014/main" id="{0CD16D34-B448-314F-B08E-143688E557D8}"/>
+                  </a:ext>
+                </a:extLst>
+              </p:cNvPr>
+              <p:cNvSpPr txBox="1"/>
+              <p:nvPr/>
+            </p:nvSpPr>
+            <p:spPr>
+              <a:xfrm>
+                <a:off x="4009234" y="1479014"/>
+                <a:ext cx="925831" cy="646331"/>
+              </a:xfrm>
+              <a:prstGeom prst="rect">
+                <a:avLst/>
+              </a:prstGeom>
+              <a:noFill/>
+            </p:spPr>
+            <p:txBody>
+              <a:bodyPr wrap="none" rtlCol="0">
+                <a:spAutoFit/>
+              </a:bodyPr>
+              <a:lstStyle/>
+              <a:p>
+                <a14:m>
+                  <m:oMathPara xmlns:m="http://schemas.openxmlformats.org/officeDocument/2006/math">
+                    <m:oMathParaPr>
+                      <m:jc m:val="centerGroup"/>
+                    </m:oMathParaPr>
+                    <m:oMath xmlns:m="http://schemas.openxmlformats.org/officeDocument/2006/math">
+                      <m:sSub>
+                        <m:sSubPr>
+                          <m:ctrlPr>
+                            <a:rPr lang="en-US" sz="3600" b="0" i="1" smtClean="0">
+                              <a:latin typeface="Cambria Math" panose="02040503050406030204" pitchFamily="18" charset="0"/>
+                            </a:rPr>
+                          </m:ctrlPr>
+                        </m:sSubPr>
+                        <m:e>
+                          <m:r>
+                            <a:rPr lang="en-US" sz="3600" b="0" i="1" smtClean="0">
+                              <a:latin typeface="Cambria Math" panose="02040503050406030204" pitchFamily="18" charset="0"/>
+                            </a:rPr>
+                            <m:t>𝑃</m:t>
+                          </m:r>
+                        </m:e>
+                        <m:sub>
+                          <m:r>
+                            <a:rPr lang="en-US" sz="3600" b="0" i="1" smtClean="0">
+                              <a:latin typeface="Cambria Math" panose="02040503050406030204" pitchFamily="18" charset="0"/>
+                            </a:rPr>
+                            <m:t>14</m:t>
+                          </m:r>
+                        </m:sub>
+                      </m:sSub>
+                    </m:oMath>
+                  </m:oMathPara>
+                </a14:m>
+                <a:endParaRPr lang="en-US" sz="3600" dirty="0"/>
+              </a:p>
+            </p:txBody>
+          </p:sp>
+        </mc:Choice>
+        <mc:Fallback>
+          <p:sp>
+            <p:nvSpPr>
+              <p:cNvPr id="24" name="TextBox 23">
+                <a:extLst>
+                  <a:ext uri="{FF2B5EF4-FFF2-40B4-BE49-F238E27FC236}">
+                    <a16:creationId xmlns:a16="http://schemas.microsoft.com/office/drawing/2014/main" id="{0CD16D34-B448-314F-B08E-143688E557D8}"/>
+                  </a:ext>
+                </a:extLst>
+              </p:cNvPr>
+              <p:cNvSpPr txBox="1">
+                <a:spLocks noRot="1" noChangeAspect="1" noMove="1" noResize="1" noEditPoints="1" noAdjustHandles="1" noChangeArrowheads="1" noChangeShapeType="1" noTextEdit="1"/>
+              </p:cNvSpPr>
+              <p:nvPr/>
+            </p:nvSpPr>
+            <p:spPr>
+              <a:xfrm>
+                <a:off x="4009234" y="1479014"/>
+                <a:ext cx="925831" cy="646331"/>
+              </a:xfrm>
+              <a:prstGeom prst="rect">
+                <a:avLst/>
+              </a:prstGeom>
+              <a:blipFill>
+                <a:blip r:embed="rId5"/>
+                <a:stretch>
+                  <a:fillRect l="-1351" b="-3846"/>
+                </a:stretch>
+              </a:blipFill>
+            </p:spPr>
+            <p:txBody>
+              <a:bodyPr/>
+              <a:lstStyle/>
+              <a:p>
+                <a:r>
+                  <a:rPr lang="en-US">
+                    <a:noFill/>
+                  </a:rPr>
+                  <a:t> </a:t>
+                </a:r>
+              </a:p>
+            </p:txBody>
+          </p:sp>
+        </mc:Fallback>
+      </mc:AlternateContent>
+      <mc:AlternateContent xmlns:mc="http://schemas.openxmlformats.org/markup-compatibility/2006">
+        <mc:Choice xmlns:a14="http://schemas.microsoft.com/office/drawing/2010/main" Requires="a14">
+          <p:sp>
+            <p:nvSpPr>
+              <p:cNvPr id="25" name="TextBox 24">
+                <a:extLst>
+                  <a:ext uri="{FF2B5EF4-FFF2-40B4-BE49-F238E27FC236}">
+                    <a16:creationId xmlns:a16="http://schemas.microsoft.com/office/drawing/2014/main" id="{E04BF55C-561A-5C4C-89DE-A4ABB0258449}"/>
+                  </a:ext>
+                </a:extLst>
+              </p:cNvPr>
+              <p:cNvSpPr txBox="1"/>
+              <p:nvPr/>
+            </p:nvSpPr>
+            <p:spPr>
+              <a:xfrm>
+                <a:off x="769762" y="2559016"/>
+                <a:ext cx="936538" cy="646331"/>
+              </a:xfrm>
+              <a:prstGeom prst="rect">
+                <a:avLst/>
+              </a:prstGeom>
+              <a:noFill/>
+            </p:spPr>
+            <p:txBody>
+              <a:bodyPr wrap="none" rtlCol="0">
+                <a:spAutoFit/>
+              </a:bodyPr>
+              <a:lstStyle/>
+              <a:p>
+                <a14:m>
+                  <m:oMathPara xmlns:m="http://schemas.openxmlformats.org/officeDocument/2006/math">
+                    <m:oMathParaPr>
+                      <m:jc m:val="centerGroup"/>
+                    </m:oMathParaPr>
+                    <m:oMath xmlns:m="http://schemas.openxmlformats.org/officeDocument/2006/math">
+                      <m:sSub>
+                        <m:sSubPr>
+                          <m:ctrlPr>
+                            <a:rPr lang="en-US" sz="3600" b="0" i="1" smtClean="0">
+                              <a:latin typeface="Cambria Math" panose="02040503050406030204" pitchFamily="18" charset="0"/>
+                            </a:rPr>
+                          </m:ctrlPr>
+                        </m:sSubPr>
+                        <m:e>
+                          <m:r>
+                            <a:rPr lang="en-US" sz="3600" b="0" i="1" smtClean="0">
+                              <a:latin typeface="Cambria Math" panose="02040503050406030204" pitchFamily="18" charset="0"/>
+                            </a:rPr>
+                            <m:t>𝑃</m:t>
+                          </m:r>
+                        </m:e>
+                        <m:sub>
+                          <m:r>
+                            <a:rPr lang="en-US" sz="3600" b="0" i="1" smtClean="0">
+                              <a:latin typeface="Cambria Math" panose="02040503050406030204" pitchFamily="18" charset="0"/>
+                            </a:rPr>
+                            <m:t>21</m:t>
+                          </m:r>
+                        </m:sub>
+                      </m:sSub>
+                    </m:oMath>
+                  </m:oMathPara>
+                </a14:m>
+                <a:endParaRPr lang="en-US" sz="3600" dirty="0"/>
+              </a:p>
+            </p:txBody>
+          </p:sp>
+        </mc:Choice>
+        <mc:Fallback>
+          <p:sp>
+            <p:nvSpPr>
+              <p:cNvPr id="25" name="TextBox 24">
+                <a:extLst>
+                  <a:ext uri="{FF2B5EF4-FFF2-40B4-BE49-F238E27FC236}">
+                    <a16:creationId xmlns:a16="http://schemas.microsoft.com/office/drawing/2014/main" id="{E04BF55C-561A-5C4C-89DE-A4ABB0258449}"/>
+                  </a:ext>
+                </a:extLst>
+              </p:cNvPr>
+              <p:cNvSpPr txBox="1">
+                <a:spLocks noRot="1" noChangeAspect="1" noMove="1" noResize="1" noEditPoints="1" noAdjustHandles="1" noChangeArrowheads="1" noChangeShapeType="1" noTextEdit="1"/>
+              </p:cNvSpPr>
+              <p:nvPr/>
+            </p:nvSpPr>
+            <p:spPr>
+              <a:xfrm>
+                <a:off x="769762" y="2559016"/>
+                <a:ext cx="936538" cy="646331"/>
+              </a:xfrm>
+              <a:prstGeom prst="rect">
+                <a:avLst/>
+              </a:prstGeom>
+              <a:blipFill>
+                <a:blip r:embed="rId6"/>
+                <a:stretch>
+                  <a:fillRect b="-5769"/>
+                </a:stretch>
+              </a:blipFill>
+            </p:spPr>
+            <p:txBody>
+              <a:bodyPr/>
+              <a:lstStyle/>
+              <a:p>
+                <a:r>
+                  <a:rPr lang="en-US">
+                    <a:noFill/>
+                  </a:rPr>
+                  <a:t> </a:t>
+                </a:r>
+              </a:p>
+            </p:txBody>
+          </p:sp>
+        </mc:Fallback>
+      </mc:AlternateContent>
+      <mc:AlternateContent xmlns:mc="http://schemas.openxmlformats.org/markup-compatibility/2006">
+        <mc:Choice xmlns:a14="http://schemas.microsoft.com/office/drawing/2010/main" Requires="a14">
+          <p:sp>
+            <p:nvSpPr>
+              <p:cNvPr id="29" name="TextBox 28">
+                <a:extLst>
+                  <a:ext uri="{FF2B5EF4-FFF2-40B4-BE49-F238E27FC236}">
+                    <a16:creationId xmlns:a16="http://schemas.microsoft.com/office/drawing/2014/main" id="{78968F7C-A288-514C-A62C-D172B177E2E1}"/>
+                  </a:ext>
+                </a:extLst>
+              </p:cNvPr>
+              <p:cNvSpPr txBox="1"/>
+              <p:nvPr/>
+            </p:nvSpPr>
+            <p:spPr>
+              <a:xfrm>
+                <a:off x="769762" y="3625381"/>
+                <a:ext cx="936538" cy="646331"/>
+              </a:xfrm>
+              <a:prstGeom prst="rect">
+                <a:avLst/>
+              </a:prstGeom>
+              <a:noFill/>
+            </p:spPr>
+            <p:txBody>
+              <a:bodyPr wrap="none" rtlCol="0">
+                <a:spAutoFit/>
+              </a:bodyPr>
+              <a:lstStyle/>
+              <a:p>
+                <a14:m>
+                  <m:oMathPara xmlns:m="http://schemas.openxmlformats.org/officeDocument/2006/math">
+                    <m:oMathParaPr>
+                      <m:jc m:val="centerGroup"/>
+                    </m:oMathParaPr>
+                    <m:oMath xmlns:m="http://schemas.openxmlformats.org/officeDocument/2006/math">
+                      <m:sSub>
+                        <m:sSubPr>
+                          <m:ctrlPr>
+                            <a:rPr lang="en-US" sz="3600" b="0" i="1" smtClean="0">
+                              <a:latin typeface="Cambria Math" panose="02040503050406030204" pitchFamily="18" charset="0"/>
+                            </a:rPr>
+                          </m:ctrlPr>
+                        </m:sSubPr>
+                        <m:e>
+                          <m:r>
+                            <a:rPr lang="en-US" sz="3600" b="0" i="1" smtClean="0">
+                              <a:latin typeface="Cambria Math" panose="02040503050406030204" pitchFamily="18" charset="0"/>
+                            </a:rPr>
+                            <m:t>𝑃</m:t>
+                          </m:r>
+                        </m:e>
+                        <m:sub>
+                          <m:r>
+                            <a:rPr lang="en-US" sz="3600" b="0" i="1" smtClean="0">
+                              <a:latin typeface="Cambria Math" panose="02040503050406030204" pitchFamily="18" charset="0"/>
+                            </a:rPr>
+                            <m:t>31</m:t>
+                          </m:r>
+                        </m:sub>
+                      </m:sSub>
+                    </m:oMath>
+                  </m:oMathPara>
+                </a14:m>
+                <a:endParaRPr lang="en-US" sz="3600" dirty="0"/>
+              </a:p>
+            </p:txBody>
+          </p:sp>
+        </mc:Choice>
+        <mc:Fallback>
+          <p:sp>
+            <p:nvSpPr>
+              <p:cNvPr id="29" name="TextBox 28">
+                <a:extLst>
+                  <a:ext uri="{FF2B5EF4-FFF2-40B4-BE49-F238E27FC236}">
+                    <a16:creationId xmlns:a16="http://schemas.microsoft.com/office/drawing/2014/main" id="{78968F7C-A288-514C-A62C-D172B177E2E1}"/>
+                  </a:ext>
+                </a:extLst>
+              </p:cNvPr>
+              <p:cNvSpPr txBox="1">
+                <a:spLocks noRot="1" noChangeAspect="1" noMove="1" noResize="1" noEditPoints="1" noAdjustHandles="1" noChangeArrowheads="1" noChangeShapeType="1" noTextEdit="1"/>
+              </p:cNvSpPr>
+              <p:nvPr/>
+            </p:nvSpPr>
+            <p:spPr>
+              <a:xfrm>
+                <a:off x="769762" y="3625381"/>
+                <a:ext cx="936538" cy="646331"/>
+              </a:xfrm>
+              <a:prstGeom prst="rect">
+                <a:avLst/>
+              </a:prstGeom>
+              <a:blipFill>
+                <a:blip r:embed="rId7"/>
+                <a:stretch>
+                  <a:fillRect b="-5769"/>
+                </a:stretch>
+              </a:blipFill>
+            </p:spPr>
+            <p:txBody>
+              <a:bodyPr/>
+              <a:lstStyle/>
+              <a:p>
+                <a:r>
+                  <a:rPr lang="en-US">
+                    <a:noFill/>
+                  </a:rPr>
+                  <a:t> </a:t>
+                </a:r>
+              </a:p>
+            </p:txBody>
+          </p:sp>
+        </mc:Fallback>
+      </mc:AlternateContent>
+      <mc:AlternateContent xmlns:mc="http://schemas.openxmlformats.org/markup-compatibility/2006">
+        <mc:Choice xmlns:a14="http://schemas.microsoft.com/office/drawing/2010/main" Requires="a14">
+          <p:sp>
+            <p:nvSpPr>
+              <p:cNvPr id="33" name="TextBox 32">
+                <a:extLst>
+                  <a:ext uri="{FF2B5EF4-FFF2-40B4-BE49-F238E27FC236}">
+                    <a16:creationId xmlns:a16="http://schemas.microsoft.com/office/drawing/2014/main" id="{EC046341-C9E8-A74C-922E-92E247EEED02}"/>
+                  </a:ext>
+                </a:extLst>
+              </p:cNvPr>
+              <p:cNvSpPr txBox="1"/>
+              <p:nvPr/>
+            </p:nvSpPr>
+            <p:spPr>
+              <a:xfrm>
+                <a:off x="767484" y="4705379"/>
+                <a:ext cx="916789" cy="646331"/>
+              </a:xfrm>
+              <a:prstGeom prst="rect">
+                <a:avLst/>
+              </a:prstGeom>
+              <a:noFill/>
+            </p:spPr>
+            <p:txBody>
+              <a:bodyPr wrap="none" rtlCol="0">
+                <a:spAutoFit/>
+              </a:bodyPr>
+              <a:lstStyle/>
+              <a:p>
+                <a14:m>
+                  <m:oMathPara xmlns:m="http://schemas.openxmlformats.org/officeDocument/2006/math">
+                    <m:oMathParaPr>
+                      <m:jc m:val="centerGroup"/>
+                    </m:oMathParaPr>
+                    <m:oMath xmlns:m="http://schemas.openxmlformats.org/officeDocument/2006/math">
+                      <m:sSub>
+                        <m:sSubPr>
+                          <m:ctrlPr>
+                            <a:rPr lang="en-US" sz="3600" b="0" i="1" smtClean="0">
+                              <a:latin typeface="Cambria Math" panose="02040503050406030204" pitchFamily="18" charset="0"/>
+                            </a:rPr>
+                          </m:ctrlPr>
+                        </m:sSubPr>
+                        <m:e>
+                          <m:r>
+                            <a:rPr lang="en-US" sz="3600" b="0" i="1" smtClean="0">
+                              <a:latin typeface="Cambria Math" panose="02040503050406030204" pitchFamily="18" charset="0"/>
+                            </a:rPr>
+                            <m:t>𝑃</m:t>
+                          </m:r>
+                        </m:e>
+                        <m:sub>
+                          <m:r>
+                            <a:rPr lang="en-US" sz="3600" b="0" i="1" smtClean="0">
+                              <a:latin typeface="Cambria Math" panose="02040503050406030204" pitchFamily="18" charset="0"/>
+                            </a:rPr>
+                            <m:t>41</m:t>
+                          </m:r>
+                        </m:sub>
+                      </m:sSub>
+                    </m:oMath>
+                  </m:oMathPara>
+                </a14:m>
+                <a:endParaRPr lang="en-US" sz="3600" dirty="0"/>
+              </a:p>
+            </p:txBody>
+          </p:sp>
+        </mc:Choice>
+        <mc:Fallback>
+          <p:sp>
+            <p:nvSpPr>
+              <p:cNvPr id="33" name="TextBox 32">
+                <a:extLst>
+                  <a:ext uri="{FF2B5EF4-FFF2-40B4-BE49-F238E27FC236}">
+                    <a16:creationId xmlns:a16="http://schemas.microsoft.com/office/drawing/2014/main" id="{EC046341-C9E8-A74C-922E-92E247EEED02}"/>
+                  </a:ext>
+                </a:extLst>
+              </p:cNvPr>
+              <p:cNvSpPr txBox="1">
+                <a:spLocks noRot="1" noChangeAspect="1" noMove="1" noResize="1" noEditPoints="1" noAdjustHandles="1" noChangeArrowheads="1" noChangeShapeType="1" noTextEdit="1"/>
+              </p:cNvSpPr>
+              <p:nvPr/>
+            </p:nvSpPr>
+            <p:spPr>
+              <a:xfrm>
+                <a:off x="767484" y="4705379"/>
+                <a:ext cx="916789" cy="646331"/>
+              </a:xfrm>
+              <a:prstGeom prst="rect">
+                <a:avLst/>
+              </a:prstGeom>
+              <a:blipFill>
+                <a:blip r:embed="rId8"/>
+                <a:stretch>
+                  <a:fillRect b="-5882"/>
+                </a:stretch>
+              </a:blipFill>
+            </p:spPr>
+            <p:txBody>
+              <a:bodyPr/>
+              <a:lstStyle/>
+              <a:p>
+                <a:r>
+                  <a:rPr lang="en-US">
+                    <a:noFill/>
+                  </a:rPr>
+                  <a:t> </a:t>
+                </a:r>
+              </a:p>
+            </p:txBody>
+          </p:sp>
+        </mc:Fallback>
+      </mc:AlternateContent>
+      <mc:AlternateContent xmlns:mc="http://schemas.openxmlformats.org/markup-compatibility/2006">
+        <mc:Choice xmlns:a14="http://schemas.microsoft.com/office/drawing/2010/main" Requires="a14">
+          <p:sp>
+            <p:nvSpPr>
+              <p:cNvPr id="36" name="TextBox 35">
+                <a:extLst>
+                  <a:ext uri="{FF2B5EF4-FFF2-40B4-BE49-F238E27FC236}">
+                    <a16:creationId xmlns:a16="http://schemas.microsoft.com/office/drawing/2014/main" id="{6DCF7D25-C8BE-3449-B51E-7634D6454C8C}"/>
+                  </a:ext>
+                </a:extLst>
+              </p:cNvPr>
+              <p:cNvSpPr txBox="1"/>
+              <p:nvPr/>
+            </p:nvSpPr>
+            <p:spPr>
+              <a:xfrm>
+                <a:off x="4006956" y="4705377"/>
+                <a:ext cx="916789" cy="646331"/>
+              </a:xfrm>
+              <a:prstGeom prst="rect">
+                <a:avLst/>
+              </a:prstGeom>
+              <a:noFill/>
+            </p:spPr>
+            <p:txBody>
+              <a:bodyPr wrap="none" rtlCol="0">
+                <a:spAutoFit/>
+              </a:bodyPr>
+              <a:lstStyle/>
+              <a:p>
+                <a14:m>
+                  <m:oMathPara xmlns:m="http://schemas.openxmlformats.org/officeDocument/2006/math">
+                    <m:oMathParaPr>
+                      <m:jc m:val="centerGroup"/>
+                    </m:oMathParaPr>
+                    <m:oMath xmlns:m="http://schemas.openxmlformats.org/officeDocument/2006/math">
+                      <m:sSub>
+                        <m:sSubPr>
+                          <m:ctrlPr>
+                            <a:rPr lang="en-US" sz="3600" b="0" i="1" smtClean="0">
+                              <a:latin typeface="Cambria Math" panose="02040503050406030204" pitchFamily="18" charset="0"/>
+                            </a:rPr>
+                          </m:ctrlPr>
+                        </m:sSubPr>
+                        <m:e>
+                          <m:r>
+                            <a:rPr lang="en-US" sz="3600" b="0" i="1" smtClean="0">
+                              <a:latin typeface="Cambria Math" panose="02040503050406030204" pitchFamily="18" charset="0"/>
+                            </a:rPr>
+                            <m:t>𝑃</m:t>
+                          </m:r>
+                        </m:e>
+                        <m:sub>
+                          <m:r>
+                            <a:rPr lang="en-US" sz="3600" b="0" i="1" smtClean="0">
+                              <a:latin typeface="Cambria Math" panose="02040503050406030204" pitchFamily="18" charset="0"/>
+                            </a:rPr>
+                            <m:t>44</m:t>
+                          </m:r>
+                        </m:sub>
+                      </m:sSub>
+                    </m:oMath>
+                  </m:oMathPara>
+                </a14:m>
+                <a:endParaRPr lang="en-US" sz="3600" dirty="0"/>
+              </a:p>
+            </p:txBody>
+          </p:sp>
+        </mc:Choice>
+        <mc:Fallback>
+          <p:sp>
+            <p:nvSpPr>
+              <p:cNvPr id="36" name="TextBox 35">
+                <a:extLst>
+                  <a:ext uri="{FF2B5EF4-FFF2-40B4-BE49-F238E27FC236}">
+                    <a16:creationId xmlns:a16="http://schemas.microsoft.com/office/drawing/2014/main" id="{6DCF7D25-C8BE-3449-B51E-7634D6454C8C}"/>
+                  </a:ext>
+                </a:extLst>
+              </p:cNvPr>
+              <p:cNvSpPr txBox="1">
+                <a:spLocks noRot="1" noChangeAspect="1" noMove="1" noResize="1" noEditPoints="1" noAdjustHandles="1" noChangeArrowheads="1" noChangeShapeType="1" noTextEdit="1"/>
+              </p:cNvSpPr>
+              <p:nvPr/>
+            </p:nvSpPr>
+            <p:spPr>
+              <a:xfrm>
+                <a:off x="4006956" y="4705377"/>
+                <a:ext cx="916789" cy="646331"/>
+              </a:xfrm>
+              <a:prstGeom prst="rect">
+                <a:avLst/>
+              </a:prstGeom>
+              <a:blipFill>
+                <a:blip r:embed="rId9"/>
+                <a:stretch>
+                  <a:fillRect l="-1370" b="-5882"/>
+                </a:stretch>
+              </a:blipFill>
+            </p:spPr>
+            <p:txBody>
+              <a:bodyPr/>
+              <a:lstStyle/>
+              <a:p>
+                <a:r>
+                  <a:rPr lang="en-US">
+                    <a:noFill/>
+                  </a:rPr>
+                  <a:t> </a:t>
+                </a:r>
+              </a:p>
+            </p:txBody>
+          </p:sp>
+        </mc:Fallback>
+      </mc:AlternateContent>
+      <mc:AlternateContent xmlns:mc="http://schemas.openxmlformats.org/markup-compatibility/2006">
+        <mc:Choice xmlns:a14="http://schemas.microsoft.com/office/drawing/2010/main" Requires="a14">
+          <p:sp>
+            <p:nvSpPr>
+              <p:cNvPr id="41" name="TextBox 40">
+                <a:extLst>
+                  <a:ext uri="{FF2B5EF4-FFF2-40B4-BE49-F238E27FC236}">
+                    <a16:creationId xmlns:a16="http://schemas.microsoft.com/office/drawing/2014/main" id="{0DC389CF-E3E3-D84C-B20F-50BC939D2E0A}"/>
+                  </a:ext>
+                </a:extLst>
+              </p:cNvPr>
+              <p:cNvSpPr txBox="1"/>
+              <p:nvPr/>
+            </p:nvSpPr>
+            <p:spPr>
+              <a:xfrm>
+                <a:off x="7395940" y="1665835"/>
+                <a:ext cx="986360" cy="646331"/>
+              </a:xfrm>
+              <a:prstGeom prst="rect">
+                <a:avLst/>
+              </a:prstGeom>
+              <a:noFill/>
+            </p:spPr>
+            <p:txBody>
+              <a:bodyPr wrap="none" rtlCol="0">
+                <a:spAutoFit/>
+              </a:bodyPr>
+              <a:lstStyle/>
+              <a:p>
+                <a14:m>
+                  <m:oMathPara xmlns:m="http://schemas.openxmlformats.org/officeDocument/2006/math">
+                    <m:oMathParaPr>
+                      <m:jc m:val="centerGroup"/>
+                    </m:oMathParaPr>
+                    <m:oMath xmlns:m="http://schemas.openxmlformats.org/officeDocument/2006/math">
+                      <m:sSub>
+                        <m:sSubPr>
+                          <m:ctrlPr>
+                            <a:rPr lang="en-US" sz="3600" b="0" i="1" smtClean="0">
+                              <a:latin typeface="Cambria Math" panose="02040503050406030204" pitchFamily="18" charset="0"/>
+                            </a:rPr>
+                          </m:ctrlPr>
+                        </m:sSubPr>
+                        <m:e>
+                          <m:r>
+                            <a:rPr lang="en-US" sz="3600" b="0" i="1" smtClean="0">
+                              <a:latin typeface="Cambria Math" panose="02040503050406030204" pitchFamily="18" charset="0"/>
+                            </a:rPr>
+                            <m:t>𝑄</m:t>
+                          </m:r>
+                        </m:e>
+                        <m:sub>
+                          <m:r>
+                            <a:rPr lang="en-US" sz="3600" b="0" i="1" smtClean="0">
+                              <a:latin typeface="Cambria Math" panose="02040503050406030204" pitchFamily="18" charset="0"/>
+                            </a:rPr>
+                            <m:t>11</m:t>
+                          </m:r>
+                        </m:sub>
+                      </m:sSub>
+                    </m:oMath>
+                  </m:oMathPara>
+                </a14:m>
+                <a:endParaRPr lang="en-US" sz="3600" dirty="0"/>
+              </a:p>
+            </p:txBody>
+          </p:sp>
+        </mc:Choice>
+        <mc:Fallback>
+          <p:sp>
+            <p:nvSpPr>
+              <p:cNvPr id="41" name="TextBox 40">
+                <a:extLst>
+                  <a:ext uri="{FF2B5EF4-FFF2-40B4-BE49-F238E27FC236}">
+                    <a16:creationId xmlns:a16="http://schemas.microsoft.com/office/drawing/2014/main" id="{0DC389CF-E3E3-D84C-B20F-50BC939D2E0A}"/>
+                  </a:ext>
+                </a:extLst>
+              </p:cNvPr>
+              <p:cNvSpPr txBox="1">
+                <a:spLocks noRot="1" noChangeAspect="1" noMove="1" noResize="1" noEditPoints="1" noAdjustHandles="1" noChangeArrowheads="1" noChangeShapeType="1" noTextEdit="1"/>
+              </p:cNvSpPr>
+              <p:nvPr/>
+            </p:nvSpPr>
+            <p:spPr>
+              <a:xfrm>
+                <a:off x="7395940" y="1665835"/>
+                <a:ext cx="986360" cy="646331"/>
+              </a:xfrm>
+              <a:prstGeom prst="rect">
+                <a:avLst/>
+              </a:prstGeom>
+              <a:blipFill>
+                <a:blip r:embed="rId10"/>
+                <a:stretch>
+                  <a:fillRect l="-3797" b="-17308"/>
+                </a:stretch>
+              </a:blipFill>
+            </p:spPr>
+            <p:txBody>
+              <a:bodyPr/>
+              <a:lstStyle/>
+              <a:p>
+                <a:r>
+                  <a:rPr lang="en-US">
+                    <a:noFill/>
+                  </a:rPr>
+                  <a:t> </a:t>
+                </a:r>
+              </a:p>
+            </p:txBody>
+          </p:sp>
+        </mc:Fallback>
+      </mc:AlternateContent>
+      <mc:AlternateContent xmlns:mc="http://schemas.openxmlformats.org/markup-compatibility/2006">
+        <mc:Choice xmlns:a14="http://schemas.microsoft.com/office/drawing/2010/main" Requires="a14">
+          <p:sp>
+            <p:nvSpPr>
+              <p:cNvPr id="42" name="TextBox 41">
+                <a:extLst>
+                  <a:ext uri="{FF2B5EF4-FFF2-40B4-BE49-F238E27FC236}">
+                    <a16:creationId xmlns:a16="http://schemas.microsoft.com/office/drawing/2014/main" id="{EB42564E-7038-FF43-885D-8BFE8FEDF002}"/>
+                  </a:ext>
+                </a:extLst>
+              </p:cNvPr>
+              <p:cNvSpPr txBox="1"/>
+              <p:nvPr/>
+            </p:nvSpPr>
+            <p:spPr>
+              <a:xfrm>
+                <a:off x="8818413" y="1665834"/>
+                <a:ext cx="986360" cy="646331"/>
+              </a:xfrm>
+              <a:prstGeom prst="rect">
+                <a:avLst/>
+              </a:prstGeom>
+              <a:noFill/>
+            </p:spPr>
+            <p:txBody>
+              <a:bodyPr wrap="none" rtlCol="0">
+                <a:spAutoFit/>
+              </a:bodyPr>
+              <a:lstStyle/>
+              <a:p>
+                <a14:m>
+                  <m:oMathPara xmlns:m="http://schemas.openxmlformats.org/officeDocument/2006/math">
+                    <m:oMathParaPr>
+                      <m:jc m:val="centerGroup"/>
+                    </m:oMathParaPr>
+                    <m:oMath xmlns:m="http://schemas.openxmlformats.org/officeDocument/2006/math">
+                      <m:sSub>
+                        <m:sSubPr>
+                          <m:ctrlPr>
+                            <a:rPr lang="en-US" sz="3600" b="0" i="1" smtClean="0">
+                              <a:latin typeface="Cambria Math" panose="02040503050406030204" pitchFamily="18" charset="0"/>
+                            </a:rPr>
+                          </m:ctrlPr>
+                        </m:sSubPr>
+                        <m:e>
+                          <m:r>
+                            <a:rPr lang="en-US" sz="3600" b="0" i="1" smtClean="0">
+                              <a:latin typeface="Cambria Math" panose="02040503050406030204" pitchFamily="18" charset="0"/>
+                            </a:rPr>
+                            <m:t>𝑄</m:t>
+                          </m:r>
+                        </m:e>
+                        <m:sub>
+                          <m:r>
+                            <a:rPr lang="en-US" sz="3600" b="0" i="1" smtClean="0">
+                              <a:latin typeface="Cambria Math" panose="02040503050406030204" pitchFamily="18" charset="0"/>
+                            </a:rPr>
+                            <m:t>12</m:t>
+                          </m:r>
+                        </m:sub>
+                      </m:sSub>
+                    </m:oMath>
+                  </m:oMathPara>
+                </a14:m>
+                <a:endParaRPr lang="en-US" sz="3600" dirty="0"/>
+              </a:p>
+            </p:txBody>
+          </p:sp>
+        </mc:Choice>
+        <mc:Fallback>
+          <p:sp>
+            <p:nvSpPr>
+              <p:cNvPr id="42" name="TextBox 41">
+                <a:extLst>
+                  <a:ext uri="{FF2B5EF4-FFF2-40B4-BE49-F238E27FC236}">
+                    <a16:creationId xmlns:a16="http://schemas.microsoft.com/office/drawing/2014/main" id="{EB42564E-7038-FF43-885D-8BFE8FEDF002}"/>
+                  </a:ext>
+                </a:extLst>
+              </p:cNvPr>
+              <p:cNvSpPr txBox="1">
+                <a:spLocks noRot="1" noChangeAspect="1" noMove="1" noResize="1" noEditPoints="1" noAdjustHandles="1" noChangeArrowheads="1" noChangeShapeType="1" noTextEdit="1"/>
+              </p:cNvSpPr>
+              <p:nvPr/>
+            </p:nvSpPr>
+            <p:spPr>
+              <a:xfrm>
+                <a:off x="8818413" y="1665834"/>
+                <a:ext cx="986360" cy="646331"/>
+              </a:xfrm>
+              <a:prstGeom prst="rect">
+                <a:avLst/>
+              </a:prstGeom>
+              <a:blipFill>
+                <a:blip r:embed="rId11"/>
+                <a:stretch>
+                  <a:fillRect l="-3797" b="-17308"/>
+                </a:stretch>
+              </a:blipFill>
+            </p:spPr>
+            <p:txBody>
+              <a:bodyPr/>
+              <a:lstStyle/>
+              <a:p>
+                <a:r>
+                  <a:rPr lang="en-US">
+                    <a:noFill/>
+                  </a:rPr>
+                  <a:t> </a:t>
+                </a:r>
+              </a:p>
+            </p:txBody>
+          </p:sp>
+        </mc:Fallback>
+      </mc:AlternateContent>
+      <mc:AlternateContent xmlns:mc="http://schemas.openxmlformats.org/markup-compatibility/2006">
+        <mc:Choice xmlns:a14="http://schemas.microsoft.com/office/drawing/2010/main" Requires="a14">
+          <p:sp>
+            <p:nvSpPr>
+              <p:cNvPr id="43" name="TextBox 42">
+                <a:extLst>
+                  <a:ext uri="{FF2B5EF4-FFF2-40B4-BE49-F238E27FC236}">
+                    <a16:creationId xmlns:a16="http://schemas.microsoft.com/office/drawing/2014/main" id="{522160EA-15AA-BF42-9219-5EF58C75CA89}"/>
+                  </a:ext>
+                </a:extLst>
+              </p:cNvPr>
+              <p:cNvSpPr txBox="1"/>
+              <p:nvPr/>
+            </p:nvSpPr>
+            <p:spPr>
+              <a:xfrm>
+                <a:off x="10245675" y="1665833"/>
+                <a:ext cx="986360" cy="646331"/>
+              </a:xfrm>
+              <a:prstGeom prst="rect">
+                <a:avLst/>
+              </a:prstGeom>
+              <a:noFill/>
+            </p:spPr>
+            <p:txBody>
+              <a:bodyPr wrap="none" rtlCol="0">
+                <a:spAutoFit/>
+              </a:bodyPr>
+              <a:lstStyle/>
+              <a:p>
+                <a14:m>
+                  <m:oMathPara xmlns:m="http://schemas.openxmlformats.org/officeDocument/2006/math">
+                    <m:oMathParaPr>
+                      <m:jc m:val="centerGroup"/>
+                    </m:oMathParaPr>
+                    <m:oMath xmlns:m="http://schemas.openxmlformats.org/officeDocument/2006/math">
+                      <m:sSub>
+                        <m:sSubPr>
+                          <m:ctrlPr>
+                            <a:rPr lang="en-US" sz="3600" b="0" i="1" smtClean="0">
+                              <a:latin typeface="Cambria Math" panose="02040503050406030204" pitchFamily="18" charset="0"/>
+                            </a:rPr>
+                          </m:ctrlPr>
+                        </m:sSubPr>
+                        <m:e>
+                          <m:r>
+                            <a:rPr lang="en-US" sz="3600" b="0" i="1" smtClean="0">
+                              <a:latin typeface="Cambria Math" panose="02040503050406030204" pitchFamily="18" charset="0"/>
+                            </a:rPr>
+                            <m:t>𝑄</m:t>
+                          </m:r>
+                        </m:e>
+                        <m:sub>
+                          <m:r>
+                            <a:rPr lang="en-US" sz="3600" b="0" i="1" smtClean="0">
+                              <a:latin typeface="Cambria Math" panose="02040503050406030204" pitchFamily="18" charset="0"/>
+                            </a:rPr>
+                            <m:t>13</m:t>
+                          </m:r>
+                        </m:sub>
+                      </m:sSub>
+                    </m:oMath>
+                  </m:oMathPara>
+                </a14:m>
+                <a:endParaRPr lang="en-US" sz="3600" dirty="0"/>
+              </a:p>
+            </p:txBody>
+          </p:sp>
+        </mc:Choice>
+        <mc:Fallback>
+          <p:sp>
+            <p:nvSpPr>
+              <p:cNvPr id="43" name="TextBox 42">
+                <a:extLst>
+                  <a:ext uri="{FF2B5EF4-FFF2-40B4-BE49-F238E27FC236}">
+                    <a16:creationId xmlns:a16="http://schemas.microsoft.com/office/drawing/2014/main" id="{522160EA-15AA-BF42-9219-5EF58C75CA89}"/>
+                  </a:ext>
+                </a:extLst>
+              </p:cNvPr>
+              <p:cNvSpPr txBox="1">
+                <a:spLocks noRot="1" noChangeAspect="1" noMove="1" noResize="1" noEditPoints="1" noAdjustHandles="1" noChangeArrowheads="1" noChangeShapeType="1" noTextEdit="1"/>
+              </p:cNvSpPr>
+              <p:nvPr/>
+            </p:nvSpPr>
+            <p:spPr>
+              <a:xfrm>
+                <a:off x="10245675" y="1665833"/>
+                <a:ext cx="986360" cy="646331"/>
+              </a:xfrm>
+              <a:prstGeom prst="rect">
+                <a:avLst/>
+              </a:prstGeom>
+              <a:blipFill>
+                <a:blip r:embed="rId12"/>
+                <a:stretch>
+                  <a:fillRect l="-5128" b="-17308"/>
+                </a:stretch>
+              </a:blipFill>
+            </p:spPr>
+            <p:txBody>
+              <a:bodyPr/>
+              <a:lstStyle/>
+              <a:p>
+                <a:r>
+                  <a:rPr lang="en-US">
+                    <a:noFill/>
+                  </a:rPr>
+                  <a:t> </a:t>
+                </a:r>
+              </a:p>
+            </p:txBody>
+          </p:sp>
+        </mc:Fallback>
+      </mc:AlternateContent>
+      <mc:AlternateContent xmlns:mc="http://schemas.openxmlformats.org/markup-compatibility/2006">
+        <mc:Choice xmlns:a14="http://schemas.microsoft.com/office/drawing/2010/main" Requires="a14">
+          <p:sp>
+            <p:nvSpPr>
+              <p:cNvPr id="44" name="TextBox 43">
+                <a:extLst>
+                  <a:ext uri="{FF2B5EF4-FFF2-40B4-BE49-F238E27FC236}">
+                    <a16:creationId xmlns:a16="http://schemas.microsoft.com/office/drawing/2014/main" id="{074CBB6D-E7EC-2C41-8082-9B4F0569E2B7}"/>
+                  </a:ext>
+                </a:extLst>
+              </p:cNvPr>
+              <p:cNvSpPr txBox="1"/>
+              <p:nvPr/>
+            </p:nvSpPr>
+            <p:spPr>
+              <a:xfrm>
+                <a:off x="7395940" y="3092197"/>
+                <a:ext cx="997068" cy="646331"/>
+              </a:xfrm>
+              <a:prstGeom prst="rect">
+                <a:avLst/>
+              </a:prstGeom>
+              <a:noFill/>
+            </p:spPr>
+            <p:txBody>
+              <a:bodyPr wrap="none" rtlCol="0">
+                <a:spAutoFit/>
+              </a:bodyPr>
+              <a:lstStyle/>
+              <a:p>
+                <a14:m>
+                  <m:oMathPara xmlns:m="http://schemas.openxmlformats.org/officeDocument/2006/math">
+                    <m:oMathParaPr>
+                      <m:jc m:val="centerGroup"/>
+                    </m:oMathParaPr>
+                    <m:oMath xmlns:m="http://schemas.openxmlformats.org/officeDocument/2006/math">
+                      <m:sSub>
+                        <m:sSubPr>
+                          <m:ctrlPr>
+                            <a:rPr lang="en-US" sz="3600" b="0" i="1" smtClean="0">
+                              <a:latin typeface="Cambria Math" panose="02040503050406030204" pitchFamily="18" charset="0"/>
+                            </a:rPr>
+                          </m:ctrlPr>
+                        </m:sSubPr>
+                        <m:e>
+                          <m:r>
+                            <a:rPr lang="en-US" sz="3600" b="0" i="1" smtClean="0">
+                              <a:latin typeface="Cambria Math" panose="02040503050406030204" pitchFamily="18" charset="0"/>
+                            </a:rPr>
+                            <m:t>𝑄</m:t>
+                          </m:r>
+                        </m:e>
+                        <m:sub>
+                          <m:r>
+                            <a:rPr lang="en-US" sz="3600" b="0" i="1" smtClean="0">
+                              <a:latin typeface="Cambria Math" panose="02040503050406030204" pitchFamily="18" charset="0"/>
+                            </a:rPr>
+                            <m:t>21</m:t>
+                          </m:r>
+                        </m:sub>
+                      </m:sSub>
+                    </m:oMath>
+                  </m:oMathPara>
+                </a14:m>
+                <a:endParaRPr lang="en-US" sz="3600" dirty="0"/>
+              </a:p>
+            </p:txBody>
+          </p:sp>
+        </mc:Choice>
+        <mc:Fallback>
+          <p:sp>
+            <p:nvSpPr>
+              <p:cNvPr id="44" name="TextBox 43">
+                <a:extLst>
+                  <a:ext uri="{FF2B5EF4-FFF2-40B4-BE49-F238E27FC236}">
+                    <a16:creationId xmlns:a16="http://schemas.microsoft.com/office/drawing/2014/main" id="{074CBB6D-E7EC-2C41-8082-9B4F0569E2B7}"/>
+                  </a:ext>
+                </a:extLst>
+              </p:cNvPr>
+              <p:cNvSpPr txBox="1">
+                <a:spLocks noRot="1" noChangeAspect="1" noMove="1" noResize="1" noEditPoints="1" noAdjustHandles="1" noChangeArrowheads="1" noChangeShapeType="1" noTextEdit="1"/>
+              </p:cNvSpPr>
+              <p:nvPr/>
+            </p:nvSpPr>
+            <p:spPr>
+              <a:xfrm>
+                <a:off x="7395940" y="3092197"/>
+                <a:ext cx="997068" cy="646331"/>
+              </a:xfrm>
+              <a:prstGeom prst="rect">
+                <a:avLst/>
+              </a:prstGeom>
+              <a:blipFill>
+                <a:blip r:embed="rId13"/>
+                <a:stretch>
+                  <a:fillRect l="-3750" b="-17308"/>
+                </a:stretch>
+              </a:blipFill>
+            </p:spPr>
+            <p:txBody>
+              <a:bodyPr/>
+              <a:lstStyle/>
+              <a:p>
+                <a:r>
+                  <a:rPr lang="en-US">
+                    <a:noFill/>
+                  </a:rPr>
+                  <a:t> </a:t>
+                </a:r>
+              </a:p>
+            </p:txBody>
+          </p:sp>
+        </mc:Fallback>
+      </mc:AlternateContent>
+      <mc:AlternateContent xmlns:mc="http://schemas.openxmlformats.org/markup-compatibility/2006">
+        <mc:Choice xmlns:a14="http://schemas.microsoft.com/office/drawing/2010/main" Requires="a14">
+          <p:sp>
+            <p:nvSpPr>
+              <p:cNvPr id="45" name="TextBox 44">
+                <a:extLst>
+                  <a:ext uri="{FF2B5EF4-FFF2-40B4-BE49-F238E27FC236}">
+                    <a16:creationId xmlns:a16="http://schemas.microsoft.com/office/drawing/2014/main" id="{C742198A-9434-4349-B836-519CADBFAA1B}"/>
+                  </a:ext>
+                </a:extLst>
+              </p:cNvPr>
+              <p:cNvSpPr txBox="1"/>
+              <p:nvPr/>
+            </p:nvSpPr>
+            <p:spPr>
+              <a:xfrm>
+                <a:off x="7395940" y="4532196"/>
+                <a:ext cx="997068" cy="646331"/>
+              </a:xfrm>
+              <a:prstGeom prst="rect">
+                <a:avLst/>
+              </a:prstGeom>
+              <a:noFill/>
+            </p:spPr>
+            <p:txBody>
+              <a:bodyPr wrap="none" rtlCol="0">
+                <a:spAutoFit/>
+              </a:bodyPr>
+              <a:lstStyle/>
+              <a:p>
+                <a14:m>
+                  <m:oMathPara xmlns:m="http://schemas.openxmlformats.org/officeDocument/2006/math">
+                    <m:oMathParaPr>
+                      <m:jc m:val="centerGroup"/>
+                    </m:oMathParaPr>
+                    <m:oMath xmlns:m="http://schemas.openxmlformats.org/officeDocument/2006/math">
+                      <m:sSub>
+                        <m:sSubPr>
+                          <m:ctrlPr>
+                            <a:rPr lang="en-US" sz="3600" b="0" i="1" smtClean="0">
+                              <a:latin typeface="Cambria Math" panose="02040503050406030204" pitchFamily="18" charset="0"/>
+                            </a:rPr>
+                          </m:ctrlPr>
+                        </m:sSubPr>
+                        <m:e>
+                          <m:r>
+                            <a:rPr lang="en-US" sz="3600" b="0" i="1" smtClean="0">
+                              <a:latin typeface="Cambria Math" panose="02040503050406030204" pitchFamily="18" charset="0"/>
+                            </a:rPr>
+                            <m:t>𝑄</m:t>
+                          </m:r>
+                        </m:e>
+                        <m:sub>
+                          <m:r>
+                            <a:rPr lang="en-US" sz="3600" b="0" i="1" smtClean="0">
+                              <a:latin typeface="Cambria Math" panose="02040503050406030204" pitchFamily="18" charset="0"/>
+                            </a:rPr>
+                            <m:t>31</m:t>
+                          </m:r>
+                        </m:sub>
+                      </m:sSub>
+                    </m:oMath>
+                  </m:oMathPara>
+                </a14:m>
+                <a:endParaRPr lang="en-US" sz="3600" dirty="0"/>
+              </a:p>
+            </p:txBody>
+          </p:sp>
+        </mc:Choice>
+        <mc:Fallback>
+          <p:sp>
+            <p:nvSpPr>
+              <p:cNvPr id="45" name="TextBox 44">
+                <a:extLst>
+                  <a:ext uri="{FF2B5EF4-FFF2-40B4-BE49-F238E27FC236}">
+                    <a16:creationId xmlns:a16="http://schemas.microsoft.com/office/drawing/2014/main" id="{C742198A-9434-4349-B836-519CADBFAA1B}"/>
+                  </a:ext>
+                </a:extLst>
+              </p:cNvPr>
+              <p:cNvSpPr txBox="1">
+                <a:spLocks noRot="1" noChangeAspect="1" noMove="1" noResize="1" noEditPoints="1" noAdjustHandles="1" noChangeArrowheads="1" noChangeShapeType="1" noTextEdit="1"/>
+              </p:cNvSpPr>
+              <p:nvPr/>
+            </p:nvSpPr>
+            <p:spPr>
+              <a:xfrm>
+                <a:off x="7395940" y="4532196"/>
+                <a:ext cx="997068" cy="646331"/>
+              </a:xfrm>
+              <a:prstGeom prst="rect">
+                <a:avLst/>
+              </a:prstGeom>
+              <a:blipFill>
+                <a:blip r:embed="rId14"/>
+                <a:stretch>
+                  <a:fillRect l="-3750" b="-17308"/>
+                </a:stretch>
+              </a:blipFill>
+            </p:spPr>
+            <p:txBody>
+              <a:bodyPr/>
+              <a:lstStyle/>
+              <a:p>
+                <a:r>
+                  <a:rPr lang="en-US">
+                    <a:noFill/>
+                  </a:rPr>
+                  <a:t> </a:t>
+                </a:r>
+              </a:p>
+            </p:txBody>
+          </p:sp>
+        </mc:Fallback>
+      </mc:AlternateContent>
+      <mc:AlternateContent xmlns:mc="http://schemas.openxmlformats.org/markup-compatibility/2006">
+        <mc:Choice xmlns:a14="http://schemas.microsoft.com/office/drawing/2010/main" Requires="a14">
+          <p:sp>
+            <p:nvSpPr>
+              <p:cNvPr id="46" name="TextBox 45">
+                <a:extLst>
+                  <a:ext uri="{FF2B5EF4-FFF2-40B4-BE49-F238E27FC236}">
+                    <a16:creationId xmlns:a16="http://schemas.microsoft.com/office/drawing/2014/main" id="{9BD9CE1B-6371-6D47-9144-3D2417C5BF94}"/>
+                  </a:ext>
+                </a:extLst>
+              </p:cNvPr>
+              <p:cNvSpPr txBox="1"/>
+              <p:nvPr/>
+            </p:nvSpPr>
+            <p:spPr>
+              <a:xfrm>
+                <a:off x="10232938" y="4532195"/>
+                <a:ext cx="997068" cy="646331"/>
+              </a:xfrm>
+              <a:prstGeom prst="rect">
+                <a:avLst/>
+              </a:prstGeom>
+              <a:noFill/>
+            </p:spPr>
+            <p:txBody>
+              <a:bodyPr wrap="none" rtlCol="0">
+                <a:spAutoFit/>
+              </a:bodyPr>
+              <a:lstStyle/>
+              <a:p>
+                <a14:m>
+                  <m:oMathPara xmlns:m="http://schemas.openxmlformats.org/officeDocument/2006/math">
+                    <m:oMathParaPr>
+                      <m:jc m:val="centerGroup"/>
+                    </m:oMathParaPr>
+                    <m:oMath xmlns:m="http://schemas.openxmlformats.org/officeDocument/2006/math">
+                      <m:sSub>
+                        <m:sSubPr>
+                          <m:ctrlPr>
+                            <a:rPr lang="en-US" sz="3600" b="0" i="1" smtClean="0">
+                              <a:latin typeface="Cambria Math" panose="02040503050406030204" pitchFamily="18" charset="0"/>
+                            </a:rPr>
+                          </m:ctrlPr>
+                        </m:sSubPr>
+                        <m:e>
+                          <m:r>
+                            <a:rPr lang="en-US" sz="3600" b="0" i="1" smtClean="0">
+                              <a:latin typeface="Cambria Math" panose="02040503050406030204" pitchFamily="18" charset="0"/>
+                            </a:rPr>
+                            <m:t>𝑄</m:t>
+                          </m:r>
+                        </m:e>
+                        <m:sub>
+                          <m:r>
+                            <a:rPr lang="en-US" sz="3600" b="0" i="1" smtClean="0">
+                              <a:latin typeface="Cambria Math" panose="02040503050406030204" pitchFamily="18" charset="0"/>
+                            </a:rPr>
+                            <m:t>33</m:t>
+                          </m:r>
+                        </m:sub>
+                      </m:sSub>
+                    </m:oMath>
+                  </m:oMathPara>
+                </a14:m>
+                <a:endParaRPr lang="en-US" sz="3600" dirty="0"/>
+              </a:p>
+            </p:txBody>
+          </p:sp>
+        </mc:Choice>
+        <mc:Fallback>
+          <p:sp>
+            <p:nvSpPr>
+              <p:cNvPr id="46" name="TextBox 45">
+                <a:extLst>
+                  <a:ext uri="{FF2B5EF4-FFF2-40B4-BE49-F238E27FC236}">
+                    <a16:creationId xmlns:a16="http://schemas.microsoft.com/office/drawing/2014/main" id="{9BD9CE1B-6371-6D47-9144-3D2417C5BF94}"/>
+                  </a:ext>
+                </a:extLst>
+              </p:cNvPr>
+              <p:cNvSpPr txBox="1">
+                <a:spLocks noRot="1" noChangeAspect="1" noMove="1" noResize="1" noEditPoints="1" noAdjustHandles="1" noChangeArrowheads="1" noChangeShapeType="1" noTextEdit="1"/>
+              </p:cNvSpPr>
+              <p:nvPr/>
+            </p:nvSpPr>
+            <p:spPr>
+              <a:xfrm>
+                <a:off x="10232938" y="4532195"/>
+                <a:ext cx="997068" cy="646331"/>
+              </a:xfrm>
+              <a:prstGeom prst="rect">
+                <a:avLst/>
+              </a:prstGeom>
+              <a:blipFill>
+                <a:blip r:embed="rId15"/>
+                <a:stretch>
+                  <a:fillRect l="-5063" b="-17308"/>
+                </a:stretch>
+              </a:blipFill>
+            </p:spPr>
+            <p:txBody>
+              <a:bodyPr/>
+              <a:lstStyle/>
+              <a:p>
+                <a:r>
+                  <a:rPr lang="en-US">
+                    <a:noFill/>
+                  </a:rPr>
+                  <a:t> </a:t>
+                </a:r>
+              </a:p>
+            </p:txBody>
+          </p:sp>
+        </mc:Fallback>
+      </mc:AlternateContent>
+      <mc:AlternateContent xmlns:mc="http://schemas.openxmlformats.org/markup-compatibility/2006">
+        <mc:Choice xmlns:a14="http://schemas.microsoft.com/office/drawing/2010/main" Requires="a14">
+          <p:sp>
+            <p:nvSpPr>
+              <p:cNvPr id="48" name="TextBox 47">
+                <a:extLst>
+                  <a:ext uri="{FF2B5EF4-FFF2-40B4-BE49-F238E27FC236}">
+                    <a16:creationId xmlns:a16="http://schemas.microsoft.com/office/drawing/2014/main" id="{6DA50837-BE60-6944-8236-3D6E79BC3F38}"/>
+                  </a:ext>
+                </a:extLst>
+              </p:cNvPr>
+              <p:cNvSpPr txBox="1"/>
+              <p:nvPr/>
+            </p:nvSpPr>
+            <p:spPr>
+              <a:xfrm>
+                <a:off x="3000920" y="4759568"/>
+                <a:ext cx="684803" cy="646331"/>
+              </a:xfrm>
+              <a:prstGeom prst="rect">
+                <a:avLst/>
+              </a:prstGeom>
+              <a:noFill/>
+            </p:spPr>
+            <p:txBody>
+              <a:bodyPr wrap="none" rtlCol="0">
+                <a:spAutoFit/>
+              </a:bodyPr>
+              <a:lstStyle/>
+              <a:p>
+                <a14:m>
+                  <m:oMathPara xmlns:m="http://schemas.openxmlformats.org/officeDocument/2006/math">
+                    <m:oMathParaPr>
+                      <m:jc m:val="centerGroup"/>
+                    </m:oMathParaPr>
+                    <m:oMath xmlns:m="http://schemas.openxmlformats.org/officeDocument/2006/math">
+                      <m:r>
+                        <a:rPr lang="en-US" sz="3600" b="0" i="1" smtClean="0">
+                          <a:latin typeface="Cambria Math" panose="02040503050406030204" pitchFamily="18" charset="0"/>
+                        </a:rPr>
+                        <m:t>⋯</m:t>
+                      </m:r>
+                    </m:oMath>
+                  </m:oMathPara>
+                </a14:m>
+                <a:endParaRPr lang="en-US" sz="3600" dirty="0"/>
+              </a:p>
+            </p:txBody>
+          </p:sp>
+        </mc:Choice>
+        <mc:Fallback>
+          <p:sp>
+            <p:nvSpPr>
+              <p:cNvPr id="48" name="TextBox 47">
+                <a:extLst>
+                  <a:ext uri="{FF2B5EF4-FFF2-40B4-BE49-F238E27FC236}">
+                    <a16:creationId xmlns:a16="http://schemas.microsoft.com/office/drawing/2014/main" id="{6DA50837-BE60-6944-8236-3D6E79BC3F38}"/>
+                  </a:ext>
+                </a:extLst>
+              </p:cNvPr>
+              <p:cNvSpPr txBox="1">
+                <a:spLocks noRot="1" noChangeAspect="1" noMove="1" noResize="1" noEditPoints="1" noAdjustHandles="1" noChangeArrowheads="1" noChangeShapeType="1" noTextEdit="1"/>
+              </p:cNvSpPr>
+              <p:nvPr/>
+            </p:nvSpPr>
+            <p:spPr>
+              <a:xfrm>
+                <a:off x="3000920" y="4759568"/>
+                <a:ext cx="684803" cy="646331"/>
+              </a:xfrm>
+              <a:prstGeom prst="rect">
+                <a:avLst/>
+              </a:prstGeom>
+              <a:blipFill>
+                <a:blip r:embed="rId16"/>
+                <a:stretch>
+                  <a:fillRect/>
+                </a:stretch>
+              </a:blipFill>
+            </p:spPr>
+            <p:txBody>
+              <a:bodyPr/>
+              <a:lstStyle/>
+              <a:p>
+                <a:r>
+                  <a:rPr lang="en-US">
+                    <a:noFill/>
+                  </a:rPr>
+                  <a:t> </a:t>
+                </a:r>
+              </a:p>
+            </p:txBody>
+          </p:sp>
+        </mc:Fallback>
+      </mc:AlternateContent>
+      <mc:AlternateContent xmlns:mc="http://schemas.openxmlformats.org/markup-compatibility/2006">
+        <mc:Choice xmlns:a14="http://schemas.microsoft.com/office/drawing/2010/main" Requires="a14">
+          <p:sp>
+            <p:nvSpPr>
+              <p:cNvPr id="49" name="TextBox 48">
+                <a:extLst>
+                  <a:ext uri="{FF2B5EF4-FFF2-40B4-BE49-F238E27FC236}">
+                    <a16:creationId xmlns:a16="http://schemas.microsoft.com/office/drawing/2014/main" id="{7F5B4B32-680B-B543-B45C-AC400093E550}"/>
+                  </a:ext>
+                </a:extLst>
+              </p:cNvPr>
+              <p:cNvSpPr txBox="1"/>
+              <p:nvPr/>
+            </p:nvSpPr>
+            <p:spPr>
+              <a:xfrm>
+                <a:off x="1867114" y="4758697"/>
+                <a:ext cx="684803" cy="646331"/>
+              </a:xfrm>
+              <a:prstGeom prst="rect">
+                <a:avLst/>
+              </a:prstGeom>
+              <a:noFill/>
+            </p:spPr>
+            <p:txBody>
+              <a:bodyPr wrap="none" rtlCol="0">
+                <a:spAutoFit/>
+              </a:bodyPr>
+              <a:lstStyle/>
+              <a:p>
+                <a14:m>
+                  <m:oMathPara xmlns:m="http://schemas.openxmlformats.org/officeDocument/2006/math">
+                    <m:oMathParaPr>
+                      <m:jc m:val="centerGroup"/>
+                    </m:oMathParaPr>
+                    <m:oMath xmlns:m="http://schemas.openxmlformats.org/officeDocument/2006/math">
+                      <m:r>
+                        <a:rPr lang="en-US" sz="3600" b="0" i="1" smtClean="0">
+                          <a:latin typeface="Cambria Math" panose="02040503050406030204" pitchFamily="18" charset="0"/>
+                        </a:rPr>
+                        <m:t>⋯</m:t>
+                      </m:r>
+                    </m:oMath>
+                  </m:oMathPara>
+                </a14:m>
+                <a:endParaRPr lang="en-US" sz="3600" dirty="0"/>
+              </a:p>
+            </p:txBody>
+          </p:sp>
+        </mc:Choice>
+        <mc:Fallback>
+          <p:sp>
+            <p:nvSpPr>
+              <p:cNvPr id="49" name="TextBox 48">
+                <a:extLst>
+                  <a:ext uri="{FF2B5EF4-FFF2-40B4-BE49-F238E27FC236}">
+                    <a16:creationId xmlns:a16="http://schemas.microsoft.com/office/drawing/2014/main" id="{7F5B4B32-680B-B543-B45C-AC400093E550}"/>
+                  </a:ext>
+                </a:extLst>
+              </p:cNvPr>
+              <p:cNvSpPr txBox="1">
+                <a:spLocks noRot="1" noChangeAspect="1" noMove="1" noResize="1" noEditPoints="1" noAdjustHandles="1" noChangeArrowheads="1" noChangeShapeType="1" noTextEdit="1"/>
+              </p:cNvSpPr>
+              <p:nvPr/>
+            </p:nvSpPr>
+            <p:spPr>
+              <a:xfrm>
+                <a:off x="1867114" y="4758697"/>
+                <a:ext cx="684803" cy="646331"/>
+              </a:xfrm>
+              <a:prstGeom prst="rect">
+                <a:avLst/>
+              </a:prstGeom>
+              <a:blipFill>
+                <a:blip r:embed="rId16"/>
+                <a:stretch>
+                  <a:fillRect/>
+                </a:stretch>
+              </a:blipFill>
+            </p:spPr>
+            <p:txBody>
+              <a:bodyPr/>
+              <a:lstStyle/>
+              <a:p>
+                <a:r>
+                  <a:rPr lang="en-US">
+                    <a:noFill/>
+                  </a:rPr>
+                  <a:t> </a:t>
+                </a:r>
+              </a:p>
+            </p:txBody>
+          </p:sp>
+        </mc:Fallback>
+      </mc:AlternateContent>
+      <mc:AlternateContent xmlns:mc="http://schemas.openxmlformats.org/markup-compatibility/2006">
+        <mc:Choice xmlns:a14="http://schemas.microsoft.com/office/drawing/2010/main" Requires="a14">
+          <p:sp>
+            <p:nvSpPr>
+              <p:cNvPr id="50" name="TextBox 49">
+                <a:extLst>
+                  <a:ext uri="{FF2B5EF4-FFF2-40B4-BE49-F238E27FC236}">
+                    <a16:creationId xmlns:a16="http://schemas.microsoft.com/office/drawing/2014/main" id="{859A2F51-A801-0642-A12F-EBBAFCA20609}"/>
+                  </a:ext>
+                </a:extLst>
+              </p:cNvPr>
+              <p:cNvSpPr txBox="1"/>
+              <p:nvPr/>
+            </p:nvSpPr>
+            <p:spPr>
+              <a:xfrm>
+                <a:off x="1951235" y="2577534"/>
+                <a:ext cx="574195" cy="646331"/>
+              </a:xfrm>
+              <a:prstGeom prst="rect">
+                <a:avLst/>
+              </a:prstGeom>
+              <a:noFill/>
+            </p:spPr>
+            <p:txBody>
+              <a:bodyPr wrap="none" rtlCol="0">
+                <a:spAutoFit/>
+              </a:bodyPr>
+              <a:lstStyle/>
+              <a:p>
+                <a14:m>
+                  <m:oMathPara xmlns:m="http://schemas.openxmlformats.org/officeDocument/2006/math">
+                    <m:oMathParaPr>
+                      <m:jc m:val="centerGroup"/>
+                    </m:oMathParaPr>
+                    <m:oMath xmlns:m="http://schemas.openxmlformats.org/officeDocument/2006/math">
+                      <m:r>
+                        <a:rPr lang="en-US" sz="3600" b="0" i="1" smtClean="0">
+                          <a:latin typeface="Cambria Math" panose="02040503050406030204" pitchFamily="18" charset="0"/>
+                          <a:ea typeface="Cambria Math" panose="02040503050406030204" pitchFamily="18" charset="0"/>
+                        </a:rPr>
+                        <m:t>⋱</m:t>
+                      </m:r>
+                    </m:oMath>
+                  </m:oMathPara>
+                </a14:m>
+                <a:endParaRPr lang="en-US" sz="3600" dirty="0"/>
+              </a:p>
+            </p:txBody>
+          </p:sp>
+        </mc:Choice>
+        <mc:Fallback>
+          <p:sp>
+            <p:nvSpPr>
+              <p:cNvPr id="50" name="TextBox 49">
+                <a:extLst>
+                  <a:ext uri="{FF2B5EF4-FFF2-40B4-BE49-F238E27FC236}">
+                    <a16:creationId xmlns:a16="http://schemas.microsoft.com/office/drawing/2014/main" id="{859A2F51-A801-0642-A12F-EBBAFCA20609}"/>
+                  </a:ext>
+                </a:extLst>
+              </p:cNvPr>
+              <p:cNvSpPr txBox="1">
+                <a:spLocks noRot="1" noChangeAspect="1" noMove="1" noResize="1" noEditPoints="1" noAdjustHandles="1" noChangeArrowheads="1" noChangeShapeType="1" noTextEdit="1"/>
+              </p:cNvSpPr>
+              <p:nvPr/>
+            </p:nvSpPr>
+            <p:spPr>
+              <a:xfrm>
+                <a:off x="1951235" y="2577534"/>
+                <a:ext cx="574195" cy="646331"/>
+              </a:xfrm>
+              <a:prstGeom prst="rect">
+                <a:avLst/>
+              </a:prstGeom>
+              <a:blipFill>
+                <a:blip r:embed="rId17"/>
+                <a:stretch>
+                  <a:fillRect/>
+                </a:stretch>
+              </a:blipFill>
+            </p:spPr>
+            <p:txBody>
+              <a:bodyPr/>
+              <a:lstStyle/>
+              <a:p>
+                <a:r>
+                  <a:rPr lang="en-US">
+                    <a:noFill/>
+                  </a:rPr>
+                  <a:t> </a:t>
+                </a:r>
+              </a:p>
+            </p:txBody>
+          </p:sp>
+        </mc:Fallback>
+      </mc:AlternateContent>
+      <mc:AlternateContent xmlns:mc="http://schemas.openxmlformats.org/markup-compatibility/2006">
+        <mc:Choice xmlns:a14="http://schemas.microsoft.com/office/drawing/2010/main" Requires="a14">
+          <p:sp>
+            <p:nvSpPr>
+              <p:cNvPr id="51" name="TextBox 50">
+                <a:extLst>
+                  <a:ext uri="{FF2B5EF4-FFF2-40B4-BE49-F238E27FC236}">
+                    <a16:creationId xmlns:a16="http://schemas.microsoft.com/office/drawing/2014/main" id="{D76C4C77-B8AA-E143-879C-1DF3CFD01EE2}"/>
+                  </a:ext>
+                </a:extLst>
+              </p:cNvPr>
+              <p:cNvSpPr txBox="1"/>
+              <p:nvPr/>
+            </p:nvSpPr>
+            <p:spPr>
+              <a:xfrm>
+                <a:off x="3065113" y="3644552"/>
+                <a:ext cx="574195" cy="646331"/>
+              </a:xfrm>
+              <a:prstGeom prst="rect">
+                <a:avLst/>
+              </a:prstGeom>
+              <a:noFill/>
+            </p:spPr>
+            <p:txBody>
+              <a:bodyPr wrap="none" rtlCol="0">
+                <a:spAutoFit/>
+              </a:bodyPr>
+              <a:lstStyle/>
+              <a:p>
+                <a14:m>
+                  <m:oMathPara xmlns:m="http://schemas.openxmlformats.org/officeDocument/2006/math">
+                    <m:oMathParaPr>
+                      <m:jc m:val="centerGroup"/>
+                    </m:oMathParaPr>
+                    <m:oMath xmlns:m="http://schemas.openxmlformats.org/officeDocument/2006/math">
+                      <m:r>
+                        <a:rPr lang="en-US" sz="3600" b="0" i="1" smtClean="0">
+                          <a:latin typeface="Cambria Math" panose="02040503050406030204" pitchFamily="18" charset="0"/>
+                          <a:ea typeface="Cambria Math" panose="02040503050406030204" pitchFamily="18" charset="0"/>
+                        </a:rPr>
+                        <m:t>⋱</m:t>
+                      </m:r>
+                    </m:oMath>
+                  </m:oMathPara>
+                </a14:m>
+                <a:endParaRPr lang="en-US" sz="3600" dirty="0"/>
+              </a:p>
+            </p:txBody>
+          </p:sp>
+        </mc:Choice>
+        <mc:Fallback>
+          <p:sp>
+            <p:nvSpPr>
+              <p:cNvPr id="51" name="TextBox 50">
+                <a:extLst>
+                  <a:ext uri="{FF2B5EF4-FFF2-40B4-BE49-F238E27FC236}">
+                    <a16:creationId xmlns:a16="http://schemas.microsoft.com/office/drawing/2014/main" id="{D76C4C77-B8AA-E143-879C-1DF3CFD01EE2}"/>
+                  </a:ext>
+                </a:extLst>
+              </p:cNvPr>
+              <p:cNvSpPr txBox="1">
+                <a:spLocks noRot="1" noChangeAspect="1" noMove="1" noResize="1" noEditPoints="1" noAdjustHandles="1" noChangeArrowheads="1" noChangeShapeType="1" noTextEdit="1"/>
+              </p:cNvSpPr>
+              <p:nvPr/>
+            </p:nvSpPr>
+            <p:spPr>
+              <a:xfrm>
+                <a:off x="3065113" y="3644552"/>
+                <a:ext cx="574195" cy="646331"/>
+              </a:xfrm>
+              <a:prstGeom prst="rect">
+                <a:avLst/>
+              </a:prstGeom>
+              <a:blipFill>
+                <a:blip r:embed="rId18"/>
+                <a:stretch>
+                  <a:fillRect/>
+                </a:stretch>
+              </a:blipFill>
+            </p:spPr>
+            <p:txBody>
+              <a:bodyPr/>
+              <a:lstStyle/>
+              <a:p>
+                <a:r>
+                  <a:rPr lang="en-US">
+                    <a:noFill/>
+                  </a:rPr>
+                  <a:t> </a:t>
+                </a:r>
+              </a:p>
+            </p:txBody>
+          </p:sp>
+        </mc:Fallback>
+      </mc:AlternateContent>
+      <mc:AlternateContent xmlns:mc="http://schemas.openxmlformats.org/markup-compatibility/2006">
+        <mc:Choice xmlns:a14="http://schemas.microsoft.com/office/drawing/2010/main" Requires="a14">
+          <p:sp>
+            <p:nvSpPr>
+              <p:cNvPr id="52" name="TextBox 51">
+                <a:extLst>
+                  <a:ext uri="{FF2B5EF4-FFF2-40B4-BE49-F238E27FC236}">
+                    <a16:creationId xmlns:a16="http://schemas.microsoft.com/office/drawing/2014/main" id="{F02FC148-E193-074B-9162-DD5DE3F07355}"/>
+                  </a:ext>
+                </a:extLst>
+              </p:cNvPr>
+              <p:cNvSpPr txBox="1"/>
+              <p:nvPr/>
+            </p:nvSpPr>
+            <p:spPr>
+              <a:xfrm>
+                <a:off x="4226474" y="2577534"/>
+                <a:ext cx="431528" cy="646331"/>
+              </a:xfrm>
+              <a:prstGeom prst="rect">
+                <a:avLst/>
+              </a:prstGeom>
+              <a:noFill/>
+            </p:spPr>
+            <p:txBody>
+              <a:bodyPr wrap="none" rtlCol="0">
+                <a:spAutoFit/>
+              </a:bodyPr>
+              <a:lstStyle/>
+              <a:p>
+                <a14:m>
+                  <m:oMathPara xmlns:m="http://schemas.openxmlformats.org/officeDocument/2006/math">
+                    <m:oMathParaPr>
+                      <m:jc m:val="centerGroup"/>
+                    </m:oMathParaPr>
+                    <m:oMath xmlns:m="http://schemas.openxmlformats.org/officeDocument/2006/math">
+                      <m:r>
+                        <a:rPr lang="en-US" sz="3600" b="0" i="1" smtClean="0">
+                          <a:latin typeface="Cambria Math" panose="02040503050406030204" pitchFamily="18" charset="0"/>
+                        </a:rPr>
+                        <m:t>⋮</m:t>
+                      </m:r>
+                    </m:oMath>
+                  </m:oMathPara>
+                </a14:m>
+                <a:endParaRPr lang="en-US" sz="3600" dirty="0"/>
+              </a:p>
+            </p:txBody>
+          </p:sp>
+        </mc:Choice>
+        <mc:Fallback>
+          <p:sp>
+            <p:nvSpPr>
+              <p:cNvPr id="52" name="TextBox 51">
+                <a:extLst>
+                  <a:ext uri="{FF2B5EF4-FFF2-40B4-BE49-F238E27FC236}">
+                    <a16:creationId xmlns:a16="http://schemas.microsoft.com/office/drawing/2014/main" id="{F02FC148-E193-074B-9162-DD5DE3F07355}"/>
+                  </a:ext>
+                </a:extLst>
+              </p:cNvPr>
+              <p:cNvSpPr txBox="1">
+                <a:spLocks noRot="1" noChangeAspect="1" noMove="1" noResize="1" noEditPoints="1" noAdjustHandles="1" noChangeArrowheads="1" noChangeShapeType="1" noTextEdit="1"/>
+              </p:cNvSpPr>
+              <p:nvPr/>
+            </p:nvSpPr>
+            <p:spPr>
+              <a:xfrm>
+                <a:off x="4226474" y="2577534"/>
+                <a:ext cx="431528" cy="646331"/>
+              </a:xfrm>
+              <a:prstGeom prst="rect">
+                <a:avLst/>
+              </a:prstGeom>
+              <a:blipFill>
+                <a:blip r:embed="rId19"/>
+                <a:stretch>
+                  <a:fillRect/>
+                </a:stretch>
+              </a:blipFill>
+            </p:spPr>
+            <p:txBody>
+              <a:bodyPr/>
+              <a:lstStyle/>
+              <a:p>
+                <a:r>
+                  <a:rPr lang="en-US">
+                    <a:noFill/>
+                  </a:rPr>
+                  <a:t> </a:t>
+                </a:r>
+              </a:p>
+            </p:txBody>
+          </p:sp>
+        </mc:Fallback>
+      </mc:AlternateContent>
+      <mc:AlternateContent xmlns:mc="http://schemas.openxmlformats.org/markup-compatibility/2006">
+        <mc:Choice xmlns:a14="http://schemas.microsoft.com/office/drawing/2010/main" Requires="a14">
+          <p:sp>
+            <p:nvSpPr>
+              <p:cNvPr id="53" name="TextBox 52">
+                <a:extLst>
+                  <a:ext uri="{FF2B5EF4-FFF2-40B4-BE49-F238E27FC236}">
+                    <a16:creationId xmlns:a16="http://schemas.microsoft.com/office/drawing/2014/main" id="{699F520F-2254-014D-B728-7D9D75392514}"/>
+                  </a:ext>
+                </a:extLst>
+              </p:cNvPr>
+              <p:cNvSpPr txBox="1"/>
+              <p:nvPr/>
+            </p:nvSpPr>
+            <p:spPr>
+              <a:xfrm>
+                <a:off x="4219769" y="3660049"/>
+                <a:ext cx="431528" cy="646331"/>
+              </a:xfrm>
+              <a:prstGeom prst="rect">
+                <a:avLst/>
+              </a:prstGeom>
+              <a:noFill/>
+            </p:spPr>
+            <p:txBody>
+              <a:bodyPr wrap="none" rtlCol="0">
+                <a:spAutoFit/>
+              </a:bodyPr>
+              <a:lstStyle/>
+              <a:p>
+                <a14:m>
+                  <m:oMathPara xmlns:m="http://schemas.openxmlformats.org/officeDocument/2006/math">
+                    <m:oMathParaPr>
+                      <m:jc m:val="centerGroup"/>
+                    </m:oMathParaPr>
+                    <m:oMath xmlns:m="http://schemas.openxmlformats.org/officeDocument/2006/math">
+                      <m:r>
+                        <a:rPr lang="en-US" sz="3600" b="0" i="1" smtClean="0">
+                          <a:latin typeface="Cambria Math" panose="02040503050406030204" pitchFamily="18" charset="0"/>
+                        </a:rPr>
+                        <m:t>⋮</m:t>
+                      </m:r>
+                    </m:oMath>
+                  </m:oMathPara>
+                </a14:m>
+                <a:endParaRPr lang="en-US" sz="3600" dirty="0"/>
+              </a:p>
+            </p:txBody>
+          </p:sp>
+        </mc:Choice>
+        <mc:Fallback>
+          <p:sp>
+            <p:nvSpPr>
+              <p:cNvPr id="53" name="TextBox 52">
+                <a:extLst>
+                  <a:ext uri="{FF2B5EF4-FFF2-40B4-BE49-F238E27FC236}">
+                    <a16:creationId xmlns:a16="http://schemas.microsoft.com/office/drawing/2014/main" id="{699F520F-2254-014D-B728-7D9D75392514}"/>
+                  </a:ext>
+                </a:extLst>
+              </p:cNvPr>
+              <p:cNvSpPr txBox="1">
+                <a:spLocks noRot="1" noChangeAspect="1" noMove="1" noResize="1" noEditPoints="1" noAdjustHandles="1" noChangeArrowheads="1" noChangeShapeType="1" noTextEdit="1"/>
+              </p:cNvSpPr>
+              <p:nvPr/>
+            </p:nvSpPr>
+            <p:spPr>
+              <a:xfrm>
+                <a:off x="4219769" y="3660049"/>
+                <a:ext cx="431528" cy="646331"/>
+              </a:xfrm>
+              <a:prstGeom prst="rect">
+                <a:avLst/>
+              </a:prstGeom>
+              <a:blipFill>
+                <a:blip r:embed="rId20"/>
+                <a:stretch>
+                  <a:fillRect/>
+                </a:stretch>
+              </a:blipFill>
+            </p:spPr>
+            <p:txBody>
+              <a:bodyPr/>
+              <a:lstStyle/>
+              <a:p>
+                <a:r>
+                  <a:rPr lang="en-US">
+                    <a:noFill/>
+                  </a:rPr>
+                  <a:t> </a:t>
+                </a:r>
+              </a:p>
+            </p:txBody>
+          </p:sp>
+        </mc:Fallback>
+      </mc:AlternateContent>
+      <mc:AlternateContent xmlns:mc="http://schemas.openxmlformats.org/markup-compatibility/2006">
+        <mc:Choice xmlns:a14="http://schemas.microsoft.com/office/drawing/2010/main" Requires="a14">
+          <p:sp>
+            <p:nvSpPr>
+              <p:cNvPr id="54" name="TextBox 53">
+                <a:extLst>
+                  <a:ext uri="{FF2B5EF4-FFF2-40B4-BE49-F238E27FC236}">
+                    <a16:creationId xmlns:a16="http://schemas.microsoft.com/office/drawing/2014/main" id="{AD4393A8-A3B3-9F46-83A4-091482E8E78E}"/>
+                  </a:ext>
+                </a:extLst>
+              </p:cNvPr>
+              <p:cNvSpPr txBox="1"/>
+              <p:nvPr/>
+            </p:nvSpPr>
+            <p:spPr>
+              <a:xfrm>
+                <a:off x="8929494" y="4559473"/>
+                <a:ext cx="684803" cy="646331"/>
+              </a:xfrm>
+              <a:prstGeom prst="rect">
+                <a:avLst/>
+              </a:prstGeom>
+              <a:noFill/>
+            </p:spPr>
+            <p:txBody>
+              <a:bodyPr wrap="none" rtlCol="0">
+                <a:spAutoFit/>
+              </a:bodyPr>
+              <a:lstStyle/>
+              <a:p>
+                <a14:m>
+                  <m:oMathPara xmlns:m="http://schemas.openxmlformats.org/officeDocument/2006/math">
+                    <m:oMathParaPr>
+                      <m:jc m:val="centerGroup"/>
+                    </m:oMathParaPr>
+                    <m:oMath xmlns:m="http://schemas.openxmlformats.org/officeDocument/2006/math">
+                      <m:r>
+                        <a:rPr lang="en-US" sz="3600" b="0" i="1" smtClean="0">
+                          <a:latin typeface="Cambria Math" panose="02040503050406030204" pitchFamily="18" charset="0"/>
+                        </a:rPr>
+                        <m:t>⋯</m:t>
+                      </m:r>
+                    </m:oMath>
+                  </m:oMathPara>
+                </a14:m>
+                <a:endParaRPr lang="en-US" sz="3600" dirty="0"/>
+              </a:p>
+            </p:txBody>
+          </p:sp>
+        </mc:Choice>
+        <mc:Fallback>
+          <p:sp>
+            <p:nvSpPr>
+              <p:cNvPr id="54" name="TextBox 53">
+                <a:extLst>
+                  <a:ext uri="{FF2B5EF4-FFF2-40B4-BE49-F238E27FC236}">
+                    <a16:creationId xmlns:a16="http://schemas.microsoft.com/office/drawing/2014/main" id="{AD4393A8-A3B3-9F46-83A4-091482E8E78E}"/>
+                  </a:ext>
+                </a:extLst>
+              </p:cNvPr>
+              <p:cNvSpPr txBox="1">
+                <a:spLocks noRot="1" noChangeAspect="1" noMove="1" noResize="1" noEditPoints="1" noAdjustHandles="1" noChangeArrowheads="1" noChangeShapeType="1" noTextEdit="1"/>
+              </p:cNvSpPr>
+              <p:nvPr/>
+            </p:nvSpPr>
+            <p:spPr>
+              <a:xfrm>
+                <a:off x="8929494" y="4559473"/>
+                <a:ext cx="684803" cy="646331"/>
+              </a:xfrm>
+              <a:prstGeom prst="rect">
+                <a:avLst/>
+              </a:prstGeom>
+              <a:blipFill>
+                <a:blip r:embed="rId16"/>
+                <a:stretch>
+                  <a:fillRect/>
+                </a:stretch>
+              </a:blipFill>
+            </p:spPr>
+            <p:txBody>
+              <a:bodyPr/>
+              <a:lstStyle/>
+              <a:p>
+                <a:r>
+                  <a:rPr lang="en-US">
+                    <a:noFill/>
+                  </a:rPr>
+                  <a:t> </a:t>
+                </a:r>
+              </a:p>
+            </p:txBody>
+          </p:sp>
+        </mc:Fallback>
+      </mc:AlternateContent>
+      <mc:AlternateContent xmlns:mc="http://schemas.openxmlformats.org/markup-compatibility/2006">
+        <mc:Choice xmlns:a14="http://schemas.microsoft.com/office/drawing/2010/main" Requires="a14">
+          <p:sp>
+            <p:nvSpPr>
+              <p:cNvPr id="55" name="TextBox 54">
+                <a:extLst>
+                  <a:ext uri="{FF2B5EF4-FFF2-40B4-BE49-F238E27FC236}">
+                    <a16:creationId xmlns:a16="http://schemas.microsoft.com/office/drawing/2014/main" id="{C643CD0F-727D-8940-81FB-C88365DF719D}"/>
+                  </a:ext>
+                </a:extLst>
+              </p:cNvPr>
+              <p:cNvSpPr txBox="1"/>
+              <p:nvPr/>
+            </p:nvSpPr>
+            <p:spPr>
+              <a:xfrm>
+                <a:off x="8984799" y="3107990"/>
+                <a:ext cx="574195" cy="646331"/>
+              </a:xfrm>
+              <a:prstGeom prst="rect">
+                <a:avLst/>
+              </a:prstGeom>
+              <a:noFill/>
+            </p:spPr>
+            <p:txBody>
+              <a:bodyPr wrap="none" rtlCol="0">
+                <a:spAutoFit/>
+              </a:bodyPr>
+              <a:lstStyle/>
+              <a:p>
+                <a14:m>
+                  <m:oMathPara xmlns:m="http://schemas.openxmlformats.org/officeDocument/2006/math">
+                    <m:oMathParaPr>
+                      <m:jc m:val="centerGroup"/>
+                    </m:oMathParaPr>
+                    <m:oMath xmlns:m="http://schemas.openxmlformats.org/officeDocument/2006/math">
+                      <m:r>
+                        <a:rPr lang="en-US" sz="3600" b="0" i="1" smtClean="0">
+                          <a:latin typeface="Cambria Math" panose="02040503050406030204" pitchFamily="18" charset="0"/>
+                          <a:ea typeface="Cambria Math" panose="02040503050406030204" pitchFamily="18" charset="0"/>
+                        </a:rPr>
+                        <m:t>⋱</m:t>
+                      </m:r>
+                    </m:oMath>
+                  </m:oMathPara>
+                </a14:m>
+                <a:endParaRPr lang="en-US" sz="3600" dirty="0"/>
+              </a:p>
+            </p:txBody>
+          </p:sp>
+        </mc:Choice>
+        <mc:Fallback>
+          <p:sp>
+            <p:nvSpPr>
+              <p:cNvPr id="55" name="TextBox 54">
+                <a:extLst>
+                  <a:ext uri="{FF2B5EF4-FFF2-40B4-BE49-F238E27FC236}">
+                    <a16:creationId xmlns:a16="http://schemas.microsoft.com/office/drawing/2014/main" id="{C643CD0F-727D-8940-81FB-C88365DF719D}"/>
+                  </a:ext>
+                </a:extLst>
+              </p:cNvPr>
+              <p:cNvSpPr txBox="1">
+                <a:spLocks noRot="1" noChangeAspect="1" noMove="1" noResize="1" noEditPoints="1" noAdjustHandles="1" noChangeArrowheads="1" noChangeShapeType="1" noTextEdit="1"/>
+              </p:cNvSpPr>
+              <p:nvPr/>
+            </p:nvSpPr>
+            <p:spPr>
+              <a:xfrm>
+                <a:off x="8984799" y="3107990"/>
+                <a:ext cx="574195" cy="646331"/>
+              </a:xfrm>
+              <a:prstGeom prst="rect">
+                <a:avLst/>
+              </a:prstGeom>
+              <a:blipFill>
+                <a:blip r:embed="rId18"/>
+                <a:stretch>
+                  <a:fillRect/>
+                </a:stretch>
+              </a:blipFill>
+            </p:spPr>
+            <p:txBody>
+              <a:bodyPr/>
+              <a:lstStyle/>
+              <a:p>
+                <a:r>
+                  <a:rPr lang="en-US">
+                    <a:noFill/>
+                  </a:rPr>
+                  <a:t> </a:t>
+                </a:r>
+              </a:p>
+            </p:txBody>
+          </p:sp>
+        </mc:Fallback>
+      </mc:AlternateContent>
+      <mc:AlternateContent xmlns:mc="http://schemas.openxmlformats.org/markup-compatibility/2006">
+        <mc:Choice xmlns:a14="http://schemas.microsoft.com/office/drawing/2010/main" Requires="a14">
+          <p:sp>
+            <p:nvSpPr>
+              <p:cNvPr id="56" name="TextBox 55">
+                <a:extLst>
+                  <a:ext uri="{FF2B5EF4-FFF2-40B4-BE49-F238E27FC236}">
+                    <a16:creationId xmlns:a16="http://schemas.microsoft.com/office/drawing/2014/main" id="{9D4D13DD-EB17-7A44-9B81-0EA0DC75374F}"/>
+                  </a:ext>
+                </a:extLst>
+              </p:cNvPr>
+              <p:cNvSpPr txBox="1"/>
+              <p:nvPr/>
+            </p:nvSpPr>
+            <p:spPr>
+              <a:xfrm>
+                <a:off x="10478717" y="3105834"/>
+                <a:ext cx="431528" cy="646331"/>
+              </a:xfrm>
+              <a:prstGeom prst="rect">
+                <a:avLst/>
+              </a:prstGeom>
+              <a:noFill/>
+            </p:spPr>
+            <p:txBody>
+              <a:bodyPr wrap="none" rtlCol="0">
+                <a:spAutoFit/>
+              </a:bodyPr>
+              <a:lstStyle/>
+              <a:p>
+                <a14:m>
+                  <m:oMathPara xmlns:m="http://schemas.openxmlformats.org/officeDocument/2006/math">
+                    <m:oMathParaPr>
+                      <m:jc m:val="centerGroup"/>
+                    </m:oMathParaPr>
+                    <m:oMath xmlns:m="http://schemas.openxmlformats.org/officeDocument/2006/math">
+                      <m:r>
+                        <a:rPr lang="en-US" sz="3600" b="0" i="1" smtClean="0">
+                          <a:latin typeface="Cambria Math" panose="02040503050406030204" pitchFamily="18" charset="0"/>
+                        </a:rPr>
+                        <m:t>⋮</m:t>
+                      </m:r>
+                    </m:oMath>
+                  </m:oMathPara>
+                </a14:m>
+                <a:endParaRPr lang="en-US" sz="3600" dirty="0"/>
+              </a:p>
+            </p:txBody>
+          </p:sp>
+        </mc:Choice>
+        <mc:Fallback>
+          <p:sp>
+            <p:nvSpPr>
+              <p:cNvPr id="56" name="TextBox 55">
+                <a:extLst>
+                  <a:ext uri="{FF2B5EF4-FFF2-40B4-BE49-F238E27FC236}">
+                    <a16:creationId xmlns:a16="http://schemas.microsoft.com/office/drawing/2014/main" id="{9D4D13DD-EB17-7A44-9B81-0EA0DC75374F}"/>
+                  </a:ext>
+                </a:extLst>
+              </p:cNvPr>
+              <p:cNvSpPr txBox="1">
+                <a:spLocks noRot="1" noChangeAspect="1" noMove="1" noResize="1" noEditPoints="1" noAdjustHandles="1" noChangeArrowheads="1" noChangeShapeType="1" noTextEdit="1"/>
+              </p:cNvSpPr>
+              <p:nvPr/>
+            </p:nvSpPr>
+            <p:spPr>
+              <a:xfrm>
+                <a:off x="10478717" y="3105834"/>
+                <a:ext cx="431528" cy="646331"/>
+              </a:xfrm>
+              <a:prstGeom prst="rect">
+                <a:avLst/>
+              </a:prstGeom>
+              <a:blipFill>
+                <a:blip r:embed="rId20"/>
+                <a:stretch>
+                  <a:fillRect/>
+                </a:stretch>
+              </a:blipFill>
+            </p:spPr>
+            <p:txBody>
+              <a:bodyPr/>
+              <a:lstStyle/>
+              <a:p>
+                <a:r>
+                  <a:rPr lang="en-US">
+                    <a:noFill/>
+                  </a:rPr>
+                  <a:t> </a:t>
+                </a:r>
+              </a:p>
+            </p:txBody>
+          </p:sp>
+        </mc:Fallback>
+      </mc:AlternateContent>
+      <p:sp>
+        <p:nvSpPr>
+          <p:cNvPr id="58" name="Right Arrow 57">
+            <a:extLst>
+              <a:ext uri="{FF2B5EF4-FFF2-40B4-BE49-F238E27FC236}">
+                <a16:creationId xmlns:a16="http://schemas.microsoft.com/office/drawing/2014/main" id="{82FE18BB-9957-B245-B038-54E75E54FACF}"/>
+              </a:ext>
+            </a:extLst>
+          </p:cNvPr>
+          <p:cNvSpPr/>
+          <p:nvPr/>
+        </p:nvSpPr>
+        <p:spPr>
+          <a:xfrm>
+            <a:off x="5541654" y="3232301"/>
+            <a:ext cx="1042327" cy="373637"/>
+          </a:xfrm>
+          <a:prstGeom prst="rightArrow">
+            <a:avLst/>
+          </a:prstGeom>
+        </p:spPr>
+        <p:style>
+          <a:lnRef idx="2">
+            <a:schemeClr val="dk1">
+              <a:shade val="50000"/>
+            </a:schemeClr>
+          </a:lnRef>
+          <a:fillRef idx="1">
+            <a:schemeClr val="dk1"/>
+          </a:fillRef>
+          <a:effectRef idx="0">
+            <a:schemeClr val="dk1"/>
+          </a:effectRef>
+          <a:fontRef idx="minor">
+            <a:schemeClr val="lt1"/>
+          </a:fontRef>
+        </p:style>
+        <p:txBody>
+          <a:bodyPr rtlCol="0" anchor="ctr"/>
+          <a:lstStyle/>
+          <a:p>
+            <a:pPr algn="ctr"/>
+            <a:endParaRPr lang="en-US"/>
+          </a:p>
+        </p:txBody>
+      </p:sp>
+      <p:sp>
+        <p:nvSpPr>
+          <p:cNvPr id="62" name="Rectangle 61">
+            <a:extLst>
+              <a:ext uri="{FF2B5EF4-FFF2-40B4-BE49-F238E27FC236}">
+                <a16:creationId xmlns:a16="http://schemas.microsoft.com/office/drawing/2014/main" id="{B6BC95BA-19C0-7E47-9FB2-558A0C41B946}"/>
+              </a:ext>
+            </a:extLst>
+          </p:cNvPr>
+          <p:cNvSpPr>
+            <a:spLocks/>
+          </p:cNvSpPr>
+          <p:nvPr/>
+        </p:nvSpPr>
+        <p:spPr>
+          <a:xfrm>
+            <a:off x="725112" y="1250912"/>
+            <a:ext cx="2088000" cy="2160000"/>
+          </a:xfrm>
+          <a:prstGeom prst="rect">
+            <a:avLst/>
+          </a:prstGeom>
+          <a:solidFill>
+            <a:schemeClr val="accent6">
+              <a:lumMod val="40000"/>
+              <a:lumOff val="60000"/>
+              <a:alpha val="50000"/>
+            </a:schemeClr>
+          </a:solidFill>
+          <a:ln>
+            <a:solidFill>
+              <a:schemeClr val="accent6"/>
+            </a:solidFill>
+          </a:ln>
+        </p:spPr>
+        <p:style>
+          <a:lnRef idx="2">
+            <a:schemeClr val="accent1">
+              <a:shade val="50000"/>
+            </a:schemeClr>
+          </a:lnRef>
+          <a:fillRef idx="1">
+            <a:schemeClr val="accent1"/>
+          </a:fillRef>
+          <a:effectRef idx="0">
+            <a:schemeClr val="accent1"/>
+          </a:effectRef>
+          <a:fontRef idx="minor">
+            <a:schemeClr val="lt1"/>
+          </a:fontRef>
+        </p:style>
+        <p:txBody>
+          <a:bodyPr rtlCol="0" anchor="ctr"/>
+          <a:lstStyle/>
+          <a:p>
+            <a:pPr algn="ctr"/>
+            <a:endParaRPr lang="en-US"/>
+          </a:p>
+        </p:txBody>
+      </p:sp>
+      <p:sp>
+        <p:nvSpPr>
+          <p:cNvPr id="64" name="Rectangle 63">
+            <a:extLst>
+              <a:ext uri="{FF2B5EF4-FFF2-40B4-BE49-F238E27FC236}">
+                <a16:creationId xmlns:a16="http://schemas.microsoft.com/office/drawing/2014/main" id="{045EC33E-2557-B844-8172-B2E85090C612}"/>
+              </a:ext>
+            </a:extLst>
+          </p:cNvPr>
+          <p:cNvSpPr>
+            <a:spLocks/>
+          </p:cNvSpPr>
+          <p:nvPr/>
+        </p:nvSpPr>
+        <p:spPr>
+          <a:xfrm>
+            <a:off x="1732531" y="1256293"/>
+            <a:ext cx="2160000" cy="2160000"/>
+          </a:xfrm>
+          <a:prstGeom prst="rect">
+            <a:avLst/>
+          </a:prstGeom>
+          <a:solidFill>
+            <a:schemeClr val="accent5">
+              <a:lumMod val="40000"/>
+              <a:lumOff val="60000"/>
+              <a:alpha val="50000"/>
+            </a:schemeClr>
+          </a:solidFill>
+          <a:ln>
+            <a:solidFill>
+              <a:schemeClr val="accent5"/>
+            </a:solidFill>
+          </a:ln>
+        </p:spPr>
+        <p:style>
+          <a:lnRef idx="2">
+            <a:schemeClr val="accent1">
+              <a:shade val="50000"/>
+            </a:schemeClr>
+          </a:lnRef>
+          <a:fillRef idx="1">
+            <a:schemeClr val="accent1"/>
+          </a:fillRef>
+          <a:effectRef idx="0">
+            <a:schemeClr val="accent1"/>
+          </a:effectRef>
+          <a:fontRef idx="minor">
+            <a:schemeClr val="lt1"/>
+          </a:fontRef>
+        </p:style>
+        <p:txBody>
+          <a:bodyPr rtlCol="0" anchor="ctr"/>
+          <a:lstStyle/>
+          <a:p>
+            <a:pPr algn="ctr"/>
+            <a:endParaRPr lang="en-US"/>
+          </a:p>
+        </p:txBody>
+      </p:sp>
+      <p:sp>
+        <p:nvSpPr>
+          <p:cNvPr id="66" name="Rectangle 65">
+            <a:extLst>
+              <a:ext uri="{FF2B5EF4-FFF2-40B4-BE49-F238E27FC236}">
+                <a16:creationId xmlns:a16="http://schemas.microsoft.com/office/drawing/2014/main" id="{00B86210-9F65-C847-BA8A-C8467640AA12}"/>
+              </a:ext>
+            </a:extLst>
+          </p:cNvPr>
+          <p:cNvSpPr>
+            <a:spLocks/>
+          </p:cNvSpPr>
+          <p:nvPr/>
+        </p:nvSpPr>
+        <p:spPr>
+          <a:xfrm>
+            <a:off x="732673" y="2336293"/>
+            <a:ext cx="2088000" cy="2160000"/>
+          </a:xfrm>
+          <a:prstGeom prst="rect">
+            <a:avLst/>
+          </a:prstGeom>
+          <a:solidFill>
+            <a:schemeClr val="accent4">
+              <a:lumMod val="40000"/>
+              <a:lumOff val="60000"/>
+              <a:alpha val="50000"/>
+            </a:schemeClr>
+          </a:solidFill>
+          <a:ln>
+            <a:solidFill>
+              <a:schemeClr val="accent4"/>
+            </a:solidFill>
+          </a:ln>
+        </p:spPr>
+        <p:style>
+          <a:lnRef idx="2">
+            <a:schemeClr val="accent1">
+              <a:shade val="50000"/>
+            </a:schemeClr>
+          </a:lnRef>
+          <a:fillRef idx="1">
+            <a:schemeClr val="accent1"/>
+          </a:fillRef>
+          <a:effectRef idx="0">
+            <a:schemeClr val="accent1"/>
+          </a:effectRef>
+          <a:fontRef idx="minor">
+            <a:schemeClr val="lt1"/>
+          </a:fontRef>
+        </p:style>
+        <p:txBody>
+          <a:bodyPr rtlCol="0" anchor="ctr"/>
+          <a:lstStyle/>
+          <a:p>
+            <a:pPr algn="ctr"/>
+            <a:endParaRPr lang="en-US"/>
+          </a:p>
+        </p:txBody>
+      </p:sp>
+      <p:sp>
+        <p:nvSpPr>
+          <p:cNvPr id="67" name="Rectangle 66">
+            <a:extLst>
+              <a:ext uri="{FF2B5EF4-FFF2-40B4-BE49-F238E27FC236}">
+                <a16:creationId xmlns:a16="http://schemas.microsoft.com/office/drawing/2014/main" id="{310B80A6-74CD-304F-BC42-E925E15F6D26}"/>
+              </a:ext>
+            </a:extLst>
+          </p:cNvPr>
+          <p:cNvSpPr>
+            <a:spLocks/>
+          </p:cNvSpPr>
+          <p:nvPr/>
+        </p:nvSpPr>
+        <p:spPr>
+          <a:xfrm>
+            <a:off x="7138447" y="1262417"/>
+            <a:ext cx="1440029" cy="1440000"/>
+          </a:xfrm>
+          <a:prstGeom prst="rect">
+            <a:avLst/>
+          </a:prstGeom>
+          <a:solidFill>
+            <a:schemeClr val="accent6">
+              <a:lumMod val="40000"/>
+              <a:lumOff val="60000"/>
+              <a:alpha val="50000"/>
+            </a:schemeClr>
+          </a:solidFill>
+          <a:ln>
+            <a:solidFill>
+              <a:schemeClr val="accent6"/>
+            </a:solidFill>
+          </a:ln>
+        </p:spPr>
+        <p:style>
+          <a:lnRef idx="2">
+            <a:schemeClr val="accent1">
+              <a:shade val="50000"/>
+            </a:schemeClr>
+          </a:lnRef>
+          <a:fillRef idx="1">
+            <a:schemeClr val="accent1"/>
+          </a:fillRef>
+          <a:effectRef idx="0">
+            <a:schemeClr val="accent1"/>
+          </a:effectRef>
+          <a:fontRef idx="minor">
+            <a:schemeClr val="lt1"/>
+          </a:fontRef>
+        </p:style>
+        <p:txBody>
+          <a:bodyPr rtlCol="0" anchor="ctr"/>
+          <a:lstStyle/>
+          <a:p>
+            <a:pPr algn="ctr"/>
+            <a:endParaRPr lang="en-US"/>
+          </a:p>
+        </p:txBody>
+      </p:sp>
+      <p:sp>
+        <p:nvSpPr>
+          <p:cNvPr id="68" name="Rectangle 67">
+            <a:extLst>
+              <a:ext uri="{FF2B5EF4-FFF2-40B4-BE49-F238E27FC236}">
+                <a16:creationId xmlns:a16="http://schemas.microsoft.com/office/drawing/2014/main" id="{4587C2E1-B46A-954F-9D9F-BF8D01F1D4AC}"/>
+              </a:ext>
+            </a:extLst>
+          </p:cNvPr>
+          <p:cNvSpPr>
+            <a:spLocks/>
+          </p:cNvSpPr>
+          <p:nvPr/>
+        </p:nvSpPr>
+        <p:spPr>
+          <a:xfrm>
+            <a:off x="8578796" y="1259069"/>
+            <a:ext cx="1440029" cy="1440000"/>
+          </a:xfrm>
+          <a:prstGeom prst="rect">
+            <a:avLst/>
+          </a:prstGeom>
+          <a:solidFill>
+            <a:schemeClr val="accent5">
+              <a:lumMod val="40000"/>
+              <a:lumOff val="60000"/>
+              <a:alpha val="50000"/>
+            </a:schemeClr>
+          </a:solidFill>
+          <a:ln>
+            <a:solidFill>
+              <a:schemeClr val="accent5"/>
+            </a:solidFill>
+          </a:ln>
+        </p:spPr>
+        <p:style>
+          <a:lnRef idx="2">
+            <a:schemeClr val="accent1">
+              <a:shade val="50000"/>
+            </a:schemeClr>
+          </a:lnRef>
+          <a:fillRef idx="1">
+            <a:schemeClr val="accent1"/>
+          </a:fillRef>
+          <a:effectRef idx="0">
+            <a:schemeClr val="accent1"/>
+          </a:effectRef>
+          <a:fontRef idx="minor">
+            <a:schemeClr val="lt1"/>
+          </a:fontRef>
+        </p:style>
+        <p:txBody>
+          <a:bodyPr rtlCol="0" anchor="ctr"/>
+          <a:lstStyle/>
+          <a:p>
+            <a:pPr algn="ctr"/>
+            <a:endParaRPr lang="en-US"/>
+          </a:p>
+        </p:txBody>
+      </p:sp>
+      <p:sp>
+        <p:nvSpPr>
+          <p:cNvPr id="69" name="Rectangle 68">
+            <a:extLst>
+              <a:ext uri="{FF2B5EF4-FFF2-40B4-BE49-F238E27FC236}">
+                <a16:creationId xmlns:a16="http://schemas.microsoft.com/office/drawing/2014/main" id="{F9082DF1-C8F7-5E49-B0C4-24174EF03E6E}"/>
+              </a:ext>
+            </a:extLst>
+          </p:cNvPr>
+          <p:cNvSpPr>
+            <a:spLocks/>
+          </p:cNvSpPr>
+          <p:nvPr/>
+        </p:nvSpPr>
+        <p:spPr>
+          <a:xfrm>
+            <a:off x="7138811" y="2695834"/>
+            <a:ext cx="1440000" cy="1440000"/>
+          </a:xfrm>
+          <a:prstGeom prst="rect">
+            <a:avLst/>
+          </a:prstGeom>
+          <a:solidFill>
+            <a:schemeClr val="accent4">
+              <a:lumMod val="40000"/>
+              <a:lumOff val="60000"/>
+              <a:alpha val="50000"/>
+            </a:schemeClr>
+          </a:solidFill>
+          <a:ln>
+            <a:solidFill>
+              <a:schemeClr val="accent4"/>
+            </a:solidFill>
+          </a:ln>
+        </p:spPr>
+        <p:style>
+          <a:lnRef idx="2">
+            <a:schemeClr val="accent1">
+              <a:shade val="50000"/>
+            </a:schemeClr>
+          </a:lnRef>
+          <a:fillRef idx="1">
+            <a:schemeClr val="accent1"/>
+          </a:fillRef>
+          <a:effectRef idx="0">
+            <a:schemeClr val="accent1"/>
+          </a:effectRef>
+          <a:fontRef idx="minor">
+            <a:schemeClr val="lt1"/>
+          </a:fontRef>
+        </p:style>
+        <p:txBody>
+          <a:bodyPr rtlCol="0" anchor="ctr"/>
+          <a:lstStyle/>
+          <a:p>
+            <a:pPr algn="ctr"/>
+            <a:endParaRPr lang="en-US"/>
+          </a:p>
+        </p:txBody>
+      </p:sp>
+    </p:spTree>
+    <p:extLst>
+      <p:ext uri="{BB962C8B-B14F-4D97-AF65-F5344CB8AC3E}">
+        <p14:creationId xmlns:p14="http://schemas.microsoft.com/office/powerpoint/2010/main" val="3873088681"/>
+      </p:ext>
+    </p:extLst>
+  </p:cSld>
+  <p:clrMapOvr>
+    <a:masterClrMapping/>
+  </p:clrMapOvr>
+</p:sld>
+</file>
+
 <file path=ppt/theme/theme1.xml><?xml version="1.0" encoding="utf-8"?>
 <a:theme xmlns:a="http://schemas.openxmlformats.org/drawingml/2006/main" name="Office Theme">
   <a:themeElements>

--- a/ppt/model.pptx
+++ b/ppt/model.pptx
@@ -13,6 +13,7 @@
     <p:sldId id="260" r:id="rId7"/>
     <p:sldId id="258" r:id="rId8"/>
     <p:sldId id="263" r:id="rId9"/>
+    <p:sldId id="264" r:id="rId10"/>
   </p:sldIdLst>
   <p:sldSz cx="12192000" cy="6858000"/>
   <p:notesSz cx="6858000" cy="9144000"/>
@@ -12051,6 +12052,1063 @@
 </p:sld>
 </file>
 
+<file path=ppt/slides/slide9.xml><?xml version="1.0" encoding="utf-8"?>
+<p:sld xmlns:a="http://schemas.openxmlformats.org/drawingml/2006/main" xmlns:r="http://schemas.openxmlformats.org/officeDocument/2006/relationships" xmlns:p="http://schemas.openxmlformats.org/presentationml/2006/main">
+  <p:cSld>
+    <p:spTree>
+      <p:nvGrpSpPr>
+        <p:cNvPr id="1" name=""/>
+        <p:cNvGrpSpPr/>
+        <p:nvPr/>
+      </p:nvGrpSpPr>
+      <p:grpSpPr>
+        <a:xfrm>
+          <a:off x="0" y="0"/>
+          <a:ext cx="0" cy="0"/>
+          <a:chOff x="0" y="0"/>
+          <a:chExt cx="0" cy="0"/>
+        </a:xfrm>
+      </p:grpSpPr>
+      <p:grpSp>
+        <p:nvGrpSpPr>
+          <p:cNvPr id="20" name="Group 19">
+            <a:extLst>
+              <a:ext uri="{FF2B5EF4-FFF2-40B4-BE49-F238E27FC236}">
+                <a16:creationId xmlns:a16="http://schemas.microsoft.com/office/drawing/2014/main" id="{C5FBCF99-0D90-3E42-AA61-C2B3D02F2412}"/>
+              </a:ext>
+            </a:extLst>
+          </p:cNvPr>
+          <p:cNvGrpSpPr/>
+          <p:nvPr/>
+        </p:nvGrpSpPr>
+        <p:grpSpPr>
+          <a:xfrm>
+            <a:off x="1974715" y="2349000"/>
+            <a:ext cx="5840071" cy="2160000"/>
+            <a:chOff x="1974715" y="2349000"/>
+            <a:chExt cx="5840071" cy="2160000"/>
+          </a:xfrm>
+        </p:grpSpPr>
+        <p:sp>
+          <p:nvSpPr>
+            <p:cNvPr id="5" name="Rectangle 4">
+              <a:extLst>
+                <a:ext uri="{FF2B5EF4-FFF2-40B4-BE49-F238E27FC236}">
+                  <a16:creationId xmlns:a16="http://schemas.microsoft.com/office/drawing/2014/main" id="{56C9271A-B19E-9C47-A8DC-2EDB1478EAFF}"/>
+                </a:ext>
+              </a:extLst>
+            </p:cNvPr>
+            <p:cNvSpPr>
+              <a:spLocks noChangeAspect="1"/>
+            </p:cNvSpPr>
+            <p:nvPr/>
+          </p:nvSpPr>
+          <p:spPr>
+            <a:xfrm>
+              <a:off x="1974715" y="2349000"/>
+              <a:ext cx="2160000" cy="2160000"/>
+            </a:xfrm>
+            <a:prstGeom prst="rect">
+              <a:avLst/>
+            </a:prstGeom>
+            <a:solidFill>
+              <a:schemeClr val="bg1"/>
+            </a:solidFill>
+            <a:ln w="38100">
+              <a:solidFill>
+                <a:schemeClr val="tx1"/>
+              </a:solidFill>
+            </a:ln>
+          </p:spPr>
+          <p:style>
+            <a:lnRef idx="2">
+              <a:schemeClr val="accent1">
+                <a:shade val="50000"/>
+              </a:schemeClr>
+            </a:lnRef>
+            <a:fillRef idx="1">
+              <a:schemeClr val="accent1"/>
+            </a:fillRef>
+            <a:effectRef idx="0">
+              <a:schemeClr val="accent1"/>
+            </a:effectRef>
+            <a:fontRef idx="minor">
+              <a:schemeClr val="lt1"/>
+            </a:fontRef>
+          </p:style>
+          <p:txBody>
+            <a:bodyPr rtlCol="0" anchor="ctr"/>
+            <a:lstStyle/>
+            <a:p>
+              <a:pPr algn="ctr"/>
+              <a:endParaRPr lang="en-US"/>
+            </a:p>
+          </p:txBody>
+        </p:sp>
+        <p:cxnSp>
+          <p:nvCxnSpPr>
+            <p:cNvPr id="7" name="Straight Connector 6">
+              <a:extLst>
+                <a:ext uri="{FF2B5EF4-FFF2-40B4-BE49-F238E27FC236}">
+                  <a16:creationId xmlns:a16="http://schemas.microsoft.com/office/drawing/2014/main" id="{B551E831-2AAE-A440-9195-A70D1BD9C1D2}"/>
+                </a:ext>
+              </a:extLst>
+            </p:cNvPr>
+            <p:cNvCxnSpPr>
+              <a:stCxn id="5" idx="1"/>
+              <a:endCxn id="5" idx="3"/>
+            </p:cNvCxnSpPr>
+            <p:nvPr/>
+          </p:nvCxnSpPr>
+          <p:spPr>
+            <a:xfrm>
+              <a:off x="1974715" y="3429000"/>
+              <a:ext cx="2160000" cy="0"/>
+            </a:xfrm>
+            <a:prstGeom prst="line">
+              <a:avLst/>
+            </a:prstGeom>
+            <a:ln w="38100">
+              <a:solidFill>
+                <a:schemeClr val="tx1"/>
+              </a:solidFill>
+            </a:ln>
+          </p:spPr>
+          <p:style>
+            <a:lnRef idx="1">
+              <a:schemeClr val="dk1"/>
+            </a:lnRef>
+            <a:fillRef idx="0">
+              <a:schemeClr val="dk1"/>
+            </a:fillRef>
+            <a:effectRef idx="0">
+              <a:schemeClr val="dk1"/>
+            </a:effectRef>
+            <a:fontRef idx="minor">
+              <a:schemeClr val="tx1"/>
+            </a:fontRef>
+          </p:style>
+        </p:cxnSp>
+        <p:cxnSp>
+          <p:nvCxnSpPr>
+            <p:cNvPr id="8" name="Straight Connector 7">
+              <a:extLst>
+                <a:ext uri="{FF2B5EF4-FFF2-40B4-BE49-F238E27FC236}">
+                  <a16:creationId xmlns:a16="http://schemas.microsoft.com/office/drawing/2014/main" id="{24A5EB1B-F4BA-1748-BB8D-A75C7E4DA14C}"/>
+                </a:ext>
+              </a:extLst>
+            </p:cNvPr>
+            <p:cNvCxnSpPr>
+              <a:cxnSpLocks/>
+              <a:stCxn id="5" idx="2"/>
+              <a:endCxn id="5" idx="0"/>
+            </p:cNvCxnSpPr>
+            <p:nvPr/>
+          </p:nvCxnSpPr>
+          <p:spPr>
+            <a:xfrm flipV="1">
+              <a:off x="3054715" y="2349000"/>
+              <a:ext cx="0" cy="2160000"/>
+            </a:xfrm>
+            <a:prstGeom prst="line">
+              <a:avLst/>
+            </a:prstGeom>
+            <a:ln w="38100">
+              <a:solidFill>
+                <a:schemeClr val="tx1"/>
+              </a:solidFill>
+            </a:ln>
+          </p:spPr>
+          <p:style>
+            <a:lnRef idx="1">
+              <a:schemeClr val="dk1"/>
+            </a:lnRef>
+            <a:fillRef idx="0">
+              <a:schemeClr val="dk1"/>
+            </a:fillRef>
+            <a:effectRef idx="0">
+              <a:schemeClr val="dk1"/>
+            </a:effectRef>
+            <a:fontRef idx="minor">
+              <a:schemeClr val="tx1"/>
+            </a:fontRef>
+          </p:style>
+        </p:cxnSp>
+        <mc:AlternateContent xmlns:mc="http://schemas.openxmlformats.org/markup-compatibility/2006">
+          <mc:Choice xmlns:a14="http://schemas.microsoft.com/office/drawing/2010/main" Requires="a14">
+            <p:sp>
+              <p:nvSpPr>
+                <p:cNvPr id="12" name="TextBox 11">
+                  <a:extLst>
+                    <a:ext uri="{FF2B5EF4-FFF2-40B4-BE49-F238E27FC236}">
+                      <a16:creationId xmlns:a16="http://schemas.microsoft.com/office/drawing/2014/main" id="{BC807FBC-5FF4-204B-B125-040B782BAF78}"/>
+                    </a:ext>
+                  </a:extLst>
+                </p:cNvPr>
+                <p:cNvSpPr txBox="1"/>
+                <p:nvPr/>
+              </p:nvSpPr>
+              <p:spPr>
+                <a:xfrm>
+                  <a:off x="2243797" y="2693177"/>
+                  <a:ext cx="508601" cy="391646"/>
+                </a:xfrm>
+                <a:prstGeom prst="rect">
+                  <a:avLst/>
+                </a:prstGeom>
+                <a:noFill/>
+              </p:spPr>
+              <p:txBody>
+                <a:bodyPr wrap="none" rtlCol="0">
+                  <a:spAutoFit/>
+                </a:bodyPr>
+                <a:lstStyle/>
+                <a:p>
+                  <a14:m>
+                    <m:oMathPara xmlns:m="http://schemas.openxmlformats.org/officeDocument/2006/math">
+                      <m:oMathParaPr>
+                        <m:jc m:val="centerGroup"/>
+                      </m:oMathParaPr>
+                      <m:oMath xmlns:m="http://schemas.openxmlformats.org/officeDocument/2006/math">
+                        <m:sSub>
+                          <m:sSubPr>
+                            <m:ctrlPr>
+                              <a:rPr lang="en-US" b="0" i="1" smtClean="0">
+                                <a:latin typeface="Cambria Math" panose="02040503050406030204" pitchFamily="18" charset="0"/>
+                              </a:rPr>
+                            </m:ctrlPr>
+                          </m:sSubPr>
+                          <m:e>
+                            <m:r>
+                              <a:rPr lang="en-US" b="0" i="1" smtClean="0">
+                                <a:latin typeface="Cambria Math" panose="02040503050406030204" pitchFamily="18" charset="0"/>
+                              </a:rPr>
+                              <m:t>𝑃</m:t>
+                            </m:r>
+                          </m:e>
+                          <m:sub>
+                            <m:r>
+                              <a:rPr lang="en-US" b="0" i="1" smtClean="0">
+                                <a:latin typeface="Cambria Math" panose="02040503050406030204" pitchFamily="18" charset="0"/>
+                              </a:rPr>
+                              <m:t>𝑖𝑗</m:t>
+                            </m:r>
+                          </m:sub>
+                        </m:sSub>
+                      </m:oMath>
+                    </m:oMathPara>
+                  </a14:m>
+                  <a:endParaRPr lang="en-US" dirty="0"/>
+                </a:p>
+              </p:txBody>
+            </p:sp>
+          </mc:Choice>
+          <mc:Fallback>
+            <p:sp>
+              <p:nvSpPr>
+                <p:cNvPr id="12" name="TextBox 11">
+                  <a:extLst>
+                    <a:ext uri="{FF2B5EF4-FFF2-40B4-BE49-F238E27FC236}">
+                      <a16:creationId xmlns:a16="http://schemas.microsoft.com/office/drawing/2014/main" id="{BC807FBC-5FF4-204B-B125-040B782BAF78}"/>
+                    </a:ext>
+                  </a:extLst>
+                </p:cNvPr>
+                <p:cNvSpPr txBox="1">
+                  <a:spLocks noRot="1" noChangeAspect="1" noMove="1" noResize="1" noEditPoints="1" noAdjustHandles="1" noChangeArrowheads="1" noChangeShapeType="1" noTextEdit="1"/>
+                </p:cNvSpPr>
+                <p:nvPr/>
+              </p:nvSpPr>
+              <p:spPr>
+                <a:xfrm>
+                  <a:off x="2243797" y="2693177"/>
+                  <a:ext cx="508601" cy="391646"/>
+                </a:xfrm>
+                <a:prstGeom prst="rect">
+                  <a:avLst/>
+                </a:prstGeom>
+                <a:blipFill>
+                  <a:blip r:embed="rId2"/>
+                  <a:stretch>
+                    <a:fillRect b="-6250"/>
+                  </a:stretch>
+                </a:blipFill>
+              </p:spPr>
+              <p:txBody>
+                <a:bodyPr/>
+                <a:lstStyle/>
+                <a:p>
+                  <a:r>
+                    <a:rPr lang="en-US">
+                      <a:noFill/>
+                    </a:rPr>
+                    <a:t> </a:t>
+                  </a:r>
+                </a:p>
+              </p:txBody>
+            </p:sp>
+          </mc:Fallback>
+        </mc:AlternateContent>
+        <mc:AlternateContent xmlns:mc="http://schemas.openxmlformats.org/markup-compatibility/2006">
+          <mc:Choice xmlns:a14="http://schemas.microsoft.com/office/drawing/2010/main" Requires="a14">
+            <p:sp>
+              <p:nvSpPr>
+                <p:cNvPr id="13" name="TextBox 12">
+                  <a:extLst>
+                    <a:ext uri="{FF2B5EF4-FFF2-40B4-BE49-F238E27FC236}">
+                      <a16:creationId xmlns:a16="http://schemas.microsoft.com/office/drawing/2014/main" id="{12750D00-4442-BA4D-A17B-D7C111257C89}"/>
+                    </a:ext>
+                  </a:extLst>
+                </p:cNvPr>
+                <p:cNvSpPr txBox="1"/>
+                <p:nvPr/>
+              </p:nvSpPr>
+              <p:spPr>
+                <a:xfrm>
+                  <a:off x="3183280" y="2693177"/>
+                  <a:ext cx="769249" cy="391646"/>
+                </a:xfrm>
+                <a:prstGeom prst="rect">
+                  <a:avLst/>
+                </a:prstGeom>
+                <a:noFill/>
+              </p:spPr>
+              <p:txBody>
+                <a:bodyPr wrap="none" rtlCol="0">
+                  <a:spAutoFit/>
+                </a:bodyPr>
+                <a:lstStyle/>
+                <a:p>
+                  <a14:m>
+                    <m:oMathPara xmlns:m="http://schemas.openxmlformats.org/officeDocument/2006/math">
+                      <m:oMathParaPr>
+                        <m:jc m:val="centerGroup"/>
+                      </m:oMathParaPr>
+                      <m:oMath xmlns:m="http://schemas.openxmlformats.org/officeDocument/2006/math">
+                        <m:sSub>
+                          <m:sSubPr>
+                            <m:ctrlPr>
+                              <a:rPr lang="en-US" b="0" i="1" smtClean="0">
+                                <a:latin typeface="Cambria Math" panose="02040503050406030204" pitchFamily="18" charset="0"/>
+                              </a:rPr>
+                            </m:ctrlPr>
+                          </m:sSubPr>
+                          <m:e>
+                            <m:r>
+                              <a:rPr lang="en-US" b="0" i="1" smtClean="0">
+                                <a:latin typeface="Cambria Math" panose="02040503050406030204" pitchFamily="18" charset="0"/>
+                              </a:rPr>
+                              <m:t>𝑃</m:t>
+                            </m:r>
+                          </m:e>
+                          <m:sub>
+                            <m:r>
+                              <a:rPr lang="en-US" b="0" i="1" smtClean="0">
+                                <a:latin typeface="Cambria Math" panose="02040503050406030204" pitchFamily="18" charset="0"/>
+                              </a:rPr>
+                              <m:t>𝑖</m:t>
+                            </m:r>
+                            <m:r>
+                              <a:rPr lang="en-US" b="0" i="1" smtClean="0">
+                                <a:latin typeface="Cambria Math" panose="02040503050406030204" pitchFamily="18" charset="0"/>
+                              </a:rPr>
+                              <m:t>,</m:t>
+                            </m:r>
+                            <m:r>
+                              <a:rPr lang="en-US" b="0" i="1" smtClean="0">
+                                <a:latin typeface="Cambria Math" panose="02040503050406030204" pitchFamily="18" charset="0"/>
+                              </a:rPr>
+                              <m:t>𝑗</m:t>
+                            </m:r>
+                            <m:r>
+                              <a:rPr lang="en-US" b="0" i="1" smtClean="0">
+                                <a:latin typeface="Cambria Math" panose="02040503050406030204" pitchFamily="18" charset="0"/>
+                              </a:rPr>
+                              <m:t>+1</m:t>
+                            </m:r>
+                          </m:sub>
+                        </m:sSub>
+                      </m:oMath>
+                    </m:oMathPara>
+                  </a14:m>
+                  <a:endParaRPr lang="en-US" dirty="0"/>
+                </a:p>
+              </p:txBody>
+            </p:sp>
+          </mc:Choice>
+          <mc:Fallback>
+            <p:sp>
+              <p:nvSpPr>
+                <p:cNvPr id="13" name="TextBox 12">
+                  <a:extLst>
+                    <a:ext uri="{FF2B5EF4-FFF2-40B4-BE49-F238E27FC236}">
+                      <a16:creationId xmlns:a16="http://schemas.microsoft.com/office/drawing/2014/main" id="{12750D00-4442-BA4D-A17B-D7C111257C89}"/>
+                    </a:ext>
+                  </a:extLst>
+                </p:cNvPr>
+                <p:cNvSpPr txBox="1">
+                  <a:spLocks noRot="1" noChangeAspect="1" noMove="1" noResize="1" noEditPoints="1" noAdjustHandles="1" noChangeArrowheads="1" noChangeShapeType="1" noTextEdit="1"/>
+                </p:cNvSpPr>
+                <p:nvPr/>
+              </p:nvSpPr>
+              <p:spPr>
+                <a:xfrm>
+                  <a:off x="3183280" y="2693177"/>
+                  <a:ext cx="769249" cy="391646"/>
+                </a:xfrm>
+                <a:prstGeom prst="rect">
+                  <a:avLst/>
+                </a:prstGeom>
+                <a:blipFill>
+                  <a:blip r:embed="rId3"/>
+                  <a:stretch>
+                    <a:fillRect b="-6250"/>
+                  </a:stretch>
+                </a:blipFill>
+              </p:spPr>
+              <p:txBody>
+                <a:bodyPr/>
+                <a:lstStyle/>
+                <a:p>
+                  <a:r>
+                    <a:rPr lang="en-US">
+                      <a:noFill/>
+                    </a:rPr>
+                    <a:t> </a:t>
+                  </a:r>
+                </a:p>
+              </p:txBody>
+            </p:sp>
+          </mc:Fallback>
+        </mc:AlternateContent>
+        <mc:AlternateContent xmlns:mc="http://schemas.openxmlformats.org/markup-compatibility/2006">
+          <mc:Choice xmlns:a14="http://schemas.microsoft.com/office/drawing/2010/main" Requires="a14">
+            <p:sp>
+              <p:nvSpPr>
+                <p:cNvPr id="14" name="TextBox 13">
+                  <a:extLst>
+                    <a:ext uri="{FF2B5EF4-FFF2-40B4-BE49-F238E27FC236}">
+                      <a16:creationId xmlns:a16="http://schemas.microsoft.com/office/drawing/2014/main" id="{0E176E22-AA84-E147-A242-4825EE2D3F96}"/>
+                    </a:ext>
+                  </a:extLst>
+                </p:cNvPr>
+                <p:cNvSpPr txBox="1"/>
+                <p:nvPr/>
+              </p:nvSpPr>
+              <p:spPr>
+                <a:xfrm>
+                  <a:off x="2113472" y="3773177"/>
+                  <a:ext cx="769249" cy="391646"/>
+                </a:xfrm>
+                <a:prstGeom prst="rect">
+                  <a:avLst/>
+                </a:prstGeom>
+                <a:noFill/>
+              </p:spPr>
+              <p:txBody>
+                <a:bodyPr wrap="none" rtlCol="0">
+                  <a:spAutoFit/>
+                </a:bodyPr>
+                <a:lstStyle/>
+                <a:p>
+                  <a14:m>
+                    <m:oMathPara xmlns:m="http://schemas.openxmlformats.org/officeDocument/2006/math">
+                      <m:oMathParaPr>
+                        <m:jc m:val="centerGroup"/>
+                      </m:oMathParaPr>
+                      <m:oMath xmlns:m="http://schemas.openxmlformats.org/officeDocument/2006/math">
+                        <m:sSub>
+                          <m:sSubPr>
+                            <m:ctrlPr>
+                              <a:rPr lang="en-US" b="0" i="1" smtClean="0">
+                                <a:latin typeface="Cambria Math" panose="02040503050406030204" pitchFamily="18" charset="0"/>
+                              </a:rPr>
+                            </m:ctrlPr>
+                          </m:sSubPr>
+                          <m:e>
+                            <m:r>
+                              <a:rPr lang="en-US" b="0" i="1" smtClean="0">
+                                <a:latin typeface="Cambria Math" panose="02040503050406030204" pitchFamily="18" charset="0"/>
+                              </a:rPr>
+                              <m:t>𝑃</m:t>
+                            </m:r>
+                          </m:e>
+                          <m:sub>
+                            <m:r>
+                              <a:rPr lang="en-US" b="0" i="1" smtClean="0">
+                                <a:latin typeface="Cambria Math" panose="02040503050406030204" pitchFamily="18" charset="0"/>
+                              </a:rPr>
+                              <m:t>𝑖</m:t>
+                            </m:r>
+                            <m:r>
+                              <a:rPr lang="en-US" b="0" i="1" smtClean="0">
+                                <a:latin typeface="Cambria Math" panose="02040503050406030204" pitchFamily="18" charset="0"/>
+                              </a:rPr>
+                              <m:t>+1,</m:t>
+                            </m:r>
+                            <m:r>
+                              <a:rPr lang="en-US" b="0" i="1" smtClean="0">
+                                <a:latin typeface="Cambria Math" panose="02040503050406030204" pitchFamily="18" charset="0"/>
+                              </a:rPr>
+                              <m:t>𝑗</m:t>
+                            </m:r>
+                          </m:sub>
+                        </m:sSub>
+                      </m:oMath>
+                    </m:oMathPara>
+                  </a14:m>
+                  <a:endParaRPr lang="en-US" dirty="0"/>
+                </a:p>
+              </p:txBody>
+            </p:sp>
+          </mc:Choice>
+          <mc:Fallback>
+            <p:sp>
+              <p:nvSpPr>
+                <p:cNvPr id="14" name="TextBox 13">
+                  <a:extLst>
+                    <a:ext uri="{FF2B5EF4-FFF2-40B4-BE49-F238E27FC236}">
+                      <a16:creationId xmlns:a16="http://schemas.microsoft.com/office/drawing/2014/main" id="{0E176E22-AA84-E147-A242-4825EE2D3F96}"/>
+                    </a:ext>
+                  </a:extLst>
+                </p:cNvPr>
+                <p:cNvSpPr txBox="1">
+                  <a:spLocks noRot="1" noChangeAspect="1" noMove="1" noResize="1" noEditPoints="1" noAdjustHandles="1" noChangeArrowheads="1" noChangeShapeType="1" noTextEdit="1"/>
+                </p:cNvSpPr>
+                <p:nvPr/>
+              </p:nvSpPr>
+              <p:spPr>
+                <a:xfrm>
+                  <a:off x="2113472" y="3773177"/>
+                  <a:ext cx="769249" cy="391646"/>
+                </a:xfrm>
+                <a:prstGeom prst="rect">
+                  <a:avLst/>
+                </a:prstGeom>
+                <a:blipFill>
+                  <a:blip r:embed="rId4"/>
+                  <a:stretch>
+                    <a:fillRect b="-6250"/>
+                  </a:stretch>
+                </a:blipFill>
+              </p:spPr>
+              <p:txBody>
+                <a:bodyPr/>
+                <a:lstStyle/>
+                <a:p>
+                  <a:r>
+                    <a:rPr lang="en-US">
+                      <a:noFill/>
+                    </a:rPr>
+                    <a:t> </a:t>
+                  </a:r>
+                </a:p>
+              </p:txBody>
+            </p:sp>
+          </mc:Fallback>
+        </mc:AlternateContent>
+        <mc:AlternateContent xmlns:mc="http://schemas.openxmlformats.org/markup-compatibility/2006">
+          <mc:Choice xmlns:a14="http://schemas.microsoft.com/office/drawing/2010/main" Requires="a14">
+            <p:sp>
+              <p:nvSpPr>
+                <p:cNvPr id="15" name="TextBox 14">
+                  <a:extLst>
+                    <a:ext uri="{FF2B5EF4-FFF2-40B4-BE49-F238E27FC236}">
+                      <a16:creationId xmlns:a16="http://schemas.microsoft.com/office/drawing/2014/main" id="{C2D6C289-5538-1746-8923-E2C46A23F04A}"/>
+                    </a:ext>
+                  </a:extLst>
+                </p:cNvPr>
+                <p:cNvSpPr txBox="1"/>
+                <p:nvPr/>
+              </p:nvSpPr>
+              <p:spPr>
+                <a:xfrm>
+                  <a:off x="3100285" y="3773177"/>
+                  <a:ext cx="988860" cy="391646"/>
+                </a:xfrm>
+                <a:prstGeom prst="rect">
+                  <a:avLst/>
+                </a:prstGeom>
+                <a:noFill/>
+              </p:spPr>
+              <p:txBody>
+                <a:bodyPr wrap="none" rtlCol="0">
+                  <a:spAutoFit/>
+                </a:bodyPr>
+                <a:lstStyle/>
+                <a:p>
+                  <a14:m>
+                    <m:oMathPara xmlns:m="http://schemas.openxmlformats.org/officeDocument/2006/math">
+                      <m:oMathParaPr>
+                        <m:jc m:val="centerGroup"/>
+                      </m:oMathParaPr>
+                      <m:oMath xmlns:m="http://schemas.openxmlformats.org/officeDocument/2006/math">
+                        <m:sSub>
+                          <m:sSubPr>
+                            <m:ctrlPr>
+                              <a:rPr lang="en-US" b="0" i="1" smtClean="0">
+                                <a:latin typeface="Cambria Math" panose="02040503050406030204" pitchFamily="18" charset="0"/>
+                              </a:rPr>
+                            </m:ctrlPr>
+                          </m:sSubPr>
+                          <m:e>
+                            <m:r>
+                              <a:rPr lang="en-US" b="0" i="1" smtClean="0">
+                                <a:latin typeface="Cambria Math" panose="02040503050406030204" pitchFamily="18" charset="0"/>
+                              </a:rPr>
+                              <m:t>𝑃</m:t>
+                            </m:r>
+                          </m:e>
+                          <m:sub>
+                            <m:r>
+                              <a:rPr lang="en-US" b="0" i="1" smtClean="0">
+                                <a:latin typeface="Cambria Math" panose="02040503050406030204" pitchFamily="18" charset="0"/>
+                              </a:rPr>
+                              <m:t>𝑖</m:t>
+                            </m:r>
+                            <m:r>
+                              <a:rPr lang="en-US" b="0" i="1" smtClean="0">
+                                <a:latin typeface="Cambria Math" panose="02040503050406030204" pitchFamily="18" charset="0"/>
+                              </a:rPr>
+                              <m:t>+1,</m:t>
+                            </m:r>
+                            <m:r>
+                              <a:rPr lang="en-US" b="0" i="1" smtClean="0">
+                                <a:latin typeface="Cambria Math" panose="02040503050406030204" pitchFamily="18" charset="0"/>
+                              </a:rPr>
+                              <m:t>𝑗</m:t>
+                            </m:r>
+                            <m:r>
+                              <a:rPr lang="en-US" b="0" i="1" smtClean="0">
+                                <a:latin typeface="Cambria Math" panose="02040503050406030204" pitchFamily="18" charset="0"/>
+                              </a:rPr>
+                              <m:t>+1</m:t>
+                            </m:r>
+                          </m:sub>
+                        </m:sSub>
+                      </m:oMath>
+                    </m:oMathPara>
+                  </a14:m>
+                  <a:endParaRPr lang="en-US" dirty="0"/>
+                </a:p>
+              </p:txBody>
+            </p:sp>
+          </mc:Choice>
+          <mc:Fallback>
+            <p:sp>
+              <p:nvSpPr>
+                <p:cNvPr id="15" name="TextBox 14">
+                  <a:extLst>
+                    <a:ext uri="{FF2B5EF4-FFF2-40B4-BE49-F238E27FC236}">
+                      <a16:creationId xmlns:a16="http://schemas.microsoft.com/office/drawing/2014/main" id="{C2D6C289-5538-1746-8923-E2C46A23F04A}"/>
+                    </a:ext>
+                  </a:extLst>
+                </p:cNvPr>
+                <p:cNvSpPr txBox="1">
+                  <a:spLocks noRot="1" noChangeAspect="1" noMove="1" noResize="1" noEditPoints="1" noAdjustHandles="1" noChangeArrowheads="1" noChangeShapeType="1" noTextEdit="1"/>
+                </p:cNvSpPr>
+                <p:nvPr/>
+              </p:nvSpPr>
+              <p:spPr>
+                <a:xfrm>
+                  <a:off x="3100285" y="3773177"/>
+                  <a:ext cx="988860" cy="391646"/>
+                </a:xfrm>
+                <a:prstGeom prst="rect">
+                  <a:avLst/>
+                </a:prstGeom>
+                <a:blipFill>
+                  <a:blip r:embed="rId5"/>
+                  <a:stretch>
+                    <a:fillRect b="-6250"/>
+                  </a:stretch>
+                </a:blipFill>
+              </p:spPr>
+              <p:txBody>
+                <a:bodyPr/>
+                <a:lstStyle/>
+                <a:p>
+                  <a:r>
+                    <a:rPr lang="en-US">
+                      <a:noFill/>
+                    </a:rPr>
+                    <a:t> </a:t>
+                  </a:r>
+                </a:p>
+              </p:txBody>
+            </p:sp>
+          </mc:Fallback>
+        </mc:AlternateContent>
+        <p:sp>
+          <p:nvSpPr>
+            <p:cNvPr id="17" name="Rectangle 16">
+              <a:extLst>
+                <a:ext uri="{FF2B5EF4-FFF2-40B4-BE49-F238E27FC236}">
+                  <a16:creationId xmlns:a16="http://schemas.microsoft.com/office/drawing/2014/main" id="{18099943-85AD-1243-AC22-AC1A58287CF2}"/>
+                </a:ext>
+              </a:extLst>
+            </p:cNvPr>
+            <p:cNvSpPr>
+              <a:spLocks noChangeAspect="1"/>
+            </p:cNvSpPr>
+            <p:nvPr/>
+          </p:nvSpPr>
+          <p:spPr>
+            <a:xfrm>
+              <a:off x="5610055" y="2349000"/>
+              <a:ext cx="2160000" cy="2160000"/>
+            </a:xfrm>
+            <a:prstGeom prst="rect">
+              <a:avLst/>
+            </a:prstGeom>
+            <a:solidFill>
+              <a:schemeClr val="bg1"/>
+            </a:solidFill>
+            <a:ln w="38100">
+              <a:solidFill>
+                <a:schemeClr val="tx1"/>
+              </a:solidFill>
+            </a:ln>
+          </p:spPr>
+          <p:style>
+            <a:lnRef idx="2">
+              <a:schemeClr val="accent1">
+                <a:shade val="50000"/>
+              </a:schemeClr>
+            </a:lnRef>
+            <a:fillRef idx="1">
+              <a:schemeClr val="accent1"/>
+            </a:fillRef>
+            <a:effectRef idx="0">
+              <a:schemeClr val="accent1"/>
+            </a:effectRef>
+            <a:fontRef idx="minor">
+              <a:schemeClr val="lt1"/>
+            </a:fontRef>
+          </p:style>
+          <p:txBody>
+            <a:bodyPr rtlCol="0" anchor="ctr"/>
+            <a:lstStyle/>
+            <a:p>
+              <a:pPr algn="ctr"/>
+              <a:endParaRPr lang="en-US" dirty="0"/>
+            </a:p>
+          </p:txBody>
+        </p:sp>
+        <mc:AlternateContent xmlns:mc="http://schemas.openxmlformats.org/markup-compatibility/2006">
+          <mc:Choice xmlns:a14="http://schemas.microsoft.com/office/drawing/2010/main" Requires="a14">
+            <p:sp>
+              <p:nvSpPr>
+                <p:cNvPr id="18" name="TextBox 17">
+                  <a:extLst>
+                    <a:ext uri="{FF2B5EF4-FFF2-40B4-BE49-F238E27FC236}">
+                      <a16:creationId xmlns:a16="http://schemas.microsoft.com/office/drawing/2014/main" id="{CED00666-88D6-DE40-96C6-85669985924B}"/>
+                    </a:ext>
+                  </a:extLst>
+                </p:cNvPr>
+                <p:cNvSpPr txBox="1"/>
+                <p:nvPr/>
+              </p:nvSpPr>
+              <p:spPr>
+                <a:xfrm>
+                  <a:off x="5565324" y="3023472"/>
+                  <a:ext cx="2249462" cy="811056"/>
+                </a:xfrm>
+                <a:prstGeom prst="rect">
+                  <a:avLst/>
+                </a:prstGeom>
+                <a:noFill/>
+              </p:spPr>
+              <p:txBody>
+                <a:bodyPr wrap="none" rtlCol="0">
+                  <a:spAutoFit/>
+                </a:bodyPr>
+                <a:lstStyle/>
+                <a:p>
+                  <a14:m>
+                    <m:oMathPara xmlns:m="http://schemas.openxmlformats.org/officeDocument/2006/math">
+                      <m:oMathParaPr>
+                        <m:jc m:val="centerGroup"/>
+                      </m:oMathParaPr>
+                      <m:oMath xmlns:m="http://schemas.openxmlformats.org/officeDocument/2006/math">
+                        <m:sSub>
+                          <m:sSubPr>
+                            <m:ctrlPr>
+                              <a:rPr lang="en-US" sz="1600" b="0" i="1" smtClean="0">
+                                <a:latin typeface="Cambria Math" panose="02040503050406030204" pitchFamily="18" charset="0"/>
+                              </a:rPr>
+                            </m:ctrlPr>
+                          </m:sSubPr>
+                          <m:e>
+                            <m:r>
+                              <a:rPr lang="en-US" sz="1600" b="0" i="1" smtClean="0">
+                                <a:latin typeface="Cambria Math" panose="02040503050406030204" pitchFamily="18" charset="0"/>
+                              </a:rPr>
+                              <m:t>𝑄</m:t>
+                            </m:r>
+                          </m:e>
+                          <m:sub>
+                            <m:r>
+                              <a:rPr lang="en-US" sz="1600" b="0" i="1" smtClean="0">
+                                <a:latin typeface="Cambria Math" panose="02040503050406030204" pitchFamily="18" charset="0"/>
+                              </a:rPr>
+                              <m:t>𝑖𝑗</m:t>
+                            </m:r>
+                          </m:sub>
+                        </m:sSub>
+                        <m:r>
+                          <a:rPr lang="en-US" sz="1600" b="0" i="1" smtClean="0">
+                            <a:latin typeface="Cambria Math" panose="02040503050406030204" pitchFamily="18" charset="0"/>
+                          </a:rPr>
+                          <m:t>=</m:t>
+                        </m:r>
+                        <m:f>
+                          <m:fPr>
+                            <m:ctrlPr>
+                              <a:rPr lang="en-US" sz="1600" b="0" i="1" smtClean="0">
+                                <a:latin typeface="Cambria Math" panose="02040503050406030204" pitchFamily="18" charset="0"/>
+                              </a:rPr>
+                            </m:ctrlPr>
+                          </m:fPr>
+                          <m:num>
+                            <m:r>
+                              <a:rPr lang="en-US" sz="1600" b="0" i="1" smtClean="0">
+                                <a:latin typeface="Cambria Math" panose="02040503050406030204" pitchFamily="18" charset="0"/>
+                              </a:rPr>
+                              <m:t>1</m:t>
+                            </m:r>
+                          </m:num>
+                          <m:den>
+                            <m:r>
+                              <a:rPr lang="en-US" sz="1600" b="0" i="1" smtClean="0">
+                                <a:latin typeface="Cambria Math" panose="02040503050406030204" pitchFamily="18" charset="0"/>
+                              </a:rPr>
+                              <m:t>4</m:t>
+                            </m:r>
+                          </m:den>
+                        </m:f>
+                        <m:nary>
+                          <m:naryPr>
+                            <m:chr m:val="∑"/>
+                            <m:ctrlPr>
+                              <a:rPr lang="en-US" sz="1600" b="0" i="1" smtClean="0">
+                                <a:latin typeface="Cambria Math" panose="02040503050406030204" pitchFamily="18" charset="0"/>
+                              </a:rPr>
+                            </m:ctrlPr>
+                          </m:naryPr>
+                          <m:sub>
+                            <m:r>
+                              <m:rPr>
+                                <m:brk m:alnAt="23"/>
+                              </m:rPr>
+                              <a:rPr lang="en-US" sz="1600" b="0" i="1" smtClean="0">
+                                <a:latin typeface="Cambria Math" panose="02040503050406030204" pitchFamily="18" charset="0"/>
+                              </a:rPr>
+                              <m:t>𝑝</m:t>
+                            </m:r>
+                            <m:r>
+                              <a:rPr lang="en-US" sz="1600" b="0" i="1" smtClean="0">
+                                <a:latin typeface="Cambria Math" panose="02040503050406030204" pitchFamily="18" charset="0"/>
+                              </a:rPr>
+                              <m:t>=0,</m:t>
+                            </m:r>
+                            <m:r>
+                              <a:rPr lang="en-US" sz="1600" b="0" i="1" smtClean="0">
+                                <a:latin typeface="Cambria Math" panose="02040503050406030204" pitchFamily="18" charset="0"/>
+                              </a:rPr>
+                              <m:t>𝑞</m:t>
+                            </m:r>
+                            <m:r>
+                              <a:rPr lang="en-US" sz="1600" b="0" i="1" smtClean="0">
+                                <a:latin typeface="Cambria Math" panose="02040503050406030204" pitchFamily="18" charset="0"/>
+                              </a:rPr>
+                              <m:t>=0</m:t>
+                            </m:r>
+                          </m:sub>
+                          <m:sup>
+                            <m:r>
+                              <a:rPr lang="en-US" sz="1600" b="0" i="1" smtClean="0">
+                                <a:latin typeface="Cambria Math" panose="02040503050406030204" pitchFamily="18" charset="0"/>
+                              </a:rPr>
+                              <m:t>1</m:t>
+                            </m:r>
+                          </m:sup>
+                          <m:e>
+                            <m:sSub>
+                              <m:sSubPr>
+                                <m:ctrlPr>
+                                  <a:rPr lang="en-US" sz="1600" b="0" i="1" smtClean="0">
+                                    <a:latin typeface="Cambria Math" panose="02040503050406030204" pitchFamily="18" charset="0"/>
+                                  </a:rPr>
+                                </m:ctrlPr>
+                              </m:sSubPr>
+                              <m:e>
+                                <m:r>
+                                  <a:rPr lang="en-US" sz="1600" b="0" i="1" smtClean="0">
+                                    <a:latin typeface="Cambria Math" panose="02040503050406030204" pitchFamily="18" charset="0"/>
+                                  </a:rPr>
+                                  <m:t>𝑃</m:t>
+                                </m:r>
+                              </m:e>
+                              <m:sub>
+                                <m:r>
+                                  <a:rPr lang="en-US" sz="1600" b="0" i="1" smtClean="0">
+                                    <a:latin typeface="Cambria Math" panose="02040503050406030204" pitchFamily="18" charset="0"/>
+                                  </a:rPr>
+                                  <m:t>𝑖</m:t>
+                                </m:r>
+                                <m:r>
+                                  <a:rPr lang="en-US" sz="1600" b="0" i="1" smtClean="0">
+                                    <a:latin typeface="Cambria Math" panose="02040503050406030204" pitchFamily="18" charset="0"/>
+                                  </a:rPr>
+                                  <m:t>+</m:t>
+                                </m:r>
+                                <m:r>
+                                  <a:rPr lang="en-US" sz="1600" b="0" i="1" smtClean="0">
+                                    <a:latin typeface="Cambria Math" panose="02040503050406030204" pitchFamily="18" charset="0"/>
+                                  </a:rPr>
+                                  <m:t>𝑝</m:t>
+                                </m:r>
+                                <m:r>
+                                  <a:rPr lang="en-US" sz="1600" b="0" i="1" smtClean="0">
+                                    <a:latin typeface="Cambria Math" panose="02040503050406030204" pitchFamily="18" charset="0"/>
+                                  </a:rPr>
+                                  <m:t>,</m:t>
+                                </m:r>
+                                <m:r>
+                                  <a:rPr lang="en-US" sz="1600" b="0" i="1" smtClean="0">
+                                    <a:latin typeface="Cambria Math" panose="02040503050406030204" pitchFamily="18" charset="0"/>
+                                  </a:rPr>
+                                  <m:t>𝑗</m:t>
+                                </m:r>
+                                <m:r>
+                                  <a:rPr lang="en-US" sz="1600" b="0" i="1" smtClean="0">
+                                    <a:latin typeface="Cambria Math" panose="02040503050406030204" pitchFamily="18" charset="0"/>
+                                  </a:rPr>
+                                  <m:t>+</m:t>
+                                </m:r>
+                                <m:r>
+                                  <a:rPr lang="en-US" sz="1600" b="0" i="1" smtClean="0">
+                                    <a:latin typeface="Cambria Math" panose="02040503050406030204" pitchFamily="18" charset="0"/>
+                                  </a:rPr>
+                                  <m:t>𝑞</m:t>
+                                </m:r>
+                              </m:sub>
+                            </m:sSub>
+                          </m:e>
+                        </m:nary>
+                      </m:oMath>
+                    </m:oMathPara>
+                  </a14:m>
+                  <a:endParaRPr lang="en-US" dirty="0"/>
+                </a:p>
+              </p:txBody>
+            </p:sp>
+          </mc:Choice>
+          <mc:Fallback>
+            <p:sp>
+              <p:nvSpPr>
+                <p:cNvPr id="18" name="TextBox 17">
+                  <a:extLst>
+                    <a:ext uri="{FF2B5EF4-FFF2-40B4-BE49-F238E27FC236}">
+                      <a16:creationId xmlns:a16="http://schemas.microsoft.com/office/drawing/2014/main" id="{CED00666-88D6-DE40-96C6-85669985924B}"/>
+                    </a:ext>
+                  </a:extLst>
+                </p:cNvPr>
+                <p:cNvSpPr txBox="1">
+                  <a:spLocks noRot="1" noChangeAspect="1" noMove="1" noResize="1" noEditPoints="1" noAdjustHandles="1" noChangeArrowheads="1" noChangeShapeType="1" noTextEdit="1"/>
+                </p:cNvSpPr>
+                <p:nvPr/>
+              </p:nvSpPr>
+              <p:spPr>
+                <a:xfrm>
+                  <a:off x="5565324" y="3023472"/>
+                  <a:ext cx="2249462" cy="811056"/>
+                </a:xfrm>
+                <a:prstGeom prst="rect">
+                  <a:avLst/>
+                </a:prstGeom>
+                <a:blipFill>
+                  <a:blip r:embed="rId6"/>
+                  <a:stretch>
+                    <a:fillRect t="-92308" b="-143077"/>
+                  </a:stretch>
+                </a:blipFill>
+              </p:spPr>
+              <p:txBody>
+                <a:bodyPr/>
+                <a:lstStyle/>
+                <a:p>
+                  <a:r>
+                    <a:rPr lang="en-US">
+                      <a:noFill/>
+                    </a:rPr>
+                    <a:t> </a:t>
+                  </a:r>
+                </a:p>
+              </p:txBody>
+            </p:sp>
+          </mc:Fallback>
+        </mc:AlternateContent>
+        <p:sp>
+          <p:nvSpPr>
+            <p:cNvPr id="19" name="Right Arrow 18">
+              <a:extLst>
+                <a:ext uri="{FF2B5EF4-FFF2-40B4-BE49-F238E27FC236}">
+                  <a16:creationId xmlns:a16="http://schemas.microsoft.com/office/drawing/2014/main" id="{1BA5D7B3-B8AE-164C-ADE7-69E4E6F2D384}"/>
+                </a:ext>
+              </a:extLst>
+            </p:cNvPr>
+            <p:cNvSpPr/>
+            <p:nvPr/>
+          </p:nvSpPr>
+          <p:spPr>
+            <a:xfrm>
+              <a:off x="4351221" y="3242181"/>
+              <a:ext cx="1042327" cy="373637"/>
+            </a:xfrm>
+            <a:prstGeom prst="rightArrow">
+              <a:avLst/>
+            </a:prstGeom>
+          </p:spPr>
+          <p:style>
+            <a:lnRef idx="2">
+              <a:schemeClr val="dk1">
+                <a:shade val="50000"/>
+              </a:schemeClr>
+            </a:lnRef>
+            <a:fillRef idx="1">
+              <a:schemeClr val="dk1"/>
+            </a:fillRef>
+            <a:effectRef idx="0">
+              <a:schemeClr val="dk1"/>
+            </a:effectRef>
+            <a:fontRef idx="minor">
+              <a:schemeClr val="lt1"/>
+            </a:fontRef>
+          </p:style>
+          <p:txBody>
+            <a:bodyPr rtlCol="0" anchor="ctr"/>
+            <a:lstStyle/>
+            <a:p>
+              <a:pPr algn="ctr"/>
+              <a:endParaRPr lang="en-US"/>
+            </a:p>
+          </p:txBody>
+        </p:sp>
+      </p:grpSp>
+    </p:spTree>
+    <p:extLst>
+      <p:ext uri="{BB962C8B-B14F-4D97-AF65-F5344CB8AC3E}">
+        <p14:creationId xmlns:p14="http://schemas.microsoft.com/office/powerpoint/2010/main" val="4043088883"/>
+      </p:ext>
+    </p:extLst>
+  </p:cSld>
+  <p:clrMapOvr>
+    <a:masterClrMapping/>
+  </p:clrMapOvr>
+</p:sld>
+</file>
+
 <file path=ppt/theme/theme1.xml><?xml version="1.0" encoding="utf-8"?>
 <a:theme xmlns:a="http://schemas.openxmlformats.org/drawingml/2006/main" name="Office Theme">
   <a:themeElements>

--- a/ppt/model.pptx
+++ b/ppt/model.pptx
@@ -14,6 +14,7 @@
     <p:sldId id="258" r:id="rId8"/>
     <p:sldId id="263" r:id="rId9"/>
     <p:sldId id="264" r:id="rId10"/>
+    <p:sldId id="265" r:id="rId11"/>
   </p:sldIdLst>
   <p:sldSz cx="12192000" cy="6858000"/>
   <p:notesSz cx="6858000" cy="9144000"/>
@@ -267,7 +268,7 @@
           <a:p>
             <a:fld id="{B693C3EB-EA82-9E49-8596-037EAF50450A}" type="datetimeFigureOut">
               <a:rPr lang="en-US" smtClean="0"/>
-              <a:t>2/11/19</a:t>
+              <a:t>2/14/19</a:t>
             </a:fld>
             <a:endParaRPr lang="en-US"/>
           </a:p>
@@ -465,7 +466,7 @@
           <a:p>
             <a:fld id="{B693C3EB-EA82-9E49-8596-037EAF50450A}" type="datetimeFigureOut">
               <a:rPr lang="en-US" smtClean="0"/>
-              <a:t>2/11/19</a:t>
+              <a:t>2/14/19</a:t>
             </a:fld>
             <a:endParaRPr lang="en-US"/>
           </a:p>
@@ -673,7 +674,7 @@
           <a:p>
             <a:fld id="{B693C3EB-EA82-9E49-8596-037EAF50450A}" type="datetimeFigureOut">
               <a:rPr lang="en-US" smtClean="0"/>
-              <a:t>2/11/19</a:t>
+              <a:t>2/14/19</a:t>
             </a:fld>
             <a:endParaRPr lang="en-US"/>
           </a:p>
@@ -871,7 +872,7 @@
           <a:p>
             <a:fld id="{B693C3EB-EA82-9E49-8596-037EAF50450A}" type="datetimeFigureOut">
               <a:rPr lang="en-US" smtClean="0"/>
-              <a:t>2/11/19</a:t>
+              <a:t>2/14/19</a:t>
             </a:fld>
             <a:endParaRPr lang="en-US"/>
           </a:p>
@@ -1146,7 +1147,7 @@
           <a:p>
             <a:fld id="{B693C3EB-EA82-9E49-8596-037EAF50450A}" type="datetimeFigureOut">
               <a:rPr lang="en-US" smtClean="0"/>
-              <a:t>2/11/19</a:t>
+              <a:t>2/14/19</a:t>
             </a:fld>
             <a:endParaRPr lang="en-US"/>
           </a:p>
@@ -1411,7 +1412,7 @@
           <a:p>
             <a:fld id="{B693C3EB-EA82-9E49-8596-037EAF50450A}" type="datetimeFigureOut">
               <a:rPr lang="en-US" smtClean="0"/>
-              <a:t>2/11/19</a:t>
+              <a:t>2/14/19</a:t>
             </a:fld>
             <a:endParaRPr lang="en-US"/>
           </a:p>
@@ -1823,7 +1824,7 @@
           <a:p>
             <a:fld id="{B693C3EB-EA82-9E49-8596-037EAF50450A}" type="datetimeFigureOut">
               <a:rPr lang="en-US" smtClean="0"/>
-              <a:t>2/11/19</a:t>
+              <a:t>2/14/19</a:t>
             </a:fld>
             <a:endParaRPr lang="en-US"/>
           </a:p>
@@ -1964,7 +1965,7 @@
           <a:p>
             <a:fld id="{B693C3EB-EA82-9E49-8596-037EAF50450A}" type="datetimeFigureOut">
               <a:rPr lang="en-US" smtClean="0"/>
-              <a:t>2/11/19</a:t>
+              <a:t>2/14/19</a:t>
             </a:fld>
             <a:endParaRPr lang="en-US"/>
           </a:p>
@@ -2077,7 +2078,7 @@
           <a:p>
             <a:fld id="{B693C3EB-EA82-9E49-8596-037EAF50450A}" type="datetimeFigureOut">
               <a:rPr lang="en-US" smtClean="0"/>
-              <a:t>2/11/19</a:t>
+              <a:t>2/14/19</a:t>
             </a:fld>
             <a:endParaRPr lang="en-US"/>
           </a:p>
@@ -2388,7 +2389,7 @@
           <a:p>
             <a:fld id="{B693C3EB-EA82-9E49-8596-037EAF50450A}" type="datetimeFigureOut">
               <a:rPr lang="en-US" smtClean="0"/>
-              <a:t>2/11/19</a:t>
+              <a:t>2/14/19</a:t>
             </a:fld>
             <a:endParaRPr lang="en-US"/>
           </a:p>
@@ -2676,7 +2677,7 @@
           <a:p>
             <a:fld id="{B693C3EB-EA82-9E49-8596-037EAF50450A}" type="datetimeFigureOut">
               <a:rPr lang="en-US" smtClean="0"/>
-              <a:t>2/11/19</a:t>
+              <a:t>2/14/19</a:t>
             </a:fld>
             <a:endParaRPr lang="en-US"/>
           </a:p>
@@ -2917,7 +2918,7 @@
           <a:p>
             <a:fld id="{B693C3EB-EA82-9E49-8596-037EAF50450A}" type="datetimeFigureOut">
               <a:rPr lang="en-US" smtClean="0"/>
-              <a:t>2/11/19</a:t>
+              <a:t>2/14/19</a:t>
             </a:fld>
             <a:endParaRPr lang="en-US"/>
           </a:p>
@@ -3392,6 +3393,36 @@
     <p:extLst>
       <p:ext uri="{BB962C8B-B14F-4D97-AF65-F5344CB8AC3E}">
         <p14:creationId xmlns:p14="http://schemas.microsoft.com/office/powerpoint/2010/main" val="2962945596"/>
+      </p:ext>
+    </p:extLst>
+  </p:cSld>
+  <p:clrMapOvr>
+    <a:masterClrMapping/>
+  </p:clrMapOvr>
+</p:sld>
+</file>
+
+<file path=ppt/slides/slide10.xml><?xml version="1.0" encoding="utf-8"?>
+<p:sld xmlns:a="http://schemas.openxmlformats.org/drawingml/2006/main" xmlns:r="http://schemas.openxmlformats.org/officeDocument/2006/relationships" xmlns:p="http://schemas.openxmlformats.org/presentationml/2006/main">
+  <p:cSld>
+    <p:spTree>
+      <p:nvGrpSpPr>
+        <p:cNvPr id="1" name=""/>
+        <p:cNvGrpSpPr/>
+        <p:nvPr/>
+      </p:nvGrpSpPr>
+      <p:grpSpPr>
+        <a:xfrm>
+          <a:off x="0" y="0"/>
+          <a:ext cx="0" cy="0"/>
+          <a:chOff x="0" y="0"/>
+          <a:chExt cx="0" cy="0"/>
+        </a:xfrm>
+      </p:grpSpPr>
+    </p:spTree>
+    <p:extLst>
+      <p:ext uri="{BB962C8B-B14F-4D97-AF65-F5344CB8AC3E}">
+        <p14:creationId xmlns:p14="http://schemas.microsoft.com/office/powerpoint/2010/main" val="3708791647"/>
       </p:ext>
     </p:extLst>
   </p:cSld>
@@ -9179,8 +9210,8 @@
           </p:cxnSp>
         </p:grpSp>
       </p:grpSp>
-      <mc:AlternateContent xmlns:mc="http://schemas.openxmlformats.org/markup-compatibility/2006">
-        <mc:Choice xmlns:a14="http://schemas.microsoft.com/office/drawing/2010/main" Requires="a14">
+      <mc:AlternateContent xmlns:mc="http://schemas.openxmlformats.org/markup-compatibility/2006" xmlns:a14="http://schemas.microsoft.com/office/drawing/2010/main">
+        <mc:Choice Requires="a14">
           <p:sp>
             <p:nvSpPr>
               <p:cNvPr id="21" name="TextBox 20">
@@ -9209,6 +9240,7 @@
               </a:bodyPr>
               <a:lstStyle/>
               <a:p>
+                <a:pPr/>
                 <a14:m>
                   <m:oMathPara xmlns:m="http://schemas.openxmlformats.org/officeDocument/2006/math">
                     <m:oMathParaPr>
@@ -9248,7 +9280,7 @@
             </p:txBody>
           </p:sp>
         </mc:Choice>
-        <mc:Fallback>
+        <mc:Fallback xmlns="">
           <p:sp>
             <p:nvSpPr>
               <p:cNvPr id="21" name="TextBox 20">
@@ -9293,8 +9325,8 @@
           </p:sp>
         </mc:Fallback>
       </mc:AlternateContent>
-      <mc:AlternateContent xmlns:mc="http://schemas.openxmlformats.org/markup-compatibility/2006">
-        <mc:Choice xmlns:a14="http://schemas.microsoft.com/office/drawing/2010/main" Requires="a14">
+      <mc:AlternateContent xmlns:mc="http://schemas.openxmlformats.org/markup-compatibility/2006" xmlns:a14="http://schemas.microsoft.com/office/drawing/2010/main">
+        <mc:Choice Requires="a14">
           <p:sp>
             <p:nvSpPr>
               <p:cNvPr id="22" name="TextBox 21">
@@ -9323,6 +9355,7 @@
               </a:bodyPr>
               <a:lstStyle/>
               <a:p>
+                <a:pPr/>
                 <a14:m>
                   <m:oMathPara xmlns:m="http://schemas.openxmlformats.org/officeDocument/2006/math">
                     <m:oMathParaPr>
@@ -9362,7 +9395,7 @@
             </p:txBody>
           </p:sp>
         </mc:Choice>
-        <mc:Fallback>
+        <mc:Fallback xmlns="">
           <p:sp>
             <p:nvSpPr>
               <p:cNvPr id="22" name="TextBox 21">
@@ -9407,8 +9440,8 @@
           </p:sp>
         </mc:Fallback>
       </mc:AlternateContent>
-      <mc:AlternateContent xmlns:mc="http://schemas.openxmlformats.org/markup-compatibility/2006">
-        <mc:Choice xmlns:a14="http://schemas.microsoft.com/office/drawing/2010/main" Requires="a14">
+      <mc:AlternateContent xmlns:mc="http://schemas.openxmlformats.org/markup-compatibility/2006" xmlns:a14="http://schemas.microsoft.com/office/drawing/2010/main">
+        <mc:Choice Requires="a14">
           <p:sp>
             <p:nvSpPr>
               <p:cNvPr id="23" name="TextBox 22">
@@ -9437,6 +9470,7 @@
               </a:bodyPr>
               <a:lstStyle/>
               <a:p>
+                <a:pPr/>
                 <a14:m>
                   <m:oMathPara xmlns:m="http://schemas.openxmlformats.org/officeDocument/2006/math">
                     <m:oMathParaPr>
@@ -9476,7 +9510,7 @@
             </p:txBody>
           </p:sp>
         </mc:Choice>
-        <mc:Fallback>
+        <mc:Fallback xmlns="">
           <p:sp>
             <p:nvSpPr>
               <p:cNvPr id="23" name="TextBox 22">
@@ -9521,8 +9555,8 @@
           </p:sp>
         </mc:Fallback>
       </mc:AlternateContent>
-      <mc:AlternateContent xmlns:mc="http://schemas.openxmlformats.org/markup-compatibility/2006">
-        <mc:Choice xmlns:a14="http://schemas.microsoft.com/office/drawing/2010/main" Requires="a14">
+      <mc:AlternateContent xmlns:mc="http://schemas.openxmlformats.org/markup-compatibility/2006" xmlns:a14="http://schemas.microsoft.com/office/drawing/2010/main">
+        <mc:Choice Requires="a14">
           <p:sp>
             <p:nvSpPr>
               <p:cNvPr id="24" name="TextBox 23">
@@ -9551,6 +9585,7 @@
               </a:bodyPr>
               <a:lstStyle/>
               <a:p>
+                <a:pPr/>
                 <a14:m>
                   <m:oMathPara xmlns:m="http://schemas.openxmlformats.org/officeDocument/2006/math">
                     <m:oMathParaPr>
@@ -9590,7 +9625,7 @@
             </p:txBody>
           </p:sp>
         </mc:Choice>
-        <mc:Fallback>
+        <mc:Fallback xmlns="">
           <p:sp>
             <p:nvSpPr>
               <p:cNvPr id="24" name="TextBox 23">
@@ -9635,8 +9670,8 @@
           </p:sp>
         </mc:Fallback>
       </mc:AlternateContent>
-      <mc:AlternateContent xmlns:mc="http://schemas.openxmlformats.org/markup-compatibility/2006">
-        <mc:Choice xmlns:a14="http://schemas.microsoft.com/office/drawing/2010/main" Requires="a14">
+      <mc:AlternateContent xmlns:mc="http://schemas.openxmlformats.org/markup-compatibility/2006" xmlns:a14="http://schemas.microsoft.com/office/drawing/2010/main">
+        <mc:Choice Requires="a14">
           <p:sp>
             <p:nvSpPr>
               <p:cNvPr id="25" name="TextBox 24">
@@ -9665,6 +9700,7 @@
               </a:bodyPr>
               <a:lstStyle/>
               <a:p>
+                <a:pPr/>
                 <a14:m>
                   <m:oMathPara xmlns:m="http://schemas.openxmlformats.org/officeDocument/2006/math">
                     <m:oMathParaPr>
@@ -9704,7 +9740,7 @@
             </p:txBody>
           </p:sp>
         </mc:Choice>
-        <mc:Fallback>
+        <mc:Fallback xmlns="">
           <p:sp>
             <p:nvSpPr>
               <p:cNvPr id="25" name="TextBox 24">
@@ -9749,8 +9785,8 @@
           </p:sp>
         </mc:Fallback>
       </mc:AlternateContent>
-      <mc:AlternateContent xmlns:mc="http://schemas.openxmlformats.org/markup-compatibility/2006">
-        <mc:Choice xmlns:a14="http://schemas.microsoft.com/office/drawing/2010/main" Requires="a14">
+      <mc:AlternateContent xmlns:mc="http://schemas.openxmlformats.org/markup-compatibility/2006" xmlns:a14="http://schemas.microsoft.com/office/drawing/2010/main">
+        <mc:Choice Requires="a14">
           <p:sp>
             <p:nvSpPr>
               <p:cNvPr id="29" name="TextBox 28">
@@ -9779,6 +9815,7 @@
               </a:bodyPr>
               <a:lstStyle/>
               <a:p>
+                <a:pPr/>
                 <a14:m>
                   <m:oMathPara xmlns:m="http://schemas.openxmlformats.org/officeDocument/2006/math">
                     <m:oMathParaPr>
@@ -9818,7 +9855,7 @@
             </p:txBody>
           </p:sp>
         </mc:Choice>
-        <mc:Fallback>
+        <mc:Fallback xmlns="">
           <p:sp>
             <p:nvSpPr>
               <p:cNvPr id="29" name="TextBox 28">
@@ -9863,8 +9900,8 @@
           </p:sp>
         </mc:Fallback>
       </mc:AlternateContent>
-      <mc:AlternateContent xmlns:mc="http://schemas.openxmlformats.org/markup-compatibility/2006">
-        <mc:Choice xmlns:a14="http://schemas.microsoft.com/office/drawing/2010/main" Requires="a14">
+      <mc:AlternateContent xmlns:mc="http://schemas.openxmlformats.org/markup-compatibility/2006" xmlns:a14="http://schemas.microsoft.com/office/drawing/2010/main">
+        <mc:Choice Requires="a14">
           <p:sp>
             <p:nvSpPr>
               <p:cNvPr id="33" name="TextBox 32">
@@ -9893,6 +9930,7 @@
               </a:bodyPr>
               <a:lstStyle/>
               <a:p>
+                <a:pPr/>
                 <a14:m>
                   <m:oMathPara xmlns:m="http://schemas.openxmlformats.org/officeDocument/2006/math">
                     <m:oMathParaPr>
@@ -9932,7 +9970,7 @@
             </p:txBody>
           </p:sp>
         </mc:Choice>
-        <mc:Fallback>
+        <mc:Fallback xmlns="">
           <p:sp>
             <p:nvSpPr>
               <p:cNvPr id="33" name="TextBox 32">
@@ -9977,8 +10015,8 @@
           </p:sp>
         </mc:Fallback>
       </mc:AlternateContent>
-      <mc:AlternateContent xmlns:mc="http://schemas.openxmlformats.org/markup-compatibility/2006">
-        <mc:Choice xmlns:a14="http://schemas.microsoft.com/office/drawing/2010/main" Requires="a14">
+      <mc:AlternateContent xmlns:mc="http://schemas.openxmlformats.org/markup-compatibility/2006" xmlns:a14="http://schemas.microsoft.com/office/drawing/2010/main">
+        <mc:Choice Requires="a14">
           <p:sp>
             <p:nvSpPr>
               <p:cNvPr id="36" name="TextBox 35">
@@ -10007,6 +10045,7 @@
               </a:bodyPr>
               <a:lstStyle/>
               <a:p>
+                <a:pPr/>
                 <a14:m>
                   <m:oMathPara xmlns:m="http://schemas.openxmlformats.org/officeDocument/2006/math">
                     <m:oMathParaPr>
@@ -10046,7 +10085,7 @@
             </p:txBody>
           </p:sp>
         </mc:Choice>
-        <mc:Fallback>
+        <mc:Fallback xmlns="">
           <p:sp>
             <p:nvSpPr>
               <p:cNvPr id="36" name="TextBox 35">
@@ -10091,8 +10130,8 @@
           </p:sp>
         </mc:Fallback>
       </mc:AlternateContent>
-      <mc:AlternateContent xmlns:mc="http://schemas.openxmlformats.org/markup-compatibility/2006">
-        <mc:Choice xmlns:a14="http://schemas.microsoft.com/office/drawing/2010/main" Requires="a14">
+      <mc:AlternateContent xmlns:mc="http://schemas.openxmlformats.org/markup-compatibility/2006" xmlns:a14="http://schemas.microsoft.com/office/drawing/2010/main">
+        <mc:Choice Requires="a14">
           <p:sp>
             <p:nvSpPr>
               <p:cNvPr id="41" name="TextBox 40">
@@ -10121,6 +10160,7 @@
               </a:bodyPr>
               <a:lstStyle/>
               <a:p>
+                <a:pPr/>
                 <a14:m>
                   <m:oMathPara xmlns:m="http://schemas.openxmlformats.org/officeDocument/2006/math">
                     <m:oMathParaPr>
@@ -10160,7 +10200,7 @@
             </p:txBody>
           </p:sp>
         </mc:Choice>
-        <mc:Fallback>
+        <mc:Fallback xmlns="">
           <p:sp>
             <p:nvSpPr>
               <p:cNvPr id="41" name="TextBox 40">
@@ -10205,8 +10245,8 @@
           </p:sp>
         </mc:Fallback>
       </mc:AlternateContent>
-      <mc:AlternateContent xmlns:mc="http://schemas.openxmlformats.org/markup-compatibility/2006">
-        <mc:Choice xmlns:a14="http://schemas.microsoft.com/office/drawing/2010/main" Requires="a14">
+      <mc:AlternateContent xmlns:mc="http://schemas.openxmlformats.org/markup-compatibility/2006" xmlns:a14="http://schemas.microsoft.com/office/drawing/2010/main">
+        <mc:Choice Requires="a14">
           <p:sp>
             <p:nvSpPr>
               <p:cNvPr id="42" name="TextBox 41">
@@ -10235,6 +10275,7 @@
               </a:bodyPr>
               <a:lstStyle/>
               <a:p>
+                <a:pPr/>
                 <a14:m>
                   <m:oMathPara xmlns:m="http://schemas.openxmlformats.org/officeDocument/2006/math">
                     <m:oMathParaPr>
@@ -10274,7 +10315,7 @@
             </p:txBody>
           </p:sp>
         </mc:Choice>
-        <mc:Fallback>
+        <mc:Fallback xmlns="">
           <p:sp>
             <p:nvSpPr>
               <p:cNvPr id="42" name="TextBox 41">
@@ -10319,8 +10360,8 @@
           </p:sp>
         </mc:Fallback>
       </mc:AlternateContent>
-      <mc:AlternateContent xmlns:mc="http://schemas.openxmlformats.org/markup-compatibility/2006">
-        <mc:Choice xmlns:a14="http://schemas.microsoft.com/office/drawing/2010/main" Requires="a14">
+      <mc:AlternateContent xmlns:mc="http://schemas.openxmlformats.org/markup-compatibility/2006" xmlns:a14="http://schemas.microsoft.com/office/drawing/2010/main">
+        <mc:Choice Requires="a14">
           <p:sp>
             <p:nvSpPr>
               <p:cNvPr id="43" name="TextBox 42">
@@ -10349,6 +10390,7 @@
               </a:bodyPr>
               <a:lstStyle/>
               <a:p>
+                <a:pPr/>
                 <a14:m>
                   <m:oMathPara xmlns:m="http://schemas.openxmlformats.org/officeDocument/2006/math">
                     <m:oMathParaPr>
@@ -10388,7 +10430,7 @@
             </p:txBody>
           </p:sp>
         </mc:Choice>
-        <mc:Fallback>
+        <mc:Fallback xmlns="">
           <p:sp>
             <p:nvSpPr>
               <p:cNvPr id="43" name="TextBox 42">
@@ -10433,8 +10475,8 @@
           </p:sp>
         </mc:Fallback>
       </mc:AlternateContent>
-      <mc:AlternateContent xmlns:mc="http://schemas.openxmlformats.org/markup-compatibility/2006">
-        <mc:Choice xmlns:a14="http://schemas.microsoft.com/office/drawing/2010/main" Requires="a14">
+      <mc:AlternateContent xmlns:mc="http://schemas.openxmlformats.org/markup-compatibility/2006" xmlns:a14="http://schemas.microsoft.com/office/drawing/2010/main">
+        <mc:Choice Requires="a14">
           <p:sp>
             <p:nvSpPr>
               <p:cNvPr id="44" name="TextBox 43">
@@ -10463,6 +10505,7 @@
               </a:bodyPr>
               <a:lstStyle/>
               <a:p>
+                <a:pPr/>
                 <a14:m>
                   <m:oMathPara xmlns:m="http://schemas.openxmlformats.org/officeDocument/2006/math">
                     <m:oMathParaPr>
@@ -10502,7 +10545,7 @@
             </p:txBody>
           </p:sp>
         </mc:Choice>
-        <mc:Fallback>
+        <mc:Fallback xmlns="">
           <p:sp>
             <p:nvSpPr>
               <p:cNvPr id="44" name="TextBox 43">
@@ -10547,8 +10590,8 @@
           </p:sp>
         </mc:Fallback>
       </mc:AlternateContent>
-      <mc:AlternateContent xmlns:mc="http://schemas.openxmlformats.org/markup-compatibility/2006">
-        <mc:Choice xmlns:a14="http://schemas.microsoft.com/office/drawing/2010/main" Requires="a14">
+      <mc:AlternateContent xmlns:mc="http://schemas.openxmlformats.org/markup-compatibility/2006" xmlns:a14="http://schemas.microsoft.com/office/drawing/2010/main">
+        <mc:Choice Requires="a14">
           <p:sp>
             <p:nvSpPr>
               <p:cNvPr id="45" name="TextBox 44">
@@ -10577,6 +10620,7 @@
               </a:bodyPr>
               <a:lstStyle/>
               <a:p>
+                <a:pPr/>
                 <a14:m>
                   <m:oMathPara xmlns:m="http://schemas.openxmlformats.org/officeDocument/2006/math">
                     <m:oMathParaPr>
@@ -10616,7 +10660,7 @@
             </p:txBody>
           </p:sp>
         </mc:Choice>
-        <mc:Fallback>
+        <mc:Fallback xmlns="">
           <p:sp>
             <p:nvSpPr>
               <p:cNvPr id="45" name="TextBox 44">
@@ -10661,8 +10705,8 @@
           </p:sp>
         </mc:Fallback>
       </mc:AlternateContent>
-      <mc:AlternateContent xmlns:mc="http://schemas.openxmlformats.org/markup-compatibility/2006">
-        <mc:Choice xmlns:a14="http://schemas.microsoft.com/office/drawing/2010/main" Requires="a14">
+      <mc:AlternateContent xmlns:mc="http://schemas.openxmlformats.org/markup-compatibility/2006" xmlns:a14="http://schemas.microsoft.com/office/drawing/2010/main">
+        <mc:Choice Requires="a14">
           <p:sp>
             <p:nvSpPr>
               <p:cNvPr id="46" name="TextBox 45">
@@ -10691,6 +10735,7 @@
               </a:bodyPr>
               <a:lstStyle/>
               <a:p>
+                <a:pPr/>
                 <a14:m>
                   <m:oMathPara xmlns:m="http://schemas.openxmlformats.org/officeDocument/2006/math">
                     <m:oMathParaPr>
@@ -10730,7 +10775,7 @@
             </p:txBody>
           </p:sp>
         </mc:Choice>
-        <mc:Fallback>
+        <mc:Fallback xmlns="">
           <p:sp>
             <p:nvSpPr>
               <p:cNvPr id="46" name="TextBox 45">
@@ -10775,8 +10820,8 @@
           </p:sp>
         </mc:Fallback>
       </mc:AlternateContent>
-      <mc:AlternateContent xmlns:mc="http://schemas.openxmlformats.org/markup-compatibility/2006">
-        <mc:Choice xmlns:a14="http://schemas.microsoft.com/office/drawing/2010/main" Requires="a14">
+      <mc:AlternateContent xmlns:mc="http://schemas.openxmlformats.org/markup-compatibility/2006" xmlns:a14="http://schemas.microsoft.com/office/drawing/2010/main">
+        <mc:Choice Requires="a14">
           <p:sp>
             <p:nvSpPr>
               <p:cNvPr id="48" name="TextBox 47">
@@ -10805,6 +10850,7 @@
               </a:bodyPr>
               <a:lstStyle/>
               <a:p>
+                <a:pPr/>
                 <a14:m>
                   <m:oMathPara xmlns:m="http://schemas.openxmlformats.org/officeDocument/2006/math">
                     <m:oMathParaPr>
@@ -10825,7 +10871,7 @@
             </p:txBody>
           </p:sp>
         </mc:Choice>
-        <mc:Fallback>
+        <mc:Fallback xmlns="">
           <p:sp>
             <p:nvSpPr>
               <p:cNvPr id="48" name="TextBox 47">
@@ -10870,8 +10916,8 @@
           </p:sp>
         </mc:Fallback>
       </mc:AlternateContent>
-      <mc:AlternateContent xmlns:mc="http://schemas.openxmlformats.org/markup-compatibility/2006">
-        <mc:Choice xmlns:a14="http://schemas.microsoft.com/office/drawing/2010/main" Requires="a14">
+      <mc:AlternateContent xmlns:mc="http://schemas.openxmlformats.org/markup-compatibility/2006" xmlns:a14="http://schemas.microsoft.com/office/drawing/2010/main">
+        <mc:Choice Requires="a14">
           <p:sp>
             <p:nvSpPr>
               <p:cNvPr id="49" name="TextBox 48">
@@ -10900,6 +10946,7 @@
               </a:bodyPr>
               <a:lstStyle/>
               <a:p>
+                <a:pPr/>
                 <a14:m>
                   <m:oMathPara xmlns:m="http://schemas.openxmlformats.org/officeDocument/2006/math">
                     <m:oMathParaPr>
@@ -10920,7 +10967,7 @@
             </p:txBody>
           </p:sp>
         </mc:Choice>
-        <mc:Fallback>
+        <mc:Fallback xmlns="">
           <p:sp>
             <p:nvSpPr>
               <p:cNvPr id="49" name="TextBox 48">
@@ -10965,8 +11012,8 @@
           </p:sp>
         </mc:Fallback>
       </mc:AlternateContent>
-      <mc:AlternateContent xmlns:mc="http://schemas.openxmlformats.org/markup-compatibility/2006">
-        <mc:Choice xmlns:a14="http://schemas.microsoft.com/office/drawing/2010/main" Requires="a14">
+      <mc:AlternateContent xmlns:mc="http://schemas.openxmlformats.org/markup-compatibility/2006" xmlns:a14="http://schemas.microsoft.com/office/drawing/2010/main">
+        <mc:Choice Requires="a14">
           <p:sp>
             <p:nvSpPr>
               <p:cNvPr id="50" name="TextBox 49">
@@ -10995,6 +11042,7 @@
               </a:bodyPr>
               <a:lstStyle/>
               <a:p>
+                <a:pPr/>
                 <a14:m>
                   <m:oMathPara xmlns:m="http://schemas.openxmlformats.org/officeDocument/2006/math">
                     <m:oMathParaPr>
@@ -11016,7 +11064,7 @@
             </p:txBody>
           </p:sp>
         </mc:Choice>
-        <mc:Fallback>
+        <mc:Fallback xmlns="">
           <p:sp>
             <p:nvSpPr>
               <p:cNvPr id="50" name="TextBox 49">
@@ -11061,8 +11109,8 @@
           </p:sp>
         </mc:Fallback>
       </mc:AlternateContent>
-      <mc:AlternateContent xmlns:mc="http://schemas.openxmlformats.org/markup-compatibility/2006">
-        <mc:Choice xmlns:a14="http://schemas.microsoft.com/office/drawing/2010/main" Requires="a14">
+      <mc:AlternateContent xmlns:mc="http://schemas.openxmlformats.org/markup-compatibility/2006" xmlns:a14="http://schemas.microsoft.com/office/drawing/2010/main">
+        <mc:Choice Requires="a14">
           <p:sp>
             <p:nvSpPr>
               <p:cNvPr id="51" name="TextBox 50">
@@ -11091,6 +11139,7 @@
               </a:bodyPr>
               <a:lstStyle/>
               <a:p>
+                <a:pPr/>
                 <a14:m>
                   <m:oMathPara xmlns:m="http://schemas.openxmlformats.org/officeDocument/2006/math">
                     <m:oMathParaPr>
@@ -11112,7 +11161,7 @@
             </p:txBody>
           </p:sp>
         </mc:Choice>
-        <mc:Fallback>
+        <mc:Fallback xmlns="">
           <p:sp>
             <p:nvSpPr>
               <p:cNvPr id="51" name="TextBox 50">
@@ -11157,8 +11206,8 @@
           </p:sp>
         </mc:Fallback>
       </mc:AlternateContent>
-      <mc:AlternateContent xmlns:mc="http://schemas.openxmlformats.org/markup-compatibility/2006">
-        <mc:Choice xmlns:a14="http://schemas.microsoft.com/office/drawing/2010/main" Requires="a14">
+      <mc:AlternateContent xmlns:mc="http://schemas.openxmlformats.org/markup-compatibility/2006" xmlns:a14="http://schemas.microsoft.com/office/drawing/2010/main">
+        <mc:Choice Requires="a14">
           <p:sp>
             <p:nvSpPr>
               <p:cNvPr id="52" name="TextBox 51">
@@ -11187,6 +11236,7 @@
               </a:bodyPr>
               <a:lstStyle/>
               <a:p>
+                <a:pPr/>
                 <a14:m>
                   <m:oMathPara xmlns:m="http://schemas.openxmlformats.org/officeDocument/2006/math">
                     <m:oMathParaPr>
@@ -11207,7 +11257,7 @@
             </p:txBody>
           </p:sp>
         </mc:Choice>
-        <mc:Fallback>
+        <mc:Fallback xmlns="">
           <p:sp>
             <p:nvSpPr>
               <p:cNvPr id="52" name="TextBox 51">
@@ -11252,8 +11302,8 @@
           </p:sp>
         </mc:Fallback>
       </mc:AlternateContent>
-      <mc:AlternateContent xmlns:mc="http://schemas.openxmlformats.org/markup-compatibility/2006">
-        <mc:Choice xmlns:a14="http://schemas.microsoft.com/office/drawing/2010/main" Requires="a14">
+      <mc:AlternateContent xmlns:mc="http://schemas.openxmlformats.org/markup-compatibility/2006" xmlns:a14="http://schemas.microsoft.com/office/drawing/2010/main">
+        <mc:Choice Requires="a14">
           <p:sp>
             <p:nvSpPr>
               <p:cNvPr id="53" name="TextBox 52">
@@ -11282,6 +11332,7 @@
               </a:bodyPr>
               <a:lstStyle/>
               <a:p>
+                <a:pPr/>
                 <a14:m>
                   <m:oMathPara xmlns:m="http://schemas.openxmlformats.org/officeDocument/2006/math">
                     <m:oMathParaPr>
@@ -11302,7 +11353,7 @@
             </p:txBody>
           </p:sp>
         </mc:Choice>
-        <mc:Fallback>
+        <mc:Fallback xmlns="">
           <p:sp>
             <p:nvSpPr>
               <p:cNvPr id="53" name="TextBox 52">
@@ -11347,8 +11398,8 @@
           </p:sp>
         </mc:Fallback>
       </mc:AlternateContent>
-      <mc:AlternateContent xmlns:mc="http://schemas.openxmlformats.org/markup-compatibility/2006">
-        <mc:Choice xmlns:a14="http://schemas.microsoft.com/office/drawing/2010/main" Requires="a14">
+      <mc:AlternateContent xmlns:mc="http://schemas.openxmlformats.org/markup-compatibility/2006" xmlns:a14="http://schemas.microsoft.com/office/drawing/2010/main">
+        <mc:Choice Requires="a14">
           <p:sp>
             <p:nvSpPr>
               <p:cNvPr id="54" name="TextBox 53">
@@ -11377,6 +11428,7 @@
               </a:bodyPr>
               <a:lstStyle/>
               <a:p>
+                <a:pPr/>
                 <a14:m>
                   <m:oMathPara xmlns:m="http://schemas.openxmlformats.org/officeDocument/2006/math">
                     <m:oMathParaPr>
@@ -11397,7 +11449,7 @@
             </p:txBody>
           </p:sp>
         </mc:Choice>
-        <mc:Fallback>
+        <mc:Fallback xmlns="">
           <p:sp>
             <p:nvSpPr>
               <p:cNvPr id="54" name="TextBox 53">
@@ -11442,8 +11494,8 @@
           </p:sp>
         </mc:Fallback>
       </mc:AlternateContent>
-      <mc:AlternateContent xmlns:mc="http://schemas.openxmlformats.org/markup-compatibility/2006">
-        <mc:Choice xmlns:a14="http://schemas.microsoft.com/office/drawing/2010/main" Requires="a14">
+      <mc:AlternateContent xmlns:mc="http://schemas.openxmlformats.org/markup-compatibility/2006" xmlns:a14="http://schemas.microsoft.com/office/drawing/2010/main">
+        <mc:Choice Requires="a14">
           <p:sp>
             <p:nvSpPr>
               <p:cNvPr id="55" name="TextBox 54">
@@ -11472,6 +11524,7 @@
               </a:bodyPr>
               <a:lstStyle/>
               <a:p>
+                <a:pPr/>
                 <a14:m>
                   <m:oMathPara xmlns:m="http://schemas.openxmlformats.org/officeDocument/2006/math">
                     <m:oMathParaPr>
@@ -11493,7 +11546,7 @@
             </p:txBody>
           </p:sp>
         </mc:Choice>
-        <mc:Fallback>
+        <mc:Fallback xmlns="">
           <p:sp>
             <p:nvSpPr>
               <p:cNvPr id="55" name="TextBox 54">
@@ -11538,8 +11591,8 @@
           </p:sp>
         </mc:Fallback>
       </mc:AlternateContent>
-      <mc:AlternateContent xmlns:mc="http://schemas.openxmlformats.org/markup-compatibility/2006">
-        <mc:Choice xmlns:a14="http://schemas.microsoft.com/office/drawing/2010/main" Requires="a14">
+      <mc:AlternateContent xmlns:mc="http://schemas.openxmlformats.org/markup-compatibility/2006" xmlns:a14="http://schemas.microsoft.com/office/drawing/2010/main">
+        <mc:Choice Requires="a14">
           <p:sp>
             <p:nvSpPr>
               <p:cNvPr id="56" name="TextBox 55">
@@ -11568,6 +11621,7 @@
               </a:bodyPr>
               <a:lstStyle/>
               <a:p>
+                <a:pPr/>
                 <a14:m>
                   <m:oMathPara xmlns:m="http://schemas.openxmlformats.org/officeDocument/2006/math">
                     <m:oMathParaPr>
@@ -11588,7 +11642,7 @@
             </p:txBody>
           </p:sp>
         </mc:Choice>
-        <mc:Fallback>
+        <mc:Fallback xmlns="">
           <p:sp>
             <p:nvSpPr>
               <p:cNvPr id="56" name="TextBox 55">
@@ -12234,8 +12288,8 @@
             </a:fontRef>
           </p:style>
         </p:cxnSp>
-        <mc:AlternateContent xmlns:mc="http://schemas.openxmlformats.org/markup-compatibility/2006">
-          <mc:Choice xmlns:a14="http://schemas.microsoft.com/office/drawing/2010/main" Requires="a14">
+        <mc:AlternateContent xmlns:mc="http://schemas.openxmlformats.org/markup-compatibility/2006" xmlns:a14="http://schemas.microsoft.com/office/drawing/2010/main">
+          <mc:Choice Requires="a14">
             <p:sp>
               <p:nvSpPr>
                 <p:cNvPr id="12" name="TextBox 11">
@@ -12264,6 +12318,7 @@
                 </a:bodyPr>
                 <a:lstStyle/>
                 <a:p>
+                  <a:pPr/>
                   <a14:m>
                     <m:oMathPara xmlns:m="http://schemas.openxmlformats.org/officeDocument/2006/math">
                       <m:oMathParaPr>
@@ -12303,7 +12358,7 @@
               </p:txBody>
             </p:sp>
           </mc:Choice>
-          <mc:Fallback>
+          <mc:Fallback xmlns="">
             <p:sp>
               <p:nvSpPr>
                 <p:cNvPr id="12" name="TextBox 11">
@@ -12348,8 +12403,8 @@
             </p:sp>
           </mc:Fallback>
         </mc:AlternateContent>
-        <mc:AlternateContent xmlns:mc="http://schemas.openxmlformats.org/markup-compatibility/2006">
-          <mc:Choice xmlns:a14="http://schemas.microsoft.com/office/drawing/2010/main" Requires="a14">
+        <mc:AlternateContent xmlns:mc="http://schemas.openxmlformats.org/markup-compatibility/2006" xmlns:a14="http://schemas.microsoft.com/office/drawing/2010/main">
+          <mc:Choice Requires="a14">
             <p:sp>
               <p:nvSpPr>
                 <p:cNvPr id="13" name="TextBox 12">
@@ -12378,6 +12433,7 @@
                 </a:bodyPr>
                 <a:lstStyle/>
                 <a:p>
+                  <a:pPr/>
                   <a14:m>
                     <m:oMathPara xmlns:m="http://schemas.openxmlformats.org/officeDocument/2006/math">
                       <m:oMathParaPr>
@@ -12435,7 +12491,7 @@
               </p:txBody>
             </p:sp>
           </mc:Choice>
-          <mc:Fallback>
+          <mc:Fallback xmlns="">
             <p:sp>
               <p:nvSpPr>
                 <p:cNvPr id="13" name="TextBox 12">
@@ -12480,8 +12536,8 @@
             </p:sp>
           </mc:Fallback>
         </mc:AlternateContent>
-        <mc:AlternateContent xmlns:mc="http://schemas.openxmlformats.org/markup-compatibility/2006">
-          <mc:Choice xmlns:a14="http://schemas.microsoft.com/office/drawing/2010/main" Requires="a14">
+        <mc:AlternateContent xmlns:mc="http://schemas.openxmlformats.org/markup-compatibility/2006" xmlns:a14="http://schemas.microsoft.com/office/drawing/2010/main">
+          <mc:Choice Requires="a14">
             <p:sp>
               <p:nvSpPr>
                 <p:cNvPr id="14" name="TextBox 13">
@@ -12510,6 +12566,7 @@
                 </a:bodyPr>
                 <a:lstStyle/>
                 <a:p>
+                  <a:pPr/>
                   <a14:m>
                     <m:oMathPara xmlns:m="http://schemas.openxmlformats.org/officeDocument/2006/math">
                       <m:oMathParaPr>
@@ -12561,7 +12618,7 @@
               </p:txBody>
             </p:sp>
           </mc:Choice>
-          <mc:Fallback>
+          <mc:Fallback xmlns="">
             <p:sp>
               <p:nvSpPr>
                 <p:cNvPr id="14" name="TextBox 13">
@@ -12606,8 +12663,8 @@
             </p:sp>
           </mc:Fallback>
         </mc:AlternateContent>
-        <mc:AlternateContent xmlns:mc="http://schemas.openxmlformats.org/markup-compatibility/2006">
-          <mc:Choice xmlns:a14="http://schemas.microsoft.com/office/drawing/2010/main" Requires="a14">
+        <mc:AlternateContent xmlns:mc="http://schemas.openxmlformats.org/markup-compatibility/2006" xmlns:a14="http://schemas.microsoft.com/office/drawing/2010/main">
+          <mc:Choice Requires="a14">
             <p:sp>
               <p:nvSpPr>
                 <p:cNvPr id="15" name="TextBox 14">
@@ -12636,6 +12693,7 @@
                 </a:bodyPr>
                 <a:lstStyle/>
                 <a:p>
+                  <a:pPr/>
                   <a14:m>
                     <m:oMathPara xmlns:m="http://schemas.openxmlformats.org/officeDocument/2006/math">
                       <m:oMathParaPr>
@@ -12693,7 +12751,7 @@
               </p:txBody>
             </p:sp>
           </mc:Choice>
-          <mc:Fallback>
+          <mc:Fallback xmlns="">
             <p:sp>
               <p:nvSpPr>
                 <p:cNvPr id="15" name="TextBox 14">
@@ -12794,8 +12852,8 @@
             </a:p>
           </p:txBody>
         </p:sp>
-        <mc:AlternateContent xmlns:mc="http://schemas.openxmlformats.org/markup-compatibility/2006">
-          <mc:Choice xmlns:a14="http://schemas.microsoft.com/office/drawing/2010/main" Requires="a14">
+        <mc:AlternateContent xmlns:mc="http://schemas.openxmlformats.org/markup-compatibility/2006" xmlns:a14="http://schemas.microsoft.com/office/drawing/2010/main">
+          <mc:Choice Requires="a14">
             <p:sp>
               <p:nvSpPr>
                 <p:cNvPr id="18" name="TextBox 17">
@@ -12824,6 +12882,7 @@
                 </a:bodyPr>
                 <a:lstStyle/>
                 <a:p>
+                  <a:pPr/>
                   <a14:m>
                     <m:oMathPara xmlns:m="http://schemas.openxmlformats.org/officeDocument/2006/math">
                       <m:oMathParaPr>
@@ -13004,7 +13063,7 @@
               </p:txBody>
             </p:sp>
           </mc:Choice>
-          <mc:Fallback>
+          <mc:Fallback xmlns="">
             <p:sp>
               <p:nvSpPr>
                 <p:cNvPr id="18" name="TextBox 17">
